--- a/Презентация.pptx
+++ b/Презентация.pptx
@@ -5,7 +5,7 @@
     <p:sldMasterId id="2147483696" r:id="rId1"/>
   </p:sldMasterIdLst>
   <p:notesMasterIdLst>
-    <p:notesMasterId r:id="rId69"/>
+    <p:notesMasterId r:id="rId66"/>
   </p:notesMasterIdLst>
   <p:sldIdLst>
     <p:sldId id="256" r:id="rId2"/>
@@ -37,79 +37,76 @@
     <p:sldId id="334" r:id="rId28"/>
     <p:sldId id="300" r:id="rId29"/>
     <p:sldId id="301" r:id="rId30"/>
-    <p:sldId id="302" r:id="rId31"/>
-    <p:sldId id="303" r:id="rId32"/>
-    <p:sldId id="305" r:id="rId33"/>
-    <p:sldId id="304" r:id="rId34"/>
-    <p:sldId id="335" r:id="rId35"/>
-    <p:sldId id="336" r:id="rId36"/>
-    <p:sldId id="337" r:id="rId37"/>
-    <p:sldId id="306" r:id="rId38"/>
-    <p:sldId id="307" r:id="rId39"/>
-    <p:sldId id="308" r:id="rId40"/>
-    <p:sldId id="309" r:id="rId41"/>
-    <p:sldId id="310" r:id="rId42"/>
-    <p:sldId id="311" r:id="rId43"/>
-    <p:sldId id="338" r:id="rId44"/>
-    <p:sldId id="339" r:id="rId45"/>
-    <p:sldId id="312" r:id="rId46"/>
-    <p:sldId id="313" r:id="rId47"/>
-    <p:sldId id="314" r:id="rId48"/>
-    <p:sldId id="315" r:id="rId49"/>
-    <p:sldId id="340" r:id="rId50"/>
-    <p:sldId id="316" r:id="rId51"/>
-    <p:sldId id="341" r:id="rId52"/>
-    <p:sldId id="317" r:id="rId53"/>
-    <p:sldId id="318" r:id="rId54"/>
-    <p:sldId id="342" r:id="rId55"/>
-    <p:sldId id="319" r:id="rId56"/>
-    <p:sldId id="320" r:id="rId57"/>
-    <p:sldId id="321" r:id="rId58"/>
-    <p:sldId id="322" r:id="rId59"/>
-    <p:sldId id="323" r:id="rId60"/>
-    <p:sldId id="324" r:id="rId61"/>
-    <p:sldId id="325" r:id="rId62"/>
-    <p:sldId id="326" r:id="rId63"/>
-    <p:sldId id="331" r:id="rId64"/>
-    <p:sldId id="343" r:id="rId65"/>
-    <p:sldId id="344" r:id="rId66"/>
-    <p:sldId id="345" r:id="rId67"/>
-    <p:sldId id="346" r:id="rId68"/>
+    <p:sldId id="304" r:id="rId31"/>
+    <p:sldId id="347" r:id="rId32"/>
+    <p:sldId id="348" r:id="rId33"/>
+    <p:sldId id="349" r:id="rId34"/>
+    <p:sldId id="306" r:id="rId35"/>
+    <p:sldId id="307" r:id="rId36"/>
+    <p:sldId id="308" r:id="rId37"/>
+    <p:sldId id="309" r:id="rId38"/>
+    <p:sldId id="310" r:id="rId39"/>
+    <p:sldId id="311" r:id="rId40"/>
+    <p:sldId id="338" r:id="rId41"/>
+    <p:sldId id="339" r:id="rId42"/>
+    <p:sldId id="312" r:id="rId43"/>
+    <p:sldId id="313" r:id="rId44"/>
+    <p:sldId id="314" r:id="rId45"/>
+    <p:sldId id="315" r:id="rId46"/>
+    <p:sldId id="340" r:id="rId47"/>
+    <p:sldId id="316" r:id="rId48"/>
+    <p:sldId id="341" r:id="rId49"/>
+    <p:sldId id="317" r:id="rId50"/>
+    <p:sldId id="318" r:id="rId51"/>
+    <p:sldId id="342" r:id="rId52"/>
+    <p:sldId id="319" r:id="rId53"/>
+    <p:sldId id="320" r:id="rId54"/>
+    <p:sldId id="321" r:id="rId55"/>
+    <p:sldId id="322" r:id="rId56"/>
+    <p:sldId id="323" r:id="rId57"/>
+    <p:sldId id="324" r:id="rId58"/>
+    <p:sldId id="325" r:id="rId59"/>
+    <p:sldId id="326" r:id="rId60"/>
+    <p:sldId id="331" r:id="rId61"/>
+    <p:sldId id="343" r:id="rId62"/>
+    <p:sldId id="344" r:id="rId63"/>
+    <p:sldId id="345" r:id="rId64"/>
+    <p:sldId id="346" r:id="rId65"/>
   </p:sldIdLst>
   <p:sldSz cx="9144000" cy="5143500" type="screen16x9"/>
   <p:notesSz cx="6858000" cy="9144000"/>
   <p:embeddedFontLst>
     <p:embeddedFont>
       <p:font typeface="Actor" panose="020B0604020202020204" charset="0"/>
-      <p:regular r:id="rId70"/>
+      <p:regular r:id="rId67"/>
     </p:embeddedFont>
     <p:embeddedFont>
       <p:font typeface="Calibri" panose="020F0502020204030204" pitchFamily="34" charset="0"/>
-      <p:regular r:id="rId71"/>
-      <p:bold r:id="rId72"/>
-      <p:italic r:id="rId73"/>
-      <p:boldItalic r:id="rId74"/>
+      <p:regular r:id="rId68"/>
+      <p:bold r:id="rId69"/>
+      <p:italic r:id="rId70"/>
+      <p:boldItalic r:id="rId71"/>
     </p:embeddedFont>
     <p:embeddedFont>
       <p:font typeface="Franklin Gothic Book" panose="020B0503020102020204" pitchFamily="34" charset="0"/>
+      <p:regular r:id="rId72"/>
+      <p:italic r:id="rId73"/>
+    </p:embeddedFont>
+    <p:embeddedFont>
+      <p:font typeface="Impact" panose="020B0806030902050204" pitchFamily="34" charset="0"/>
+      <p:regular r:id="rId74"/>
+    </p:embeddedFont>
+    <p:embeddedFont>
+      <p:font typeface="Nunito Light" pitchFamily="2" charset="0"/>
       <p:regular r:id="rId75"/>
       <p:italic r:id="rId76"/>
     </p:embeddedFont>
     <p:embeddedFont>
-      <p:font typeface="Impact" panose="020B0806030902050204" pitchFamily="34" charset="0"/>
+      <p:font typeface="Raleway" pitchFamily="2" charset="0"/>
       <p:regular r:id="rId77"/>
-    </p:embeddedFont>
-    <p:embeddedFont>
-      <p:font typeface="Nunito Light" pitchFamily="2" charset="0"/>
-      <p:regular r:id="rId78"/>
+      <p:bold r:id="rId78"/>
       <p:italic r:id="rId79"/>
-    </p:embeddedFont>
-    <p:embeddedFont>
-      <p:font typeface="Raleway" pitchFamily="2" charset="0"/>
-      <p:regular r:id="rId80"/>
-      <p:bold r:id="rId81"/>
-      <p:italic r:id="rId82"/>
-      <p:boldItalic r:id="rId83"/>
+      <p:boldItalic r:id="rId80"/>
     </p:embeddedFont>
   </p:embeddedFontLst>
   <p:defaultTextStyle>
@@ -2842,6 +2839,428 @@
       </pc:sldMasterChg>
     </pc:docChg>
   </pc:docChgLst>
+  <pc:docChgLst>
+    <pc:chgData name="Miroslav" userId="5ec41f923251dfc8" providerId="LiveId" clId="{C5C8A94F-38E6-42A8-8B0B-316BCBC9E970}"/>
+    <pc:docChg chg="undo custSel addSld delSld modSld">
+      <pc:chgData name="Miroslav" userId="5ec41f923251dfc8" providerId="LiveId" clId="{C5C8A94F-38E6-42A8-8B0B-316BCBC9E970}" dt="2024-06-26T18:05:35.321" v="125" actId="1076"/>
+      <pc:docMkLst>
+        <pc:docMk/>
+      </pc:docMkLst>
+      <pc:sldChg chg="del">
+        <pc:chgData name="Miroslav" userId="5ec41f923251dfc8" providerId="LiveId" clId="{C5C8A94F-38E6-42A8-8B0B-316BCBC9E970}" dt="2024-06-26T17:58:49.955" v="0" actId="47"/>
+        <pc:sldMkLst>
+          <pc:docMk/>
+          <pc:sldMk cId="3413401309" sldId="302"/>
+        </pc:sldMkLst>
+      </pc:sldChg>
+      <pc:sldChg chg="del">
+        <pc:chgData name="Miroslav" userId="5ec41f923251dfc8" providerId="LiveId" clId="{C5C8A94F-38E6-42A8-8B0B-316BCBC9E970}" dt="2024-06-26T17:58:57.387" v="1" actId="47"/>
+        <pc:sldMkLst>
+          <pc:docMk/>
+          <pc:sldMk cId="1024880299" sldId="303"/>
+        </pc:sldMkLst>
+      </pc:sldChg>
+      <pc:sldChg chg="del">
+        <pc:chgData name="Miroslav" userId="5ec41f923251dfc8" providerId="LiveId" clId="{C5C8A94F-38E6-42A8-8B0B-316BCBC9E970}" dt="2024-06-26T17:59:06.631" v="2" actId="47"/>
+        <pc:sldMkLst>
+          <pc:docMk/>
+          <pc:sldMk cId="2221180341" sldId="305"/>
+        </pc:sldMkLst>
+      </pc:sldChg>
+      <pc:sldChg chg="addSp delSp modSp mod">
+        <pc:chgData name="Miroslav" userId="5ec41f923251dfc8" providerId="LiveId" clId="{C5C8A94F-38E6-42A8-8B0B-316BCBC9E970}" dt="2024-06-26T18:01:54.010" v="80" actId="1076"/>
+        <pc:sldMkLst>
+          <pc:docMk/>
+          <pc:sldMk cId="2615688744" sldId="307"/>
+        </pc:sldMkLst>
+        <pc:picChg chg="del">
+          <ac:chgData name="Miroslav" userId="5ec41f923251dfc8" providerId="LiveId" clId="{C5C8A94F-38E6-42A8-8B0B-316BCBC9E970}" dt="2024-06-26T18:01:49.695" v="76" actId="478"/>
+          <ac:picMkLst>
+            <pc:docMk/>
+            <pc:sldMk cId="2615688744" sldId="307"/>
+            <ac:picMk id="5" creationId="{5666E9F1-C600-434F-9955-DBAF94AD5A60}"/>
+          </ac:picMkLst>
+        </pc:picChg>
+        <pc:picChg chg="add mod">
+          <ac:chgData name="Miroslav" userId="5ec41f923251dfc8" providerId="LiveId" clId="{C5C8A94F-38E6-42A8-8B0B-316BCBC9E970}" dt="2024-06-26T18:01:54.010" v="80" actId="1076"/>
+          <ac:picMkLst>
+            <pc:docMk/>
+            <pc:sldMk cId="2615688744" sldId="307"/>
+            <ac:picMk id="6" creationId="{448BF202-F29E-45D2-A601-49712C01C135}"/>
+          </ac:picMkLst>
+        </pc:picChg>
+      </pc:sldChg>
+      <pc:sldChg chg="addSp delSp modSp mod">
+        <pc:chgData name="Miroslav" userId="5ec41f923251dfc8" providerId="LiveId" clId="{C5C8A94F-38E6-42A8-8B0B-316BCBC9E970}" dt="2024-06-26T18:02:04.538" v="85" actId="1076"/>
+        <pc:sldMkLst>
+          <pc:docMk/>
+          <pc:sldMk cId="1527411549" sldId="308"/>
+        </pc:sldMkLst>
+        <pc:picChg chg="add mod">
+          <ac:chgData name="Miroslav" userId="5ec41f923251dfc8" providerId="LiveId" clId="{C5C8A94F-38E6-42A8-8B0B-316BCBC9E970}" dt="2024-06-26T18:02:04.538" v="85" actId="1076"/>
+          <ac:picMkLst>
+            <pc:docMk/>
+            <pc:sldMk cId="1527411549" sldId="308"/>
+            <ac:picMk id="5" creationId="{02F69C34-DF6A-4454-A0CB-DBF815BB551E}"/>
+          </ac:picMkLst>
+        </pc:picChg>
+        <pc:picChg chg="del">
+          <ac:chgData name="Miroslav" userId="5ec41f923251dfc8" providerId="LiveId" clId="{C5C8A94F-38E6-42A8-8B0B-316BCBC9E970}" dt="2024-06-26T18:02:01.099" v="81" actId="478"/>
+          <ac:picMkLst>
+            <pc:docMk/>
+            <pc:sldMk cId="1527411549" sldId="308"/>
+            <ac:picMk id="6" creationId="{73E301A1-9645-4C26-AC9F-1C8F66FB8540}"/>
+          </ac:picMkLst>
+        </pc:picChg>
+      </pc:sldChg>
+      <pc:sldChg chg="addSp delSp modSp mod">
+        <pc:chgData name="Miroslav" userId="5ec41f923251dfc8" providerId="LiveId" clId="{C5C8A94F-38E6-42A8-8B0B-316BCBC9E970}" dt="2024-06-26T18:02:12.760" v="90" actId="1076"/>
+        <pc:sldMkLst>
+          <pc:docMk/>
+          <pc:sldMk cId="1567033956" sldId="309"/>
+        </pc:sldMkLst>
+        <pc:picChg chg="add mod">
+          <ac:chgData name="Miroslav" userId="5ec41f923251dfc8" providerId="LiveId" clId="{C5C8A94F-38E6-42A8-8B0B-316BCBC9E970}" dt="2024-06-26T18:02:12.760" v="90" actId="1076"/>
+          <ac:picMkLst>
+            <pc:docMk/>
+            <pc:sldMk cId="1567033956" sldId="309"/>
+            <ac:picMk id="5" creationId="{B1D1175D-CC8B-4ED8-A32F-5336676C9BF9}"/>
+          </ac:picMkLst>
+        </pc:picChg>
+        <pc:picChg chg="del">
+          <ac:chgData name="Miroslav" userId="5ec41f923251dfc8" providerId="LiveId" clId="{C5C8A94F-38E6-42A8-8B0B-316BCBC9E970}" dt="2024-06-26T18:02:09.792" v="86" actId="478"/>
+          <ac:picMkLst>
+            <pc:docMk/>
+            <pc:sldMk cId="1567033956" sldId="309"/>
+            <ac:picMk id="6" creationId="{FB62A5D8-5801-4148-A06A-D9853F024905}"/>
+          </ac:picMkLst>
+        </pc:picChg>
+      </pc:sldChg>
+      <pc:sldChg chg="addSp delSp modSp mod">
+        <pc:chgData name="Miroslav" userId="5ec41f923251dfc8" providerId="LiveId" clId="{C5C8A94F-38E6-42A8-8B0B-316BCBC9E970}" dt="2024-06-26T18:02:21.749" v="95" actId="1076"/>
+        <pc:sldMkLst>
+          <pc:docMk/>
+          <pc:sldMk cId="4023741927" sldId="310"/>
+        </pc:sldMkLst>
+        <pc:picChg chg="add mod">
+          <ac:chgData name="Miroslav" userId="5ec41f923251dfc8" providerId="LiveId" clId="{C5C8A94F-38E6-42A8-8B0B-316BCBC9E970}" dt="2024-06-26T18:02:21.749" v="95" actId="1076"/>
+          <ac:picMkLst>
+            <pc:docMk/>
+            <pc:sldMk cId="4023741927" sldId="310"/>
+            <ac:picMk id="5" creationId="{D739FF38-5FC4-47F8-B319-E6522990F270}"/>
+          </ac:picMkLst>
+        </pc:picChg>
+        <pc:picChg chg="del">
+          <ac:chgData name="Miroslav" userId="5ec41f923251dfc8" providerId="LiveId" clId="{C5C8A94F-38E6-42A8-8B0B-316BCBC9E970}" dt="2024-06-26T18:02:17.810" v="91" actId="478"/>
+          <ac:picMkLst>
+            <pc:docMk/>
+            <pc:sldMk cId="4023741927" sldId="310"/>
+            <ac:picMk id="6" creationId="{AD2B6374-1F9B-46F8-AE8E-8A2754FD78A9}"/>
+          </ac:picMkLst>
+        </pc:picChg>
+      </pc:sldChg>
+      <pc:sldChg chg="addSp delSp modSp mod">
+        <pc:chgData name="Miroslav" userId="5ec41f923251dfc8" providerId="LiveId" clId="{C5C8A94F-38E6-42A8-8B0B-316BCBC9E970}" dt="2024-06-26T18:02:28.439" v="98" actId="1076"/>
+        <pc:sldMkLst>
+          <pc:docMk/>
+          <pc:sldMk cId="584409136" sldId="311"/>
+        </pc:sldMkLst>
+        <pc:picChg chg="add mod">
+          <ac:chgData name="Miroslav" userId="5ec41f923251dfc8" providerId="LiveId" clId="{C5C8A94F-38E6-42A8-8B0B-316BCBC9E970}" dt="2024-06-26T18:02:28.439" v="98" actId="1076"/>
+          <ac:picMkLst>
+            <pc:docMk/>
+            <pc:sldMk cId="584409136" sldId="311"/>
+            <ac:picMk id="5" creationId="{DBA6E61C-269C-43ED-990B-336F8584E139}"/>
+          </ac:picMkLst>
+        </pc:picChg>
+        <pc:picChg chg="del">
+          <ac:chgData name="Miroslav" userId="5ec41f923251dfc8" providerId="LiveId" clId="{C5C8A94F-38E6-42A8-8B0B-316BCBC9E970}" dt="2024-06-26T18:02:26.939" v="96" actId="478"/>
+          <ac:picMkLst>
+            <pc:docMk/>
+            <pc:sldMk cId="584409136" sldId="311"/>
+            <ac:picMk id="6" creationId="{CFC510EB-FBFD-490A-B086-7CABB381B2E8}"/>
+          </ac:picMkLst>
+        </pc:picChg>
+      </pc:sldChg>
+      <pc:sldChg chg="addSp delSp modSp mod">
+        <pc:chgData name="Miroslav" userId="5ec41f923251dfc8" providerId="LiveId" clId="{C5C8A94F-38E6-42A8-8B0B-316BCBC9E970}" dt="2024-06-26T18:04:47.221" v="113" actId="14100"/>
+        <pc:sldMkLst>
+          <pc:docMk/>
+          <pc:sldMk cId="3006671731" sldId="323"/>
+        </pc:sldMkLst>
+        <pc:picChg chg="del">
+          <ac:chgData name="Miroslav" userId="5ec41f923251dfc8" providerId="LiveId" clId="{C5C8A94F-38E6-42A8-8B0B-316BCBC9E970}" dt="2024-06-26T18:04:42.462" v="110" actId="478"/>
+          <ac:picMkLst>
+            <pc:docMk/>
+            <pc:sldMk cId="3006671731" sldId="323"/>
+            <ac:picMk id="7" creationId="{17D9D7EF-9BFC-47D4-B3A2-16DE4E3D0CCF}"/>
+          </ac:picMkLst>
+        </pc:picChg>
+        <pc:picChg chg="add mod">
+          <ac:chgData name="Miroslav" userId="5ec41f923251dfc8" providerId="LiveId" clId="{C5C8A94F-38E6-42A8-8B0B-316BCBC9E970}" dt="2024-06-26T18:04:47.221" v="113" actId="14100"/>
+          <ac:picMkLst>
+            <pc:docMk/>
+            <pc:sldMk cId="3006671731" sldId="323"/>
+            <ac:picMk id="8" creationId="{874C57D0-F014-4830-BB3F-B7DAB12B08F3}"/>
+          </ac:picMkLst>
+        </pc:picChg>
+      </pc:sldChg>
+      <pc:sldChg chg="addSp delSp modSp mod">
+        <pc:chgData name="Miroslav" userId="5ec41f923251dfc8" providerId="LiveId" clId="{C5C8A94F-38E6-42A8-8B0B-316BCBC9E970}" dt="2024-06-26T18:05:35.321" v="125" actId="1076"/>
+        <pc:sldMkLst>
+          <pc:docMk/>
+          <pc:sldMk cId="38238592" sldId="326"/>
+        </pc:sldMkLst>
+        <pc:picChg chg="del">
+          <ac:chgData name="Miroslav" userId="5ec41f923251dfc8" providerId="LiveId" clId="{C5C8A94F-38E6-42A8-8B0B-316BCBC9E970}" dt="2024-06-26T18:05:11.986" v="114" actId="478"/>
+          <ac:picMkLst>
+            <pc:docMk/>
+            <pc:sldMk cId="38238592" sldId="326"/>
+            <ac:picMk id="7" creationId="{74726270-E982-4E0D-838C-E72879C79853}"/>
+          </ac:picMkLst>
+        </pc:picChg>
+        <pc:picChg chg="add mod">
+          <ac:chgData name="Miroslav" userId="5ec41f923251dfc8" providerId="LiveId" clId="{C5C8A94F-38E6-42A8-8B0B-316BCBC9E970}" dt="2024-06-26T18:05:22.820" v="120" actId="1076"/>
+          <ac:picMkLst>
+            <pc:docMk/>
+            <pc:sldMk cId="38238592" sldId="326"/>
+            <ac:picMk id="8" creationId="{49EEF820-E6C2-495D-9485-A579F58831B2}"/>
+          </ac:picMkLst>
+        </pc:picChg>
+        <pc:picChg chg="add mod">
+          <ac:chgData name="Miroslav" userId="5ec41f923251dfc8" providerId="LiveId" clId="{C5C8A94F-38E6-42A8-8B0B-316BCBC9E970}" dt="2024-06-26T18:05:35.321" v="125" actId="1076"/>
+          <ac:picMkLst>
+            <pc:docMk/>
+            <pc:sldMk cId="38238592" sldId="326"/>
+            <ac:picMk id="10" creationId="{2DB3E4E4-92AC-4FF3-BCAE-1F82903FEA3C}"/>
+          </ac:picMkLst>
+        </pc:picChg>
+        <pc:picChg chg="del">
+          <ac:chgData name="Miroslav" userId="5ec41f923251dfc8" providerId="LiveId" clId="{C5C8A94F-38E6-42A8-8B0B-316BCBC9E970}" dt="2024-06-26T18:05:26.909" v="121" actId="478"/>
+          <ac:picMkLst>
+            <pc:docMk/>
+            <pc:sldMk cId="38238592" sldId="326"/>
+            <ac:picMk id="12" creationId="{C3E28C90-042E-4C54-A39A-77E8850A0DBF}"/>
+          </ac:picMkLst>
+        </pc:picChg>
+      </pc:sldChg>
+      <pc:sldChg chg="del">
+        <pc:chgData name="Miroslav" userId="5ec41f923251dfc8" providerId="LiveId" clId="{C5C8A94F-38E6-42A8-8B0B-316BCBC9E970}" dt="2024-06-26T18:01:28.700" v="73" actId="47"/>
+        <pc:sldMkLst>
+          <pc:docMk/>
+          <pc:sldMk cId="4000002696" sldId="335"/>
+        </pc:sldMkLst>
+      </pc:sldChg>
+      <pc:sldChg chg="del">
+        <pc:chgData name="Miroslav" userId="5ec41f923251dfc8" providerId="LiveId" clId="{C5C8A94F-38E6-42A8-8B0B-316BCBC9E970}" dt="2024-06-26T18:01:32.335" v="74" actId="47"/>
+        <pc:sldMkLst>
+          <pc:docMk/>
+          <pc:sldMk cId="3387717097" sldId="336"/>
+        </pc:sldMkLst>
+      </pc:sldChg>
+      <pc:sldChg chg="del">
+        <pc:chgData name="Miroslav" userId="5ec41f923251dfc8" providerId="LiveId" clId="{C5C8A94F-38E6-42A8-8B0B-316BCBC9E970}" dt="2024-06-26T18:01:35.339" v="75" actId="47"/>
+        <pc:sldMkLst>
+          <pc:docMk/>
+          <pc:sldMk cId="218064016" sldId="337"/>
+        </pc:sldMkLst>
+      </pc:sldChg>
+      <pc:sldChg chg="addSp delSp modSp mod">
+        <pc:chgData name="Miroslav" userId="5ec41f923251dfc8" providerId="LiveId" clId="{C5C8A94F-38E6-42A8-8B0B-316BCBC9E970}" dt="2024-06-26T18:02:39.395" v="103" actId="1076"/>
+        <pc:sldMkLst>
+          <pc:docMk/>
+          <pc:sldMk cId="1028370073" sldId="338"/>
+        </pc:sldMkLst>
+        <pc:picChg chg="del">
+          <ac:chgData name="Miroslav" userId="5ec41f923251dfc8" providerId="LiveId" clId="{C5C8A94F-38E6-42A8-8B0B-316BCBC9E970}" dt="2024-06-26T18:02:33.456" v="99" actId="478"/>
+          <ac:picMkLst>
+            <pc:docMk/>
+            <pc:sldMk cId="1028370073" sldId="338"/>
+            <ac:picMk id="5" creationId="{0BF47484-5504-42F9-9723-CE6F48359C05}"/>
+          </ac:picMkLst>
+        </pc:picChg>
+        <pc:picChg chg="add mod">
+          <ac:chgData name="Miroslav" userId="5ec41f923251dfc8" providerId="LiveId" clId="{C5C8A94F-38E6-42A8-8B0B-316BCBC9E970}" dt="2024-06-26T18:02:39.395" v="103" actId="1076"/>
+          <ac:picMkLst>
+            <pc:docMk/>
+            <pc:sldMk cId="1028370073" sldId="338"/>
+            <ac:picMk id="6" creationId="{0CF78CD1-7346-41EB-90E8-2F475186C364}"/>
+          </ac:picMkLst>
+        </pc:picChg>
+      </pc:sldChg>
+      <pc:sldChg chg="addSp delSp modSp mod">
+        <pc:chgData name="Miroslav" userId="5ec41f923251dfc8" providerId="LiveId" clId="{C5C8A94F-38E6-42A8-8B0B-316BCBC9E970}" dt="2024-06-26T18:04:00.371" v="109" actId="14100"/>
+        <pc:sldMkLst>
+          <pc:docMk/>
+          <pc:sldMk cId="342631175" sldId="341"/>
+        </pc:sldMkLst>
+        <pc:picChg chg="add mod">
+          <ac:chgData name="Miroslav" userId="5ec41f923251dfc8" providerId="LiveId" clId="{C5C8A94F-38E6-42A8-8B0B-316BCBC9E970}" dt="2024-06-26T18:04:00.371" v="109" actId="14100"/>
+          <ac:picMkLst>
+            <pc:docMk/>
+            <pc:sldMk cId="342631175" sldId="341"/>
+            <ac:picMk id="5" creationId="{DF26FBFA-4EA3-4052-BF2D-1EDBB5FC9177}"/>
+          </ac:picMkLst>
+        </pc:picChg>
+        <pc:picChg chg="del">
+          <ac:chgData name="Miroslav" userId="5ec41f923251dfc8" providerId="LiveId" clId="{C5C8A94F-38E6-42A8-8B0B-316BCBC9E970}" dt="2024-06-26T18:03:52.501" v="104" actId="478"/>
+          <ac:picMkLst>
+            <pc:docMk/>
+            <pc:sldMk cId="342631175" sldId="341"/>
+            <ac:picMk id="6" creationId="{8F6A6B1D-784A-458E-867B-A05A9161F779}"/>
+          </ac:picMkLst>
+        </pc:picChg>
+      </pc:sldChg>
+      <pc:sldChg chg="addSp delSp modSp add mod">
+        <pc:chgData name="Miroslav" userId="5ec41f923251dfc8" providerId="LiveId" clId="{C5C8A94F-38E6-42A8-8B0B-316BCBC9E970}" dt="2024-06-26T17:59:47.579" v="27" actId="1076"/>
+        <pc:sldMkLst>
+          <pc:docMk/>
+          <pc:sldMk cId="4086177896" sldId="347"/>
+        </pc:sldMkLst>
+        <pc:spChg chg="mod">
+          <ac:chgData name="Miroslav" userId="5ec41f923251dfc8" providerId="LiveId" clId="{C5C8A94F-38E6-42A8-8B0B-316BCBC9E970}" dt="2024-06-26T17:59:29.778" v="17" actId="20577"/>
+          <ac:spMkLst>
+            <pc:docMk/>
+            <pc:sldMk cId="4086177896" sldId="347"/>
+            <ac:spMk id="9" creationId="{5A313165-15B5-4CC6-8DA9-45FCA660F07B}"/>
+          </ac:spMkLst>
+        </pc:spChg>
+        <pc:picChg chg="del">
+          <ac:chgData name="Miroslav" userId="5ec41f923251dfc8" providerId="LiveId" clId="{C5C8A94F-38E6-42A8-8B0B-316BCBC9E970}" dt="2024-06-26T17:59:34.648" v="18" actId="478"/>
+          <ac:picMkLst>
+            <pc:docMk/>
+            <pc:sldMk cId="4086177896" sldId="347"/>
+            <ac:picMk id="5" creationId="{2B064471-2289-483B-91FC-D11FECE5C04C}"/>
+          </ac:picMkLst>
+        </pc:picChg>
+        <pc:picChg chg="del mod">
+          <ac:chgData name="Miroslav" userId="5ec41f923251dfc8" providerId="LiveId" clId="{C5C8A94F-38E6-42A8-8B0B-316BCBC9E970}" dt="2024-06-26T17:59:37.566" v="22" actId="478"/>
+          <ac:picMkLst>
+            <pc:docMk/>
+            <pc:sldMk cId="4086177896" sldId="347"/>
+            <ac:picMk id="6" creationId="{5891225F-09B3-46FC-9788-1886AFE47EEC}"/>
+          </ac:picMkLst>
+        </pc:picChg>
+        <pc:picChg chg="add mod">
+          <ac:chgData name="Miroslav" userId="5ec41f923251dfc8" providerId="LiveId" clId="{C5C8A94F-38E6-42A8-8B0B-316BCBC9E970}" dt="2024-06-26T17:59:46.399" v="26" actId="14100"/>
+          <ac:picMkLst>
+            <pc:docMk/>
+            <pc:sldMk cId="4086177896" sldId="347"/>
+            <ac:picMk id="7" creationId="{AE5E77B1-0E12-4D72-B8C9-F56381501B00}"/>
+          </ac:picMkLst>
+        </pc:picChg>
+        <pc:picChg chg="add mod">
+          <ac:chgData name="Miroslav" userId="5ec41f923251dfc8" providerId="LiveId" clId="{C5C8A94F-38E6-42A8-8B0B-316BCBC9E970}" dt="2024-06-26T17:59:47.579" v="27" actId="1076"/>
+          <ac:picMkLst>
+            <pc:docMk/>
+            <pc:sldMk cId="4086177896" sldId="347"/>
+            <ac:picMk id="8" creationId="{5C27841F-40E8-4371-A6B9-BE7196357CE6}"/>
+          </ac:picMkLst>
+        </pc:picChg>
+      </pc:sldChg>
+      <pc:sldChg chg="addSp delSp modSp add mod">
+        <pc:chgData name="Miroslav" userId="5ec41f923251dfc8" providerId="LiveId" clId="{C5C8A94F-38E6-42A8-8B0B-316BCBC9E970}" dt="2024-06-26T18:00:19.786" v="53" actId="1076"/>
+        <pc:sldMkLst>
+          <pc:docMk/>
+          <pc:sldMk cId="2521802130" sldId="348"/>
+        </pc:sldMkLst>
+        <pc:spChg chg="mod">
+          <ac:chgData name="Miroslav" userId="5ec41f923251dfc8" providerId="LiveId" clId="{C5C8A94F-38E6-42A8-8B0B-316BCBC9E970}" dt="2024-06-26T18:00:02.222" v="45" actId="20577"/>
+          <ac:spMkLst>
+            <pc:docMk/>
+            <pc:sldMk cId="2521802130" sldId="348"/>
+            <ac:spMk id="9" creationId="{5A313165-15B5-4CC6-8DA9-45FCA660F07B}"/>
+          </ac:spMkLst>
+        </pc:spChg>
+        <pc:picChg chg="add mod">
+          <ac:chgData name="Miroslav" userId="5ec41f923251dfc8" providerId="LiveId" clId="{C5C8A94F-38E6-42A8-8B0B-316BCBC9E970}" dt="2024-06-26T18:00:09.524" v="48" actId="1076"/>
+          <ac:picMkLst>
+            <pc:docMk/>
+            <pc:sldMk cId="2521802130" sldId="348"/>
+            <ac:picMk id="6" creationId="{3DD4D144-5ECC-4621-AF41-80B6B9CC0B15}"/>
+          </ac:picMkLst>
+        </pc:picChg>
+        <pc:picChg chg="del">
+          <ac:chgData name="Miroslav" userId="5ec41f923251dfc8" providerId="LiveId" clId="{C5C8A94F-38E6-42A8-8B0B-316BCBC9E970}" dt="2024-06-26T18:00:07.649" v="46" actId="478"/>
+          <ac:picMkLst>
+            <pc:docMk/>
+            <pc:sldMk cId="2521802130" sldId="348"/>
+            <ac:picMk id="7" creationId="{AE5E77B1-0E12-4D72-B8C9-F56381501B00}"/>
+          </ac:picMkLst>
+        </pc:picChg>
+        <pc:picChg chg="del">
+          <ac:chgData name="Miroslav" userId="5ec41f923251dfc8" providerId="LiveId" clId="{C5C8A94F-38E6-42A8-8B0B-316BCBC9E970}" dt="2024-06-26T18:00:12.011" v="49" actId="478"/>
+          <ac:picMkLst>
+            <pc:docMk/>
+            <pc:sldMk cId="2521802130" sldId="348"/>
+            <ac:picMk id="8" creationId="{5C27841F-40E8-4371-A6B9-BE7196357CE6}"/>
+          </ac:picMkLst>
+        </pc:picChg>
+        <pc:picChg chg="add mod">
+          <ac:chgData name="Miroslav" userId="5ec41f923251dfc8" providerId="LiveId" clId="{C5C8A94F-38E6-42A8-8B0B-316BCBC9E970}" dt="2024-06-26T18:00:19.786" v="53" actId="1076"/>
+          <ac:picMkLst>
+            <pc:docMk/>
+            <pc:sldMk cId="2521802130" sldId="348"/>
+            <ac:picMk id="10" creationId="{28C5D06D-BDB1-4758-9A9D-E9E89BC85080}"/>
+          </ac:picMkLst>
+        </pc:picChg>
+      </pc:sldChg>
+      <pc:sldChg chg="addSp delSp modSp add mod">
+        <pc:chgData name="Miroslav" userId="5ec41f923251dfc8" providerId="LiveId" clId="{C5C8A94F-38E6-42A8-8B0B-316BCBC9E970}" dt="2024-06-26T18:01:01.642" v="72" actId="1076"/>
+        <pc:sldMkLst>
+          <pc:docMk/>
+          <pc:sldMk cId="3005671142" sldId="349"/>
+        </pc:sldMkLst>
+        <pc:spChg chg="mod">
+          <ac:chgData name="Miroslav" userId="5ec41f923251dfc8" providerId="LiveId" clId="{C5C8A94F-38E6-42A8-8B0B-316BCBC9E970}" dt="2024-06-26T18:00:30.803" v="60" actId="20577"/>
+          <ac:spMkLst>
+            <pc:docMk/>
+            <pc:sldMk cId="3005671142" sldId="349"/>
+            <ac:spMk id="9" creationId="{5A313165-15B5-4CC6-8DA9-45FCA660F07B}"/>
+          </ac:spMkLst>
+        </pc:spChg>
+        <pc:picChg chg="del">
+          <ac:chgData name="Miroslav" userId="5ec41f923251dfc8" providerId="LiveId" clId="{C5C8A94F-38E6-42A8-8B0B-316BCBC9E970}" dt="2024-06-26T18:00:32.185" v="61" actId="478"/>
+          <ac:picMkLst>
+            <pc:docMk/>
+            <pc:sldMk cId="3005671142" sldId="349"/>
+            <ac:picMk id="6" creationId="{3DD4D144-5ECC-4621-AF41-80B6B9CC0B15}"/>
+          </ac:picMkLst>
+        </pc:picChg>
+        <pc:picChg chg="add mod">
+          <ac:chgData name="Miroslav" userId="5ec41f923251dfc8" providerId="LiveId" clId="{C5C8A94F-38E6-42A8-8B0B-316BCBC9E970}" dt="2024-06-26T18:00:42.475" v="67" actId="1076"/>
+          <ac:picMkLst>
+            <pc:docMk/>
+            <pc:sldMk cId="3005671142" sldId="349"/>
+            <ac:picMk id="7" creationId="{4DF9A941-90C7-48BD-9F7B-FF00994009F8}"/>
+          </ac:picMkLst>
+        </pc:picChg>
+        <pc:picChg chg="add mod">
+          <ac:chgData name="Miroslav" userId="5ec41f923251dfc8" providerId="LiveId" clId="{C5C8A94F-38E6-42A8-8B0B-316BCBC9E970}" dt="2024-06-26T18:01:01.642" v="72" actId="1076"/>
+          <ac:picMkLst>
+            <pc:docMk/>
+            <pc:sldMk cId="3005671142" sldId="349"/>
+            <ac:picMk id="8" creationId="{CC8542F6-0A5B-4706-A341-E4AB401ACC16}"/>
+          </ac:picMkLst>
+        </pc:picChg>
+        <pc:picChg chg="del">
+          <ac:chgData name="Miroslav" userId="5ec41f923251dfc8" providerId="LiveId" clId="{C5C8A94F-38E6-42A8-8B0B-316BCBC9E970}" dt="2024-06-26T18:00:43.311" v="68" actId="478"/>
+          <ac:picMkLst>
+            <pc:docMk/>
+            <pc:sldMk cId="3005671142" sldId="349"/>
+            <ac:picMk id="10" creationId="{28C5D06D-BDB1-4758-9A9D-E9E89BC85080}"/>
+          </ac:picMkLst>
+        </pc:picChg>
+      </pc:sldChg>
+      <pc:sldChg chg="add del">
+        <pc:chgData name="Miroslav" userId="5ec41f923251dfc8" providerId="LiveId" clId="{C5C8A94F-38E6-42A8-8B0B-316BCBC9E970}" dt="2024-06-26T18:00:33.256" v="63"/>
+        <pc:sldMkLst>
+          <pc:docMk/>
+          <pc:sldMk cId="4246314279" sldId="350"/>
+        </pc:sldMkLst>
+      </pc:sldChg>
+    </pc:docChg>
+  </pc:docChgLst>
 </pc:chgInfo>
 </file>
 
@@ -5872,7 +6291,7 @@
     </p:spTree>
     <p:extLst>
       <p:ext uri="{BB962C8B-B14F-4D97-AF65-F5344CB8AC3E}">
-        <p14:creationId xmlns:p14="http://schemas.microsoft.com/office/powerpoint/2010/main" val="2845577700"/>
+        <p14:creationId xmlns:p14="http://schemas.microsoft.com/office/powerpoint/2010/main" val="1401658697"/>
       </p:ext>
     </p:extLst>
   </p:cSld>
@@ -5981,7 +6400,7 @@
     </p:spTree>
     <p:extLst>
       <p:ext uri="{BB962C8B-B14F-4D97-AF65-F5344CB8AC3E}">
-        <p14:creationId xmlns:p14="http://schemas.microsoft.com/office/powerpoint/2010/main" val="953944911"/>
+        <p14:creationId xmlns:p14="http://schemas.microsoft.com/office/powerpoint/2010/main" val="698360084"/>
       </p:ext>
     </p:extLst>
   </p:cSld>
@@ -6090,7 +6509,7 @@
     </p:spTree>
     <p:extLst>
       <p:ext uri="{BB962C8B-B14F-4D97-AF65-F5344CB8AC3E}">
-        <p14:creationId xmlns:p14="http://schemas.microsoft.com/office/powerpoint/2010/main" val="2386766133"/>
+        <p14:creationId xmlns:p14="http://schemas.microsoft.com/office/powerpoint/2010/main" val="2587599106"/>
       </p:ext>
     </p:extLst>
   </p:cSld>
@@ -6199,7 +6618,7 @@
     </p:spTree>
     <p:extLst>
       <p:ext uri="{BB962C8B-B14F-4D97-AF65-F5344CB8AC3E}">
-        <p14:creationId xmlns:p14="http://schemas.microsoft.com/office/powerpoint/2010/main" val="1401658697"/>
+        <p14:creationId xmlns:p14="http://schemas.microsoft.com/office/powerpoint/2010/main" val="3060127022"/>
       </p:ext>
     </p:extLst>
   </p:cSld>
@@ -6308,7 +6727,7 @@
     </p:spTree>
     <p:extLst>
       <p:ext uri="{BB962C8B-B14F-4D97-AF65-F5344CB8AC3E}">
-        <p14:creationId xmlns:p14="http://schemas.microsoft.com/office/powerpoint/2010/main" val="1573721572"/>
+        <p14:creationId xmlns:p14="http://schemas.microsoft.com/office/powerpoint/2010/main" val="1096299590"/>
       </p:ext>
     </p:extLst>
   </p:cSld>
@@ -6417,7 +6836,7 @@
     </p:spTree>
     <p:extLst>
       <p:ext uri="{BB962C8B-B14F-4D97-AF65-F5344CB8AC3E}">
-        <p14:creationId xmlns:p14="http://schemas.microsoft.com/office/powerpoint/2010/main" val="3108175523"/>
+        <p14:creationId xmlns:p14="http://schemas.microsoft.com/office/powerpoint/2010/main" val="3215182445"/>
       </p:ext>
     </p:extLst>
   </p:cSld>
@@ -6526,7 +6945,7 @@
     </p:spTree>
     <p:extLst>
       <p:ext uri="{BB962C8B-B14F-4D97-AF65-F5344CB8AC3E}">
-        <p14:creationId xmlns:p14="http://schemas.microsoft.com/office/powerpoint/2010/main" val="724291644"/>
+        <p14:creationId xmlns:p14="http://schemas.microsoft.com/office/powerpoint/2010/main" val="3704783513"/>
       </p:ext>
     </p:extLst>
   </p:cSld>
@@ -6635,7 +7054,7 @@
     </p:spTree>
     <p:extLst>
       <p:ext uri="{BB962C8B-B14F-4D97-AF65-F5344CB8AC3E}">
-        <p14:creationId xmlns:p14="http://schemas.microsoft.com/office/powerpoint/2010/main" val="1096299590"/>
+        <p14:creationId xmlns:p14="http://schemas.microsoft.com/office/powerpoint/2010/main" val="2098679630"/>
       </p:ext>
     </p:extLst>
   </p:cSld>
@@ -6744,7 +7163,7 @@
     </p:spTree>
     <p:extLst>
       <p:ext uri="{BB962C8B-B14F-4D97-AF65-F5344CB8AC3E}">
-        <p14:creationId xmlns:p14="http://schemas.microsoft.com/office/powerpoint/2010/main" val="3215182445"/>
+        <p14:creationId xmlns:p14="http://schemas.microsoft.com/office/powerpoint/2010/main" val="331291990"/>
       </p:ext>
     </p:extLst>
   </p:cSld>
@@ -6853,7 +7272,7 @@
     </p:spTree>
     <p:extLst>
       <p:ext uri="{BB962C8B-B14F-4D97-AF65-F5344CB8AC3E}">
-        <p14:creationId xmlns:p14="http://schemas.microsoft.com/office/powerpoint/2010/main" val="3704783513"/>
+        <p14:creationId xmlns:p14="http://schemas.microsoft.com/office/powerpoint/2010/main" val="1629715304"/>
       </p:ext>
     </p:extLst>
   </p:cSld>
@@ -7071,7 +7490,7 @@
     </p:spTree>
     <p:extLst>
       <p:ext uri="{BB962C8B-B14F-4D97-AF65-F5344CB8AC3E}">
-        <p14:creationId xmlns:p14="http://schemas.microsoft.com/office/powerpoint/2010/main" val="2098679630"/>
+        <p14:creationId xmlns:p14="http://schemas.microsoft.com/office/powerpoint/2010/main" val="2822726184"/>
       </p:ext>
     </p:extLst>
   </p:cSld>
@@ -7180,7 +7599,7 @@
     </p:spTree>
     <p:extLst>
       <p:ext uri="{BB962C8B-B14F-4D97-AF65-F5344CB8AC3E}">
-        <p14:creationId xmlns:p14="http://schemas.microsoft.com/office/powerpoint/2010/main" val="331291990"/>
+        <p14:creationId xmlns:p14="http://schemas.microsoft.com/office/powerpoint/2010/main" val="2943422149"/>
       </p:ext>
     </p:extLst>
   </p:cSld>
@@ -7289,7 +7708,7 @@
     </p:spTree>
     <p:extLst>
       <p:ext uri="{BB962C8B-B14F-4D97-AF65-F5344CB8AC3E}">
-        <p14:creationId xmlns:p14="http://schemas.microsoft.com/office/powerpoint/2010/main" val="1629715304"/>
+        <p14:creationId xmlns:p14="http://schemas.microsoft.com/office/powerpoint/2010/main" val="2573766548"/>
       </p:ext>
     </p:extLst>
   </p:cSld>
@@ -7398,7 +7817,7 @@
     </p:spTree>
     <p:extLst>
       <p:ext uri="{BB962C8B-B14F-4D97-AF65-F5344CB8AC3E}">
-        <p14:creationId xmlns:p14="http://schemas.microsoft.com/office/powerpoint/2010/main" val="2822726184"/>
+        <p14:creationId xmlns:p14="http://schemas.microsoft.com/office/powerpoint/2010/main" val="4220183466"/>
       </p:ext>
     </p:extLst>
   </p:cSld>
@@ -7507,7 +7926,7 @@
     </p:spTree>
     <p:extLst>
       <p:ext uri="{BB962C8B-B14F-4D97-AF65-F5344CB8AC3E}">
-        <p14:creationId xmlns:p14="http://schemas.microsoft.com/office/powerpoint/2010/main" val="2943422149"/>
+        <p14:creationId xmlns:p14="http://schemas.microsoft.com/office/powerpoint/2010/main" val="211134145"/>
       </p:ext>
     </p:extLst>
   </p:cSld>
@@ -7616,7 +8035,7 @@
     </p:spTree>
     <p:extLst>
       <p:ext uri="{BB962C8B-B14F-4D97-AF65-F5344CB8AC3E}">
-        <p14:creationId xmlns:p14="http://schemas.microsoft.com/office/powerpoint/2010/main" val="2573766548"/>
+        <p14:creationId xmlns:p14="http://schemas.microsoft.com/office/powerpoint/2010/main" val="1864721108"/>
       </p:ext>
     </p:extLst>
   </p:cSld>
@@ -7725,7 +8144,7 @@
     </p:spTree>
     <p:extLst>
       <p:ext uri="{BB962C8B-B14F-4D97-AF65-F5344CB8AC3E}">
-        <p14:creationId xmlns:p14="http://schemas.microsoft.com/office/powerpoint/2010/main" val="4220183466"/>
+        <p14:creationId xmlns:p14="http://schemas.microsoft.com/office/powerpoint/2010/main" val="3508746963"/>
       </p:ext>
     </p:extLst>
   </p:cSld>
@@ -7834,7 +8253,7 @@
     </p:spTree>
     <p:extLst>
       <p:ext uri="{BB962C8B-B14F-4D97-AF65-F5344CB8AC3E}">
-        <p14:creationId xmlns:p14="http://schemas.microsoft.com/office/powerpoint/2010/main" val="211134145"/>
+        <p14:creationId xmlns:p14="http://schemas.microsoft.com/office/powerpoint/2010/main" val="2222152595"/>
       </p:ext>
     </p:extLst>
   </p:cSld>
@@ -7943,7 +8362,7 @@
     </p:spTree>
     <p:extLst>
       <p:ext uri="{BB962C8B-B14F-4D97-AF65-F5344CB8AC3E}">
-        <p14:creationId xmlns:p14="http://schemas.microsoft.com/office/powerpoint/2010/main" val="1864721108"/>
+        <p14:creationId xmlns:p14="http://schemas.microsoft.com/office/powerpoint/2010/main" val="958022300"/>
       </p:ext>
     </p:extLst>
   </p:cSld>
@@ -8052,7 +8471,7 @@
     </p:spTree>
     <p:extLst>
       <p:ext uri="{BB962C8B-B14F-4D97-AF65-F5344CB8AC3E}">
-        <p14:creationId xmlns:p14="http://schemas.microsoft.com/office/powerpoint/2010/main" val="3508746963"/>
+        <p14:creationId xmlns:p14="http://schemas.microsoft.com/office/powerpoint/2010/main" val="385603126"/>
       </p:ext>
     </p:extLst>
   </p:cSld>
@@ -8270,7 +8689,7 @@
     </p:spTree>
     <p:extLst>
       <p:ext uri="{BB962C8B-B14F-4D97-AF65-F5344CB8AC3E}">
-        <p14:creationId xmlns:p14="http://schemas.microsoft.com/office/powerpoint/2010/main" val="2222152595"/>
+        <p14:creationId xmlns:p14="http://schemas.microsoft.com/office/powerpoint/2010/main" val="4060598311"/>
       </p:ext>
     </p:extLst>
   </p:cSld>
@@ -8379,7 +8798,7 @@
     </p:spTree>
     <p:extLst>
       <p:ext uri="{BB962C8B-B14F-4D97-AF65-F5344CB8AC3E}">
-        <p14:creationId xmlns:p14="http://schemas.microsoft.com/office/powerpoint/2010/main" val="958022300"/>
+        <p14:creationId xmlns:p14="http://schemas.microsoft.com/office/powerpoint/2010/main" val="1303236304"/>
       </p:ext>
     </p:extLst>
   </p:cSld>
@@ -8488,7 +8907,7 @@
     </p:spTree>
     <p:extLst>
       <p:ext uri="{BB962C8B-B14F-4D97-AF65-F5344CB8AC3E}">
-        <p14:creationId xmlns:p14="http://schemas.microsoft.com/office/powerpoint/2010/main" val="385603126"/>
+        <p14:creationId xmlns:p14="http://schemas.microsoft.com/office/powerpoint/2010/main" val="522513195"/>
       </p:ext>
     </p:extLst>
   </p:cSld>
@@ -8597,7 +9016,7 @@
     </p:spTree>
     <p:extLst>
       <p:ext uri="{BB962C8B-B14F-4D97-AF65-F5344CB8AC3E}">
-        <p14:creationId xmlns:p14="http://schemas.microsoft.com/office/powerpoint/2010/main" val="4060598311"/>
+        <p14:creationId xmlns:p14="http://schemas.microsoft.com/office/powerpoint/2010/main" val="3541844255"/>
       </p:ext>
     </p:extLst>
   </p:cSld>
@@ -8706,7 +9125,7 @@
     </p:spTree>
     <p:extLst>
       <p:ext uri="{BB962C8B-B14F-4D97-AF65-F5344CB8AC3E}">
-        <p14:creationId xmlns:p14="http://schemas.microsoft.com/office/powerpoint/2010/main" val="1303236304"/>
+        <p14:creationId xmlns:p14="http://schemas.microsoft.com/office/powerpoint/2010/main" val="550921305"/>
       </p:ext>
     </p:extLst>
   </p:cSld>
@@ -8815,7 +9234,7 @@
     </p:spTree>
     <p:extLst>
       <p:ext uri="{BB962C8B-B14F-4D97-AF65-F5344CB8AC3E}">
-        <p14:creationId xmlns:p14="http://schemas.microsoft.com/office/powerpoint/2010/main" val="522513195"/>
+        <p14:creationId xmlns:p14="http://schemas.microsoft.com/office/powerpoint/2010/main" val="233764421"/>
       </p:ext>
     </p:extLst>
   </p:cSld>
@@ -8924,7 +9343,7 @@
     </p:spTree>
     <p:extLst>
       <p:ext uri="{BB962C8B-B14F-4D97-AF65-F5344CB8AC3E}">
-        <p14:creationId xmlns:p14="http://schemas.microsoft.com/office/powerpoint/2010/main" val="3541844255"/>
+        <p14:creationId xmlns:p14="http://schemas.microsoft.com/office/powerpoint/2010/main" val="4205173481"/>
       </p:ext>
     </p:extLst>
   </p:cSld>
@@ -9033,7 +9452,7 @@
     </p:spTree>
     <p:extLst>
       <p:ext uri="{BB962C8B-B14F-4D97-AF65-F5344CB8AC3E}">
-        <p14:creationId xmlns:p14="http://schemas.microsoft.com/office/powerpoint/2010/main" val="550921305"/>
+        <p14:creationId xmlns:p14="http://schemas.microsoft.com/office/powerpoint/2010/main" val="3532904368"/>
       </p:ext>
     </p:extLst>
   </p:cSld>
@@ -9142,7 +9561,7 @@
     </p:spTree>
     <p:extLst>
       <p:ext uri="{BB962C8B-B14F-4D97-AF65-F5344CB8AC3E}">
-        <p14:creationId xmlns:p14="http://schemas.microsoft.com/office/powerpoint/2010/main" val="233764421"/>
+        <p14:creationId xmlns:p14="http://schemas.microsoft.com/office/powerpoint/2010/main" val="879913759"/>
       </p:ext>
     </p:extLst>
   </p:cSld>
@@ -9251,7 +9670,7 @@
     </p:spTree>
     <p:extLst>
       <p:ext uri="{BB962C8B-B14F-4D97-AF65-F5344CB8AC3E}">
-        <p14:creationId xmlns:p14="http://schemas.microsoft.com/office/powerpoint/2010/main" val="4205173481"/>
+        <p14:creationId xmlns:p14="http://schemas.microsoft.com/office/powerpoint/2010/main" val="2771689437"/>
       </p:ext>
     </p:extLst>
   </p:cSld>
@@ -9464,7 +9883,7 @@
     </p:spTree>
     <p:extLst>
       <p:ext uri="{BB962C8B-B14F-4D97-AF65-F5344CB8AC3E}">
-        <p14:creationId xmlns:p14="http://schemas.microsoft.com/office/powerpoint/2010/main" val="3532904368"/>
+        <p14:creationId xmlns:p14="http://schemas.microsoft.com/office/powerpoint/2010/main" val="3762309634"/>
       </p:ext>
     </p:extLst>
   </p:cSld>
@@ -9573,7 +9992,7 @@
     </p:spTree>
     <p:extLst>
       <p:ext uri="{BB962C8B-B14F-4D97-AF65-F5344CB8AC3E}">
-        <p14:creationId xmlns:p14="http://schemas.microsoft.com/office/powerpoint/2010/main" val="879913759"/>
+        <p14:creationId xmlns:p14="http://schemas.microsoft.com/office/powerpoint/2010/main" val="296376578"/>
       </p:ext>
     </p:extLst>
   </p:cSld>
@@ -9682,7 +10101,7 @@
     </p:spTree>
     <p:extLst>
       <p:ext uri="{BB962C8B-B14F-4D97-AF65-F5344CB8AC3E}">
-        <p14:creationId xmlns:p14="http://schemas.microsoft.com/office/powerpoint/2010/main" val="2771689437"/>
+        <p14:creationId xmlns:p14="http://schemas.microsoft.com/office/powerpoint/2010/main" val="1290511972"/>
       </p:ext>
     </p:extLst>
   </p:cSld>
@@ -9791,7 +10210,7 @@
     </p:spTree>
     <p:extLst>
       <p:ext uri="{BB962C8B-B14F-4D97-AF65-F5344CB8AC3E}">
-        <p14:creationId xmlns:p14="http://schemas.microsoft.com/office/powerpoint/2010/main" val="3762309634"/>
+        <p14:creationId xmlns:p14="http://schemas.microsoft.com/office/powerpoint/2010/main" val="2507453984"/>
       </p:ext>
     </p:extLst>
   </p:cSld>
@@ -9802,333 +10221,6 @@
 </file>
 
 <file path=ppt/notesSlides/notesSlide64.xml><?xml version="1.0" encoding="utf-8"?>
-<p:notes xmlns:a="http://schemas.openxmlformats.org/drawingml/2006/main" xmlns:r="http://schemas.openxmlformats.org/officeDocument/2006/relationships" xmlns:p="http://schemas.openxmlformats.org/presentationml/2006/main" showMasterSp="0" showMasterPhAnim="0">
-  <p:cSld>
-    <p:spTree>
-      <p:nvGrpSpPr>
-        <p:cNvPr id="1" name="Shape 1334"/>
-        <p:cNvGrpSpPr/>
-        <p:nvPr/>
-      </p:nvGrpSpPr>
-      <p:grpSpPr>
-        <a:xfrm>
-          <a:off x="0" y="0"/>
-          <a:ext cx="0" cy="0"/>
-          <a:chOff x="0" y="0"/>
-          <a:chExt cx="0" cy="0"/>
-        </a:xfrm>
-      </p:grpSpPr>
-      <p:sp>
-        <p:nvSpPr>
-          <p:cNvPr id="1335" name="Google Shape;1335;g29d198f1ee2_0_184:notes"/>
-          <p:cNvSpPr>
-            <a:spLocks noGrp="1" noRot="1" noChangeAspect="1"/>
-          </p:cNvSpPr>
-          <p:nvPr>
-            <p:ph type="sldImg" idx="2"/>
-          </p:nvPr>
-        </p:nvSpPr>
-        <p:spPr>
-          <a:xfrm>
-            <a:off x="381000" y="685800"/>
-            <a:ext cx="6096000" cy="3429000"/>
-          </a:xfrm>
-          <a:custGeom>
-            <a:avLst/>
-            <a:gdLst/>
-            <a:ahLst/>
-            <a:cxnLst/>
-            <a:rect l="l" t="t" r="r" b="b"/>
-            <a:pathLst>
-              <a:path w="120000" h="120000" extrusionOk="0">
-                <a:moveTo>
-                  <a:pt x="0" y="0"/>
-                </a:moveTo>
-                <a:lnTo>
-                  <a:pt x="120000" y="0"/>
-                </a:lnTo>
-                <a:lnTo>
-                  <a:pt x="120000" y="120000"/>
-                </a:lnTo>
-                <a:lnTo>
-                  <a:pt x="0" y="120000"/>
-                </a:lnTo>
-                <a:close/>
-              </a:path>
-            </a:pathLst>
-          </a:custGeom>
-        </p:spPr>
-      </p:sp>
-      <p:sp>
-        <p:nvSpPr>
-          <p:cNvPr id="1336" name="Google Shape;1336;g29d198f1ee2_0_184:notes"/>
-          <p:cNvSpPr txBox="1">
-            <a:spLocks noGrp="1"/>
-          </p:cNvSpPr>
-          <p:nvPr>
-            <p:ph type="body" idx="1"/>
-          </p:nvPr>
-        </p:nvSpPr>
-        <p:spPr>
-          <a:xfrm>
-            <a:off x="685800" y="4343400"/>
-            <a:ext cx="5486400" cy="4114800"/>
-          </a:xfrm>
-          <a:prstGeom prst="rect">
-            <a:avLst/>
-          </a:prstGeom>
-        </p:spPr>
-        <p:txBody>
-          <a:bodyPr spcFirstLastPara="1" wrap="square" lIns="91425" tIns="91425" rIns="91425" bIns="91425" anchor="t" anchorCtr="0">
-            <a:noAutofit/>
-          </a:bodyPr>
-          <a:lstStyle/>
-          <a:p>
-            <a:pPr marL="0" lvl="0" indent="0" algn="l" rtl="0">
-              <a:spcBef>
-                <a:spcPts val="0"/>
-              </a:spcBef>
-              <a:spcAft>
-                <a:spcPts val="0"/>
-              </a:spcAft>
-              <a:buNone/>
-            </a:pPr>
-            <a:endParaRPr dirty="0"/>
-          </a:p>
-        </p:txBody>
-      </p:sp>
-    </p:spTree>
-    <p:extLst>
-      <p:ext uri="{BB962C8B-B14F-4D97-AF65-F5344CB8AC3E}">
-        <p14:creationId xmlns:p14="http://schemas.microsoft.com/office/powerpoint/2010/main" val="296376578"/>
-      </p:ext>
-    </p:extLst>
-  </p:cSld>
-  <p:clrMapOvr>
-    <a:masterClrMapping/>
-  </p:clrMapOvr>
-</p:notes>
-</file>
-
-<file path=ppt/notesSlides/notesSlide65.xml><?xml version="1.0" encoding="utf-8"?>
-<p:notes xmlns:a="http://schemas.openxmlformats.org/drawingml/2006/main" xmlns:r="http://schemas.openxmlformats.org/officeDocument/2006/relationships" xmlns:p="http://schemas.openxmlformats.org/presentationml/2006/main" showMasterSp="0" showMasterPhAnim="0">
-  <p:cSld>
-    <p:spTree>
-      <p:nvGrpSpPr>
-        <p:cNvPr id="1" name="Shape 1334"/>
-        <p:cNvGrpSpPr/>
-        <p:nvPr/>
-      </p:nvGrpSpPr>
-      <p:grpSpPr>
-        <a:xfrm>
-          <a:off x="0" y="0"/>
-          <a:ext cx="0" cy="0"/>
-          <a:chOff x="0" y="0"/>
-          <a:chExt cx="0" cy="0"/>
-        </a:xfrm>
-      </p:grpSpPr>
-      <p:sp>
-        <p:nvSpPr>
-          <p:cNvPr id="1335" name="Google Shape;1335;g29d198f1ee2_0_184:notes"/>
-          <p:cNvSpPr>
-            <a:spLocks noGrp="1" noRot="1" noChangeAspect="1"/>
-          </p:cNvSpPr>
-          <p:nvPr>
-            <p:ph type="sldImg" idx="2"/>
-          </p:nvPr>
-        </p:nvSpPr>
-        <p:spPr>
-          <a:xfrm>
-            <a:off x="381000" y="685800"/>
-            <a:ext cx="6096000" cy="3429000"/>
-          </a:xfrm>
-          <a:custGeom>
-            <a:avLst/>
-            <a:gdLst/>
-            <a:ahLst/>
-            <a:cxnLst/>
-            <a:rect l="l" t="t" r="r" b="b"/>
-            <a:pathLst>
-              <a:path w="120000" h="120000" extrusionOk="0">
-                <a:moveTo>
-                  <a:pt x="0" y="0"/>
-                </a:moveTo>
-                <a:lnTo>
-                  <a:pt x="120000" y="0"/>
-                </a:lnTo>
-                <a:lnTo>
-                  <a:pt x="120000" y="120000"/>
-                </a:lnTo>
-                <a:lnTo>
-                  <a:pt x="0" y="120000"/>
-                </a:lnTo>
-                <a:close/>
-              </a:path>
-            </a:pathLst>
-          </a:custGeom>
-        </p:spPr>
-      </p:sp>
-      <p:sp>
-        <p:nvSpPr>
-          <p:cNvPr id="1336" name="Google Shape;1336;g29d198f1ee2_0_184:notes"/>
-          <p:cNvSpPr txBox="1">
-            <a:spLocks noGrp="1"/>
-          </p:cNvSpPr>
-          <p:nvPr>
-            <p:ph type="body" idx="1"/>
-          </p:nvPr>
-        </p:nvSpPr>
-        <p:spPr>
-          <a:xfrm>
-            <a:off x="685800" y="4343400"/>
-            <a:ext cx="5486400" cy="4114800"/>
-          </a:xfrm>
-          <a:prstGeom prst="rect">
-            <a:avLst/>
-          </a:prstGeom>
-        </p:spPr>
-        <p:txBody>
-          <a:bodyPr spcFirstLastPara="1" wrap="square" lIns="91425" tIns="91425" rIns="91425" bIns="91425" anchor="t" anchorCtr="0">
-            <a:noAutofit/>
-          </a:bodyPr>
-          <a:lstStyle/>
-          <a:p>
-            <a:pPr marL="0" lvl="0" indent="0" algn="l" rtl="0">
-              <a:spcBef>
-                <a:spcPts val="0"/>
-              </a:spcBef>
-              <a:spcAft>
-                <a:spcPts val="0"/>
-              </a:spcAft>
-              <a:buNone/>
-            </a:pPr>
-            <a:endParaRPr dirty="0"/>
-          </a:p>
-        </p:txBody>
-      </p:sp>
-    </p:spTree>
-    <p:extLst>
-      <p:ext uri="{BB962C8B-B14F-4D97-AF65-F5344CB8AC3E}">
-        <p14:creationId xmlns:p14="http://schemas.microsoft.com/office/powerpoint/2010/main" val="1290511972"/>
-      </p:ext>
-    </p:extLst>
-  </p:cSld>
-  <p:clrMapOvr>
-    <a:masterClrMapping/>
-  </p:clrMapOvr>
-</p:notes>
-</file>
-
-<file path=ppt/notesSlides/notesSlide66.xml><?xml version="1.0" encoding="utf-8"?>
-<p:notes xmlns:a="http://schemas.openxmlformats.org/drawingml/2006/main" xmlns:r="http://schemas.openxmlformats.org/officeDocument/2006/relationships" xmlns:p="http://schemas.openxmlformats.org/presentationml/2006/main" showMasterSp="0" showMasterPhAnim="0">
-  <p:cSld>
-    <p:spTree>
-      <p:nvGrpSpPr>
-        <p:cNvPr id="1" name="Shape 1334"/>
-        <p:cNvGrpSpPr/>
-        <p:nvPr/>
-      </p:nvGrpSpPr>
-      <p:grpSpPr>
-        <a:xfrm>
-          <a:off x="0" y="0"/>
-          <a:ext cx="0" cy="0"/>
-          <a:chOff x="0" y="0"/>
-          <a:chExt cx="0" cy="0"/>
-        </a:xfrm>
-      </p:grpSpPr>
-      <p:sp>
-        <p:nvSpPr>
-          <p:cNvPr id="1335" name="Google Shape;1335;g29d198f1ee2_0_184:notes"/>
-          <p:cNvSpPr>
-            <a:spLocks noGrp="1" noRot="1" noChangeAspect="1"/>
-          </p:cNvSpPr>
-          <p:nvPr>
-            <p:ph type="sldImg" idx="2"/>
-          </p:nvPr>
-        </p:nvSpPr>
-        <p:spPr>
-          <a:xfrm>
-            <a:off x="381000" y="685800"/>
-            <a:ext cx="6096000" cy="3429000"/>
-          </a:xfrm>
-          <a:custGeom>
-            <a:avLst/>
-            <a:gdLst/>
-            <a:ahLst/>
-            <a:cxnLst/>
-            <a:rect l="l" t="t" r="r" b="b"/>
-            <a:pathLst>
-              <a:path w="120000" h="120000" extrusionOk="0">
-                <a:moveTo>
-                  <a:pt x="0" y="0"/>
-                </a:moveTo>
-                <a:lnTo>
-                  <a:pt x="120000" y="0"/>
-                </a:lnTo>
-                <a:lnTo>
-                  <a:pt x="120000" y="120000"/>
-                </a:lnTo>
-                <a:lnTo>
-                  <a:pt x="0" y="120000"/>
-                </a:lnTo>
-                <a:close/>
-              </a:path>
-            </a:pathLst>
-          </a:custGeom>
-        </p:spPr>
-      </p:sp>
-      <p:sp>
-        <p:nvSpPr>
-          <p:cNvPr id="1336" name="Google Shape;1336;g29d198f1ee2_0_184:notes"/>
-          <p:cNvSpPr txBox="1">
-            <a:spLocks noGrp="1"/>
-          </p:cNvSpPr>
-          <p:nvPr>
-            <p:ph type="body" idx="1"/>
-          </p:nvPr>
-        </p:nvSpPr>
-        <p:spPr>
-          <a:xfrm>
-            <a:off x="685800" y="4343400"/>
-            <a:ext cx="5486400" cy="4114800"/>
-          </a:xfrm>
-          <a:prstGeom prst="rect">
-            <a:avLst/>
-          </a:prstGeom>
-        </p:spPr>
-        <p:txBody>
-          <a:bodyPr spcFirstLastPara="1" wrap="square" lIns="91425" tIns="91425" rIns="91425" bIns="91425" anchor="t" anchorCtr="0">
-            <a:noAutofit/>
-          </a:bodyPr>
-          <a:lstStyle/>
-          <a:p>
-            <a:pPr marL="0" lvl="0" indent="0" algn="l" rtl="0">
-              <a:spcBef>
-                <a:spcPts val="0"/>
-              </a:spcBef>
-              <a:spcAft>
-                <a:spcPts val="0"/>
-              </a:spcAft>
-              <a:buNone/>
-            </a:pPr>
-            <a:endParaRPr dirty="0"/>
-          </a:p>
-        </p:txBody>
-      </p:sp>
-    </p:spTree>
-    <p:extLst>
-      <p:ext uri="{BB962C8B-B14F-4D97-AF65-F5344CB8AC3E}">
-        <p14:creationId xmlns:p14="http://schemas.microsoft.com/office/powerpoint/2010/main" val="2507453984"/>
-      </p:ext>
-    </p:extLst>
-  </p:cSld>
-  <p:clrMapOvr>
-    <a:masterClrMapping/>
-  </p:clrMapOvr>
-</p:notes>
-</file>
-
-<file path=ppt/notesSlides/notesSlide67.xml><?xml version="1.0" encoding="utf-8"?>
 <p:notes xmlns:a="http://schemas.openxmlformats.org/drawingml/2006/main" xmlns:r="http://schemas.openxmlformats.org/officeDocument/2006/relationships" xmlns:p="http://schemas.openxmlformats.org/presentationml/2006/main" showMasterSp="0" showMasterPhAnim="0">
   <p:cSld>
     <p:spTree>
@@ -32687,485 +32779,6 @@
         </p:nvSpPr>
         <p:spPr>
           <a:xfrm>
-            <a:off x="771524" y="648661"/>
-            <a:ext cx="4572000" cy="369332"/>
-          </a:xfrm>
-          <a:prstGeom prst="rect">
-            <a:avLst/>
-          </a:prstGeom>
-          <a:noFill/>
-        </p:spPr>
-        <p:txBody>
-          <a:bodyPr wrap="square">
-            <a:spAutoFit/>
-          </a:bodyPr>
-          <a:lstStyle/>
-          <a:p>
-            <a:r>
-              <a:rPr lang="ru-RU" sz="1800" dirty="0">
-                <a:solidFill>
-                  <a:schemeClr val="dk1"/>
-                </a:solidFill>
-                <a:latin typeface="Times New Roman" panose="02020603050405020304" pitchFamily="18" charset="0"/>
-                <a:cs typeface="Times New Roman" panose="02020603050405020304" pitchFamily="18" charset="0"/>
-              </a:rPr>
-              <a:t>Таблица Администраторы</a:t>
-            </a:r>
-          </a:p>
-        </p:txBody>
-      </p:sp>
-      <p:pic>
-        <p:nvPicPr>
-          <p:cNvPr id="6" name="Рисунок 5">
-            <a:extLst>
-              <a:ext uri="{FF2B5EF4-FFF2-40B4-BE49-F238E27FC236}">
-                <a16:creationId xmlns:a16="http://schemas.microsoft.com/office/drawing/2014/main" id="{F1CB61EB-45F4-4215-83AD-1D1F692232BE}"/>
-              </a:ext>
-            </a:extLst>
-          </p:cNvPr>
-          <p:cNvPicPr/>
-          <p:nvPr/>
-        </p:nvPicPr>
-        <p:blipFill>
-          <a:blip r:embed="rId3"/>
-          <a:stretch>
-            <a:fillRect/>
-          </a:stretch>
-        </p:blipFill>
-        <p:spPr>
-          <a:xfrm>
-            <a:off x="771524" y="1017993"/>
-            <a:ext cx="3552825" cy="1381125"/>
-          </a:xfrm>
-          <a:prstGeom prst="rect">
-            <a:avLst/>
-          </a:prstGeom>
-        </p:spPr>
-      </p:pic>
-      <p:pic>
-        <p:nvPicPr>
-          <p:cNvPr id="10" name="Рисунок 9">
-            <a:extLst>
-              <a:ext uri="{FF2B5EF4-FFF2-40B4-BE49-F238E27FC236}">
-                <a16:creationId xmlns:a16="http://schemas.microsoft.com/office/drawing/2014/main" id="{9523C736-D0BE-450C-8271-2994DF11CB03}"/>
-              </a:ext>
-            </a:extLst>
-          </p:cNvPr>
-          <p:cNvPicPr/>
-          <p:nvPr/>
-        </p:nvPicPr>
-        <p:blipFill>
-          <a:blip r:embed="rId4"/>
-          <a:stretch>
-            <a:fillRect/>
-          </a:stretch>
-        </p:blipFill>
-        <p:spPr>
-          <a:xfrm>
-            <a:off x="771523" y="2399118"/>
-            <a:ext cx="5284719" cy="2651096"/>
-          </a:xfrm>
-          <a:prstGeom prst="rect">
-            <a:avLst/>
-          </a:prstGeom>
-        </p:spPr>
-      </p:pic>
-    </p:spTree>
-    <p:extLst>
-      <p:ext uri="{BB962C8B-B14F-4D97-AF65-F5344CB8AC3E}">
-        <p14:creationId xmlns:p14="http://schemas.microsoft.com/office/powerpoint/2010/main" val="3413401309"/>
-      </p:ext>
-    </p:extLst>
-  </p:cSld>
-  <p:clrMapOvr>
-    <a:masterClrMapping/>
-  </p:clrMapOvr>
-</p:sld>
-</file>
-
-<file path=ppt/slides/slide31.xml><?xml version="1.0" encoding="utf-8"?>
-<p:sld xmlns:a="http://schemas.openxmlformats.org/drawingml/2006/main" xmlns:r="http://schemas.openxmlformats.org/officeDocument/2006/relationships" xmlns:p="http://schemas.openxmlformats.org/presentationml/2006/main">
-  <p:cSld>
-    <p:spTree>
-      <p:nvGrpSpPr>
-        <p:cNvPr id="1" name="Shape 1337"/>
-        <p:cNvGrpSpPr/>
-        <p:nvPr/>
-      </p:nvGrpSpPr>
-      <p:grpSpPr>
-        <a:xfrm>
-          <a:off x="0" y="0"/>
-          <a:ext cx="0" cy="0"/>
-          <a:chOff x="0" y="0"/>
-          <a:chExt cx="0" cy="0"/>
-        </a:xfrm>
-      </p:grpSpPr>
-      <p:sp>
-        <p:nvSpPr>
-          <p:cNvPr id="1338" name="Google Shape;1338;p34"/>
-          <p:cNvSpPr txBox="1">
-            <a:spLocks noGrp="1"/>
-          </p:cNvSpPr>
-          <p:nvPr>
-            <p:ph type="title"/>
-          </p:nvPr>
-        </p:nvSpPr>
-        <p:spPr>
-          <a:xfrm>
-            <a:off x="771524" y="93286"/>
-            <a:ext cx="6943805" cy="572700"/>
-          </a:xfrm>
-          <a:prstGeom prst="rect">
-            <a:avLst/>
-          </a:prstGeom>
-        </p:spPr>
-        <p:txBody>
-          <a:bodyPr spcFirstLastPara="1" wrap="square" lIns="91425" tIns="91425" rIns="91425" bIns="91425" anchor="t" anchorCtr="0">
-            <a:noAutofit/>
-          </a:bodyPr>
-          <a:lstStyle/>
-          <a:p>
-            <a:pPr marL="0" lvl="0" indent="0" algn="l" rtl="0">
-              <a:spcBef>
-                <a:spcPts val="0"/>
-              </a:spcBef>
-              <a:spcAft>
-                <a:spcPts val="0"/>
-              </a:spcAft>
-              <a:buNone/>
-            </a:pPr>
-            <a:r>
-              <a:rPr lang="ru-RU" dirty="0"/>
-              <a:t>База данных</a:t>
-            </a:r>
-            <a:endParaRPr dirty="0"/>
-          </a:p>
-        </p:txBody>
-      </p:sp>
-      <p:sp>
-        <p:nvSpPr>
-          <p:cNvPr id="9" name="TextBox 8">
-            <a:extLst>
-              <a:ext uri="{FF2B5EF4-FFF2-40B4-BE49-F238E27FC236}">
-                <a16:creationId xmlns:a16="http://schemas.microsoft.com/office/drawing/2014/main" id="{5A313165-15B5-4CC6-8DA9-45FCA660F07B}"/>
-              </a:ext>
-            </a:extLst>
-          </p:cNvPr>
-          <p:cNvSpPr txBox="1"/>
-          <p:nvPr/>
-        </p:nvSpPr>
-        <p:spPr>
-          <a:xfrm>
-            <a:off x="771523" y="648661"/>
-            <a:ext cx="4572000" cy="369332"/>
-          </a:xfrm>
-          <a:prstGeom prst="rect">
-            <a:avLst/>
-          </a:prstGeom>
-          <a:noFill/>
-        </p:spPr>
-        <p:txBody>
-          <a:bodyPr wrap="square">
-            <a:spAutoFit/>
-          </a:bodyPr>
-          <a:lstStyle/>
-          <a:p>
-            <a:r>
-              <a:rPr lang="ru-RU" sz="1800" dirty="0">
-                <a:solidFill>
-                  <a:schemeClr val="dk1"/>
-                </a:solidFill>
-                <a:latin typeface="Times New Roman" panose="02020603050405020304" pitchFamily="18" charset="0"/>
-                <a:cs typeface="Times New Roman" panose="02020603050405020304" pitchFamily="18" charset="0"/>
-              </a:rPr>
-              <a:t>Таблица Клиенты</a:t>
-            </a:r>
-          </a:p>
-        </p:txBody>
-      </p:sp>
-      <p:pic>
-        <p:nvPicPr>
-          <p:cNvPr id="7" name="Рисунок 6">
-            <a:extLst>
-              <a:ext uri="{FF2B5EF4-FFF2-40B4-BE49-F238E27FC236}">
-                <a16:creationId xmlns:a16="http://schemas.microsoft.com/office/drawing/2014/main" id="{331A9BB9-C4A4-4D95-BE0D-886977B46999}"/>
-              </a:ext>
-            </a:extLst>
-          </p:cNvPr>
-          <p:cNvPicPr/>
-          <p:nvPr/>
-        </p:nvPicPr>
-        <p:blipFill>
-          <a:blip r:embed="rId3"/>
-          <a:stretch>
-            <a:fillRect/>
-          </a:stretch>
-        </p:blipFill>
-        <p:spPr>
-          <a:xfrm>
-            <a:off x="728701" y="1008468"/>
-            <a:ext cx="3514725" cy="1390650"/>
-          </a:xfrm>
-          <a:prstGeom prst="rect">
-            <a:avLst/>
-          </a:prstGeom>
-        </p:spPr>
-      </p:pic>
-      <p:pic>
-        <p:nvPicPr>
-          <p:cNvPr id="8" name="Рисунок 7">
-            <a:extLst>
-              <a:ext uri="{FF2B5EF4-FFF2-40B4-BE49-F238E27FC236}">
-                <a16:creationId xmlns:a16="http://schemas.microsoft.com/office/drawing/2014/main" id="{34D319F0-96C1-4EE3-B1FE-73059FADD971}"/>
-              </a:ext>
-            </a:extLst>
-          </p:cNvPr>
-          <p:cNvPicPr/>
-          <p:nvPr/>
-        </p:nvPicPr>
-        <p:blipFill>
-          <a:blip r:embed="rId4"/>
-          <a:stretch>
-            <a:fillRect/>
-          </a:stretch>
-        </p:blipFill>
-        <p:spPr>
-          <a:xfrm>
-            <a:off x="728701" y="2399118"/>
-            <a:ext cx="5407056" cy="2881934"/>
-          </a:xfrm>
-          <a:prstGeom prst="rect">
-            <a:avLst/>
-          </a:prstGeom>
-        </p:spPr>
-      </p:pic>
-    </p:spTree>
-    <p:extLst>
-      <p:ext uri="{BB962C8B-B14F-4D97-AF65-F5344CB8AC3E}">
-        <p14:creationId xmlns:p14="http://schemas.microsoft.com/office/powerpoint/2010/main" val="1024880299"/>
-      </p:ext>
-    </p:extLst>
-  </p:cSld>
-  <p:clrMapOvr>
-    <a:masterClrMapping/>
-  </p:clrMapOvr>
-</p:sld>
-</file>
-
-<file path=ppt/slides/slide32.xml><?xml version="1.0" encoding="utf-8"?>
-<p:sld xmlns:a="http://schemas.openxmlformats.org/drawingml/2006/main" xmlns:r="http://schemas.openxmlformats.org/officeDocument/2006/relationships" xmlns:p="http://schemas.openxmlformats.org/presentationml/2006/main">
-  <p:cSld>
-    <p:spTree>
-      <p:nvGrpSpPr>
-        <p:cNvPr id="1" name="Shape 1337"/>
-        <p:cNvGrpSpPr/>
-        <p:nvPr/>
-      </p:nvGrpSpPr>
-      <p:grpSpPr>
-        <a:xfrm>
-          <a:off x="0" y="0"/>
-          <a:ext cx="0" cy="0"/>
-          <a:chOff x="0" y="0"/>
-          <a:chExt cx="0" cy="0"/>
-        </a:xfrm>
-      </p:grpSpPr>
-      <p:sp>
-        <p:nvSpPr>
-          <p:cNvPr id="1338" name="Google Shape;1338;p34"/>
-          <p:cNvSpPr txBox="1">
-            <a:spLocks noGrp="1"/>
-          </p:cNvSpPr>
-          <p:nvPr>
-            <p:ph type="title"/>
-          </p:nvPr>
-        </p:nvSpPr>
-        <p:spPr>
-          <a:xfrm>
-            <a:off x="771524" y="93286"/>
-            <a:ext cx="6943805" cy="572700"/>
-          </a:xfrm>
-          <a:prstGeom prst="rect">
-            <a:avLst/>
-          </a:prstGeom>
-        </p:spPr>
-        <p:txBody>
-          <a:bodyPr spcFirstLastPara="1" wrap="square" lIns="91425" tIns="91425" rIns="91425" bIns="91425" anchor="t" anchorCtr="0">
-            <a:noAutofit/>
-          </a:bodyPr>
-          <a:lstStyle/>
-          <a:p>
-            <a:pPr marL="0" lvl="0" indent="0" algn="l" rtl="0">
-              <a:spcBef>
-                <a:spcPts val="0"/>
-              </a:spcBef>
-              <a:spcAft>
-                <a:spcPts val="0"/>
-              </a:spcAft>
-              <a:buNone/>
-            </a:pPr>
-            <a:r>
-              <a:rPr lang="ru-RU" dirty="0"/>
-              <a:t>База данных</a:t>
-            </a:r>
-            <a:endParaRPr dirty="0"/>
-          </a:p>
-        </p:txBody>
-      </p:sp>
-      <p:sp>
-        <p:nvSpPr>
-          <p:cNvPr id="9" name="TextBox 8">
-            <a:extLst>
-              <a:ext uri="{FF2B5EF4-FFF2-40B4-BE49-F238E27FC236}">
-                <a16:creationId xmlns:a16="http://schemas.microsoft.com/office/drawing/2014/main" id="{5A313165-15B5-4CC6-8DA9-45FCA660F07B}"/>
-              </a:ext>
-            </a:extLst>
-          </p:cNvPr>
-          <p:cNvSpPr txBox="1"/>
-          <p:nvPr/>
-        </p:nvSpPr>
-        <p:spPr>
-          <a:xfrm>
-            <a:off x="771523" y="648661"/>
-            <a:ext cx="4572000" cy="369332"/>
-          </a:xfrm>
-          <a:prstGeom prst="rect">
-            <a:avLst/>
-          </a:prstGeom>
-          <a:noFill/>
-        </p:spPr>
-        <p:txBody>
-          <a:bodyPr wrap="square">
-            <a:spAutoFit/>
-          </a:bodyPr>
-          <a:lstStyle/>
-          <a:p>
-            <a:r>
-              <a:rPr lang="ru-RU" sz="1800" dirty="0">
-                <a:solidFill>
-                  <a:schemeClr val="dk1"/>
-                </a:solidFill>
-                <a:latin typeface="Times New Roman" panose="02020603050405020304" pitchFamily="18" charset="0"/>
-                <a:cs typeface="Times New Roman" panose="02020603050405020304" pitchFamily="18" charset="0"/>
-              </a:rPr>
-              <a:t>Таблица Услуги</a:t>
-            </a:r>
-          </a:p>
-        </p:txBody>
-      </p:sp>
-      <p:pic>
-        <p:nvPicPr>
-          <p:cNvPr id="6" name="Рисунок 5">
-            <a:extLst>
-              <a:ext uri="{FF2B5EF4-FFF2-40B4-BE49-F238E27FC236}">
-                <a16:creationId xmlns:a16="http://schemas.microsoft.com/office/drawing/2014/main" id="{91B0C68F-6D48-4C08-AAA5-AECE64197757}"/>
-              </a:ext>
-            </a:extLst>
-          </p:cNvPr>
-          <p:cNvPicPr/>
-          <p:nvPr/>
-        </p:nvPicPr>
-        <p:blipFill>
-          <a:blip r:embed="rId3"/>
-          <a:stretch>
-            <a:fillRect/>
-          </a:stretch>
-        </p:blipFill>
-        <p:spPr>
-          <a:xfrm>
-            <a:off x="771523" y="1573368"/>
-            <a:ext cx="3915624" cy="2185626"/>
-          </a:xfrm>
-          <a:prstGeom prst="rect">
-            <a:avLst/>
-          </a:prstGeom>
-        </p:spPr>
-      </p:pic>
-    </p:spTree>
-    <p:extLst>
-      <p:ext uri="{BB962C8B-B14F-4D97-AF65-F5344CB8AC3E}">
-        <p14:creationId xmlns:p14="http://schemas.microsoft.com/office/powerpoint/2010/main" val="2221180341"/>
-      </p:ext>
-    </p:extLst>
-  </p:cSld>
-  <p:clrMapOvr>
-    <a:masterClrMapping/>
-  </p:clrMapOvr>
-</p:sld>
-</file>
-
-<file path=ppt/slides/slide33.xml><?xml version="1.0" encoding="utf-8"?>
-<p:sld xmlns:a="http://schemas.openxmlformats.org/drawingml/2006/main" xmlns:r="http://schemas.openxmlformats.org/officeDocument/2006/relationships" xmlns:p="http://schemas.openxmlformats.org/presentationml/2006/main">
-  <p:cSld>
-    <p:spTree>
-      <p:nvGrpSpPr>
-        <p:cNvPr id="1" name="Shape 1337"/>
-        <p:cNvGrpSpPr/>
-        <p:nvPr/>
-      </p:nvGrpSpPr>
-      <p:grpSpPr>
-        <a:xfrm>
-          <a:off x="0" y="0"/>
-          <a:ext cx="0" cy="0"/>
-          <a:chOff x="0" y="0"/>
-          <a:chExt cx="0" cy="0"/>
-        </a:xfrm>
-      </p:grpSpPr>
-      <p:sp>
-        <p:nvSpPr>
-          <p:cNvPr id="1338" name="Google Shape;1338;p34"/>
-          <p:cNvSpPr txBox="1">
-            <a:spLocks noGrp="1"/>
-          </p:cNvSpPr>
-          <p:nvPr>
-            <p:ph type="title"/>
-          </p:nvPr>
-        </p:nvSpPr>
-        <p:spPr>
-          <a:xfrm>
-            <a:off x="771524" y="93286"/>
-            <a:ext cx="6943805" cy="572700"/>
-          </a:xfrm>
-          <a:prstGeom prst="rect">
-            <a:avLst/>
-          </a:prstGeom>
-        </p:spPr>
-        <p:txBody>
-          <a:bodyPr spcFirstLastPara="1" wrap="square" lIns="91425" tIns="91425" rIns="91425" bIns="91425" anchor="t" anchorCtr="0">
-            <a:noAutofit/>
-          </a:bodyPr>
-          <a:lstStyle/>
-          <a:p>
-            <a:pPr marL="0" lvl="0" indent="0" algn="l" rtl="0">
-              <a:spcBef>
-                <a:spcPts val="0"/>
-              </a:spcBef>
-              <a:spcAft>
-                <a:spcPts val="0"/>
-              </a:spcAft>
-              <a:buNone/>
-            </a:pPr>
-            <a:r>
-              <a:rPr lang="ru-RU" dirty="0"/>
-              <a:t>База данных</a:t>
-            </a:r>
-            <a:endParaRPr dirty="0"/>
-          </a:p>
-        </p:txBody>
-      </p:sp>
-      <p:sp>
-        <p:nvSpPr>
-          <p:cNvPr id="9" name="TextBox 8">
-            <a:extLst>
-              <a:ext uri="{FF2B5EF4-FFF2-40B4-BE49-F238E27FC236}">
-                <a16:creationId xmlns:a16="http://schemas.microsoft.com/office/drawing/2014/main" id="{5A313165-15B5-4CC6-8DA9-45FCA660F07B}"/>
-              </a:ext>
-            </a:extLst>
-          </p:cNvPr>
-          <p:cNvSpPr txBox="1"/>
-          <p:nvPr/>
-        </p:nvSpPr>
-        <p:spPr>
-          <a:xfrm>
             <a:off x="725803" y="657324"/>
             <a:ext cx="4572000" cy="369332"/>
           </a:xfrm>
@@ -33284,7 +32897,7 @@
 </p:sld>
 </file>
 
-<file path=ppt/slides/slide34.xml><?xml version="1.0" encoding="utf-8"?>
+<file path=ppt/slides/slide31.xml><?xml version="1.0" encoding="utf-8"?>
 <p:sld xmlns:a="http://schemas.openxmlformats.org/drawingml/2006/main" xmlns:r="http://schemas.openxmlformats.org/officeDocument/2006/relationships" xmlns:p="http://schemas.openxmlformats.org/presentationml/2006/main">
   <p:cSld>
     <p:spTree>
@@ -33379,8 +32992,25 @@
                 <a:latin typeface="Times New Roman" panose="02020603050405020304" pitchFamily="18" charset="0"/>
                 <a:cs typeface="Times New Roman" panose="02020603050405020304" pitchFamily="18" charset="0"/>
               </a:rPr>
-              <a:t>Таблица Собака</a:t>
+              <a:t>Таблица </a:t>
             </a:r>
+            <a:r>
+              <a:rPr lang="ru-RU" dirty="0">
+                <a:solidFill>
+                  <a:schemeClr val="dk1"/>
+                </a:solidFill>
+                <a:latin typeface="Times New Roman" panose="02020603050405020304" pitchFamily="18" charset="0"/>
+                <a:cs typeface="Times New Roman" panose="02020603050405020304" pitchFamily="18" charset="0"/>
+              </a:rPr>
+              <a:t>Собака</a:t>
+            </a:r>
+            <a:endParaRPr lang="ru-RU" sz="1800" dirty="0">
+              <a:solidFill>
+                <a:schemeClr val="dk1"/>
+              </a:solidFill>
+              <a:latin typeface="Times New Roman" panose="02020603050405020304" pitchFamily="18" charset="0"/>
+              <a:cs typeface="Times New Roman" panose="02020603050405020304" pitchFamily="18" charset="0"/>
+            </a:endParaRPr>
           </a:p>
         </p:txBody>
       </p:sp>
@@ -33389,7 +33019,7 @@
           <p:cNvPr id="7" name="Рисунок 6">
             <a:extLst>
               <a:ext uri="{FF2B5EF4-FFF2-40B4-BE49-F238E27FC236}">
-                <a16:creationId xmlns:a16="http://schemas.microsoft.com/office/drawing/2014/main" id="{D7AC9702-1428-402C-A9D6-16D380EAFCB4}"/>
+                <a16:creationId xmlns:a16="http://schemas.microsoft.com/office/drawing/2014/main" id="{AE5E77B1-0E12-4D72-B8C9-F56381501B00}"/>
               </a:ext>
             </a:extLst>
           </p:cNvPr>
@@ -33411,8 +33041,8 @@
         </p:blipFill>
         <p:spPr bwMode="auto">
           <a:xfrm>
-            <a:off x="771525" y="1026656"/>
-            <a:ext cx="2709314" cy="1736864"/>
+            <a:off x="829468" y="1171545"/>
+            <a:ext cx="2665675" cy="1708888"/>
           </a:xfrm>
           <a:prstGeom prst="rect">
             <a:avLst/>
@@ -33428,7 +33058,7 @@
           <p:cNvPr id="8" name="Рисунок 7">
             <a:extLst>
               <a:ext uri="{FF2B5EF4-FFF2-40B4-BE49-F238E27FC236}">
-                <a16:creationId xmlns:a16="http://schemas.microsoft.com/office/drawing/2014/main" id="{E58971A9-20B7-47AD-B99A-8CF0F83B98F0}"/>
+                <a16:creationId xmlns:a16="http://schemas.microsoft.com/office/drawing/2014/main" id="{5C27841F-40E8-4371-A6B9-BE7196357CE6}"/>
               </a:ext>
             </a:extLst>
           </p:cNvPr>
@@ -33450,8 +33080,8 @@
         </p:blipFill>
         <p:spPr bwMode="auto">
           <a:xfrm>
-            <a:off x="2476960" y="2839730"/>
-            <a:ext cx="6458759" cy="2210484"/>
+            <a:off x="2689515" y="2959323"/>
+            <a:ext cx="5937250" cy="2032000"/>
           </a:xfrm>
           <a:prstGeom prst="rect">
             <a:avLst/>
@@ -33465,7 +33095,7 @@
     </p:spTree>
     <p:extLst>
       <p:ext uri="{BB962C8B-B14F-4D97-AF65-F5344CB8AC3E}">
-        <p14:creationId xmlns:p14="http://schemas.microsoft.com/office/powerpoint/2010/main" val="4000002696"/>
+        <p14:creationId xmlns:p14="http://schemas.microsoft.com/office/powerpoint/2010/main" val="4086177896"/>
       </p:ext>
     </p:extLst>
   </p:cSld>
@@ -33475,7 +33105,7 @@
 </p:sld>
 </file>
 
-<file path=ppt/slides/slide35.xml><?xml version="1.0" encoding="utf-8"?>
+<file path=ppt/slides/slide32.xml><?xml version="1.0" encoding="utf-8"?>
 <p:sld xmlns:a="http://schemas.openxmlformats.org/drawingml/2006/main" xmlns:r="http://schemas.openxmlformats.org/officeDocument/2006/relationships" xmlns:p="http://schemas.openxmlformats.org/presentationml/2006/main">
   <p:cSld>
     <p:spTree>
@@ -33580,7 +33210,7 @@
           <p:cNvPr id="6" name="Рисунок 5">
             <a:extLst>
               <a:ext uri="{FF2B5EF4-FFF2-40B4-BE49-F238E27FC236}">
-                <a16:creationId xmlns:a16="http://schemas.microsoft.com/office/drawing/2014/main" id="{F99503AC-8B68-48A5-92C0-F8D9DC0327DF}"/>
+                <a16:creationId xmlns:a16="http://schemas.microsoft.com/office/drawing/2014/main" id="{3DD4D144-5ECC-4621-AF41-80B6B9CC0B15}"/>
               </a:ext>
             </a:extLst>
           </p:cNvPr>
@@ -33602,7 +33232,7 @@
         </p:blipFill>
         <p:spPr bwMode="auto">
           <a:xfrm>
-            <a:off x="771524" y="1397898"/>
+            <a:off x="771524" y="1130993"/>
             <a:ext cx="3517900" cy="755650"/>
           </a:xfrm>
           <a:prstGeom prst="rect">
@@ -33619,7 +33249,7 @@
           <p:cNvPr id="10" name="Рисунок 9">
             <a:extLst>
               <a:ext uri="{FF2B5EF4-FFF2-40B4-BE49-F238E27FC236}">
-                <a16:creationId xmlns:a16="http://schemas.microsoft.com/office/drawing/2014/main" id="{293CFACA-2843-4DC8-BEFA-8BE05F870CC4}"/>
+                <a16:creationId xmlns:a16="http://schemas.microsoft.com/office/drawing/2014/main" id="{28C5D06D-BDB1-4758-9A9D-E9E89BC85080}"/>
               </a:ext>
             </a:extLst>
           </p:cNvPr>
@@ -33641,8 +33271,8 @@
         </p:blipFill>
         <p:spPr bwMode="auto">
           <a:xfrm>
-            <a:off x="771524" y="2744077"/>
-            <a:ext cx="7736577" cy="950222"/>
+            <a:off x="771524" y="2178547"/>
+            <a:ext cx="7956326" cy="977212"/>
           </a:xfrm>
           <a:prstGeom prst="rect">
             <a:avLst/>
@@ -33656,7 +33286,7 @@
     </p:spTree>
     <p:extLst>
       <p:ext uri="{BB962C8B-B14F-4D97-AF65-F5344CB8AC3E}">
-        <p14:creationId xmlns:p14="http://schemas.microsoft.com/office/powerpoint/2010/main" val="3387717097"/>
+        <p14:creationId xmlns:p14="http://schemas.microsoft.com/office/powerpoint/2010/main" val="2521802130"/>
       </p:ext>
     </p:extLst>
   </p:cSld>
@@ -33666,7 +33296,7 @@
 </p:sld>
 </file>
 
-<file path=ppt/slides/slide36.xml><?xml version="1.0" encoding="utf-8"?>
+<file path=ppt/slides/slide33.xml><?xml version="1.0" encoding="utf-8"?>
 <p:sld xmlns:a="http://schemas.openxmlformats.org/drawingml/2006/main" xmlns:r="http://schemas.openxmlformats.org/officeDocument/2006/relationships" xmlns:p="http://schemas.openxmlformats.org/presentationml/2006/main">
   <p:cSld>
     <p:spTree>
@@ -33771,7 +33401,7 @@
           <p:cNvPr id="7" name="Рисунок 6">
             <a:extLst>
               <a:ext uri="{FF2B5EF4-FFF2-40B4-BE49-F238E27FC236}">
-                <a16:creationId xmlns:a16="http://schemas.microsoft.com/office/drawing/2014/main" id="{82BF80EA-DC66-45FB-98A8-5C05ABD547E4}"/>
+                <a16:creationId xmlns:a16="http://schemas.microsoft.com/office/drawing/2014/main" id="{4DF9A941-90C7-48BD-9F7B-FF00994009F8}"/>
               </a:ext>
             </a:extLst>
           </p:cNvPr>
@@ -33793,8 +33423,8 @@
         </p:blipFill>
         <p:spPr bwMode="auto">
           <a:xfrm>
-            <a:off x="807085" y="1176020"/>
-            <a:ext cx="3536950" cy="1155700"/>
+            <a:off x="771524" y="1115678"/>
+            <a:ext cx="2973572" cy="971616"/>
           </a:xfrm>
           <a:prstGeom prst="rect">
             <a:avLst/>
@@ -33810,7 +33440,7 @@
           <p:cNvPr id="8" name="Рисунок 7">
             <a:extLst>
               <a:ext uri="{FF2B5EF4-FFF2-40B4-BE49-F238E27FC236}">
-                <a16:creationId xmlns:a16="http://schemas.microsoft.com/office/drawing/2014/main" id="{34E2EAF7-0628-450D-8D2D-E064BAE3453C}"/>
+                <a16:creationId xmlns:a16="http://schemas.microsoft.com/office/drawing/2014/main" id="{CC8542F6-0A5B-4706-A341-E4AB401ACC16}"/>
               </a:ext>
             </a:extLst>
           </p:cNvPr>
@@ -33818,36 +33448,25 @@
           <p:nvPr/>
         </p:nvPicPr>
         <p:blipFill>
-          <a:blip r:embed="rId4">
-            <a:extLst>
-              <a:ext uri="{28A0092B-C50C-407E-A947-70E740481C1C}">
-                <a14:useLocalDpi xmlns:a14="http://schemas.microsoft.com/office/drawing/2010/main" val="0"/>
-              </a:ext>
-            </a:extLst>
-          </a:blip>
-          <a:srcRect/>
+          <a:blip r:embed="rId4"/>
           <a:stretch>
             <a:fillRect/>
           </a:stretch>
         </p:blipFill>
-        <p:spPr bwMode="auto">
+        <p:spPr>
           <a:xfrm>
-            <a:off x="807085" y="2571750"/>
-            <a:ext cx="5175250" cy="1727200"/>
+            <a:off x="771524" y="2437142"/>
+            <a:ext cx="5143500" cy="1454150"/>
           </a:xfrm>
           <a:prstGeom prst="rect">
             <a:avLst/>
           </a:prstGeom>
-          <a:noFill/>
-          <a:ln>
-            <a:noFill/>
-          </a:ln>
         </p:spPr>
       </p:pic>
     </p:spTree>
     <p:extLst>
       <p:ext uri="{BB962C8B-B14F-4D97-AF65-F5344CB8AC3E}">
-        <p14:creationId xmlns:p14="http://schemas.microsoft.com/office/powerpoint/2010/main" val="218064016"/>
+        <p14:creationId xmlns:p14="http://schemas.microsoft.com/office/powerpoint/2010/main" val="3005671142"/>
       </p:ext>
     </p:extLst>
   </p:cSld>
@@ -33857,7 +33476,7 @@
 </p:sld>
 </file>
 
-<file path=ppt/slides/slide37.xml><?xml version="1.0" encoding="utf-8"?>
+<file path=ppt/slides/slide34.xml><?xml version="1.0" encoding="utf-8"?>
 <p:sld xmlns:a="http://schemas.openxmlformats.org/drawingml/2006/main" xmlns:r="http://schemas.openxmlformats.org/officeDocument/2006/relationships" xmlns:p="http://schemas.openxmlformats.org/presentationml/2006/main">
   <p:cSld>
     <p:spTree>
@@ -34009,7 +33628,7 @@
 </p:sld>
 </file>
 
-<file path=ppt/slides/slide38.xml><?xml version="1.0" encoding="utf-8"?>
+<file path=ppt/slides/slide35.xml><?xml version="1.0" encoding="utf-8"?>
 <p:sld xmlns:a="http://schemas.openxmlformats.org/drawingml/2006/main" xmlns:r="http://schemas.openxmlformats.org/officeDocument/2006/relationships" xmlns:p="http://schemas.openxmlformats.org/presentationml/2006/main">
   <p:cSld>
     <p:spTree>
@@ -34111,10 +33730,10 @@
       </p:sp>
       <p:pic>
         <p:nvPicPr>
-          <p:cNvPr id="5" name="Рисунок 4">
+          <p:cNvPr id="6" name="Рисунок 5">
             <a:extLst>
               <a:ext uri="{FF2B5EF4-FFF2-40B4-BE49-F238E27FC236}">
-                <a16:creationId xmlns:a16="http://schemas.microsoft.com/office/drawing/2014/main" id="{5666E9F1-C600-434F-9955-DBAF94AD5A60}"/>
+                <a16:creationId xmlns:a16="http://schemas.microsoft.com/office/drawing/2014/main" id="{448BF202-F29E-45D2-A601-49712C01C135}"/>
               </a:ext>
             </a:extLst>
           </p:cNvPr>
@@ -34122,30 +33741,19 @@
           <p:nvPr/>
         </p:nvPicPr>
         <p:blipFill>
-          <a:blip r:embed="rId3">
-            <a:extLst>
-              <a:ext uri="{28A0092B-C50C-407E-A947-70E740481C1C}">
-                <a14:useLocalDpi xmlns:a14="http://schemas.microsoft.com/office/drawing/2010/main" val="0"/>
-              </a:ext>
-            </a:extLst>
-          </a:blip>
-          <a:srcRect/>
+          <a:blip r:embed="rId3"/>
           <a:stretch>
             <a:fillRect/>
           </a:stretch>
         </p:blipFill>
-        <p:spPr bwMode="auto">
+        <p:spPr>
           <a:xfrm>
-            <a:off x="1862455" y="1104521"/>
-            <a:ext cx="5173345" cy="3832744"/>
+            <a:off x="2070164" y="1221361"/>
+            <a:ext cx="5337440" cy="3723941"/>
           </a:xfrm>
           <a:prstGeom prst="rect">
             <a:avLst/>
           </a:prstGeom>
-          <a:noFill/>
-          <a:ln>
-            <a:noFill/>
-          </a:ln>
         </p:spPr>
       </p:pic>
     </p:spTree>
@@ -34161,7 +33769,7 @@
 </p:sld>
 </file>
 
-<file path=ppt/slides/slide39.xml><?xml version="1.0" encoding="utf-8"?>
+<file path=ppt/slides/slide36.xml><?xml version="1.0" encoding="utf-8"?>
 <p:sld xmlns:a="http://schemas.openxmlformats.org/drawingml/2006/main" xmlns:r="http://schemas.openxmlformats.org/officeDocument/2006/relationships" xmlns:p="http://schemas.openxmlformats.org/presentationml/2006/main">
   <p:cSld>
     <p:spTree>
@@ -34263,10 +33871,10 @@
       </p:sp>
       <p:pic>
         <p:nvPicPr>
-          <p:cNvPr id="6" name="Рисунок 5">
+          <p:cNvPr id="5" name="Рисунок 4">
             <a:extLst>
               <a:ext uri="{FF2B5EF4-FFF2-40B4-BE49-F238E27FC236}">
-                <a16:creationId xmlns:a16="http://schemas.microsoft.com/office/drawing/2014/main" id="{73E301A1-9645-4C26-AC9F-1C8F66FB8540}"/>
+                <a16:creationId xmlns:a16="http://schemas.microsoft.com/office/drawing/2014/main" id="{02F69C34-DF6A-4454-A0CB-DBF815BB551E}"/>
               </a:ext>
             </a:extLst>
           </p:cNvPr>
@@ -34274,36 +33882,478 @@
           <p:nvPr/>
         </p:nvPicPr>
         <p:blipFill>
-          <a:blip r:embed="rId3">
-            <a:extLst>
-              <a:ext uri="{28A0092B-C50C-407E-A947-70E740481C1C}">
-                <a14:useLocalDpi xmlns:a14="http://schemas.microsoft.com/office/drawing/2010/main" val="0"/>
-              </a:ext>
-            </a:extLst>
-          </a:blip>
-          <a:srcRect/>
+          <a:blip r:embed="rId3"/>
           <a:stretch>
             <a:fillRect/>
           </a:stretch>
         </p:blipFill>
-        <p:spPr bwMode="auto">
+        <p:spPr>
           <a:xfrm>
-            <a:off x="2057399" y="1067701"/>
-            <a:ext cx="5125085" cy="3860533"/>
+            <a:off x="2033031" y="1085839"/>
+            <a:ext cx="5556974" cy="3862260"/>
           </a:xfrm>
           <a:prstGeom prst="rect">
             <a:avLst/>
           </a:prstGeom>
-          <a:noFill/>
-          <a:ln>
-            <a:noFill/>
-          </a:ln>
         </p:spPr>
       </p:pic>
     </p:spTree>
     <p:extLst>
       <p:ext uri="{BB962C8B-B14F-4D97-AF65-F5344CB8AC3E}">
         <p14:creationId xmlns:p14="http://schemas.microsoft.com/office/powerpoint/2010/main" val="1527411549"/>
+      </p:ext>
+    </p:extLst>
+  </p:cSld>
+  <p:clrMapOvr>
+    <a:masterClrMapping/>
+  </p:clrMapOvr>
+</p:sld>
+</file>
+
+<file path=ppt/slides/slide37.xml><?xml version="1.0" encoding="utf-8"?>
+<p:sld xmlns:a="http://schemas.openxmlformats.org/drawingml/2006/main" xmlns:r="http://schemas.openxmlformats.org/officeDocument/2006/relationships" xmlns:p="http://schemas.openxmlformats.org/presentationml/2006/main">
+  <p:cSld>
+    <p:spTree>
+      <p:nvGrpSpPr>
+        <p:cNvPr id="1" name="Shape 1337"/>
+        <p:cNvGrpSpPr/>
+        <p:nvPr/>
+      </p:nvGrpSpPr>
+      <p:grpSpPr>
+        <a:xfrm>
+          <a:off x="0" y="0"/>
+          <a:ext cx="0" cy="0"/>
+          <a:chOff x="0" y="0"/>
+          <a:chExt cx="0" cy="0"/>
+        </a:xfrm>
+      </p:grpSpPr>
+      <p:sp>
+        <p:nvSpPr>
+          <p:cNvPr id="1338" name="Google Shape;1338;p34"/>
+          <p:cNvSpPr txBox="1">
+            <a:spLocks noGrp="1"/>
+          </p:cNvSpPr>
+          <p:nvPr>
+            <p:ph type="title"/>
+          </p:nvPr>
+        </p:nvSpPr>
+        <p:spPr>
+          <a:xfrm>
+            <a:off x="771524" y="93286"/>
+            <a:ext cx="6943805" cy="572700"/>
+          </a:xfrm>
+          <a:prstGeom prst="rect">
+            <a:avLst/>
+          </a:prstGeom>
+        </p:spPr>
+        <p:txBody>
+          <a:bodyPr spcFirstLastPara="1" wrap="square" lIns="91425" tIns="91425" rIns="91425" bIns="91425" anchor="t" anchorCtr="0">
+            <a:noAutofit/>
+          </a:bodyPr>
+          <a:lstStyle/>
+          <a:p>
+            <a:pPr marL="0" lvl="0" indent="0" algn="l" rtl="0">
+              <a:spcBef>
+                <a:spcPts val="0"/>
+              </a:spcBef>
+              <a:spcAft>
+                <a:spcPts val="0"/>
+              </a:spcAft>
+              <a:buNone/>
+            </a:pPr>
+            <a:r>
+              <a:rPr lang="ru-RU" dirty="0"/>
+              <a:t>База данных</a:t>
+            </a:r>
+            <a:endParaRPr dirty="0"/>
+          </a:p>
+        </p:txBody>
+      </p:sp>
+      <p:sp>
+        <p:nvSpPr>
+          <p:cNvPr id="9" name="TextBox 8">
+            <a:extLst>
+              <a:ext uri="{FF2B5EF4-FFF2-40B4-BE49-F238E27FC236}">
+                <a16:creationId xmlns:a16="http://schemas.microsoft.com/office/drawing/2014/main" id="{5A313165-15B5-4CC6-8DA9-45FCA660F07B}"/>
+              </a:ext>
+            </a:extLst>
+          </p:cNvPr>
+          <p:cNvSpPr txBox="1"/>
+          <p:nvPr/>
+        </p:nvSpPr>
+        <p:spPr>
+          <a:xfrm>
+            <a:off x="771523" y="648661"/>
+            <a:ext cx="4572000" cy="369332"/>
+          </a:xfrm>
+          <a:prstGeom prst="rect">
+            <a:avLst/>
+          </a:prstGeom>
+          <a:noFill/>
+        </p:spPr>
+        <p:txBody>
+          <a:bodyPr wrap="square">
+            <a:spAutoFit/>
+          </a:bodyPr>
+          <a:lstStyle/>
+          <a:p>
+            <a:r>
+              <a:rPr lang="ru-RU" sz="1800" dirty="0">
+                <a:solidFill>
+                  <a:schemeClr val="dk1"/>
+                </a:solidFill>
+                <a:latin typeface="Times New Roman" panose="02020603050405020304" pitchFamily="18" charset="0"/>
+                <a:cs typeface="Times New Roman" panose="02020603050405020304" pitchFamily="18" charset="0"/>
+              </a:rPr>
+              <a:t>Форма </a:t>
+            </a:r>
+            <a:r>
+              <a:rPr lang="ru-RU" sz="1800" dirty="0">
+                <a:effectLst/>
+                <a:latin typeface="Times New Roman" panose="02020603050405020304" pitchFamily="18" charset="0"/>
+                <a:ea typeface="Calibri" panose="020F0502020204030204" pitchFamily="34" charset="0"/>
+              </a:rPr>
+              <a:t>Питомник</a:t>
+            </a:r>
+            <a:endParaRPr lang="ru-RU" sz="1800" dirty="0">
+              <a:solidFill>
+                <a:schemeClr val="dk1"/>
+              </a:solidFill>
+              <a:latin typeface="Times New Roman" panose="02020603050405020304" pitchFamily="18" charset="0"/>
+              <a:cs typeface="Times New Roman" panose="02020603050405020304" pitchFamily="18" charset="0"/>
+            </a:endParaRPr>
+          </a:p>
+        </p:txBody>
+      </p:sp>
+      <p:pic>
+        <p:nvPicPr>
+          <p:cNvPr id="5" name="Рисунок 4">
+            <a:extLst>
+              <a:ext uri="{FF2B5EF4-FFF2-40B4-BE49-F238E27FC236}">
+                <a16:creationId xmlns:a16="http://schemas.microsoft.com/office/drawing/2014/main" id="{B1D1175D-CC8B-4ED8-A32F-5336676C9BF9}"/>
+              </a:ext>
+            </a:extLst>
+          </p:cNvPr>
+          <p:cNvPicPr/>
+          <p:nvPr/>
+        </p:nvPicPr>
+        <p:blipFill>
+          <a:blip r:embed="rId3"/>
+          <a:stretch>
+            <a:fillRect/>
+          </a:stretch>
+        </p:blipFill>
+        <p:spPr>
+          <a:xfrm>
+            <a:off x="1774904" y="1017993"/>
+            <a:ext cx="5940425" cy="3935095"/>
+          </a:xfrm>
+          <a:prstGeom prst="rect">
+            <a:avLst/>
+          </a:prstGeom>
+        </p:spPr>
+      </p:pic>
+    </p:spTree>
+    <p:extLst>
+      <p:ext uri="{BB962C8B-B14F-4D97-AF65-F5344CB8AC3E}">
+        <p14:creationId xmlns:p14="http://schemas.microsoft.com/office/powerpoint/2010/main" val="1567033956"/>
+      </p:ext>
+    </p:extLst>
+  </p:cSld>
+  <p:clrMapOvr>
+    <a:masterClrMapping/>
+  </p:clrMapOvr>
+</p:sld>
+</file>
+
+<file path=ppt/slides/slide38.xml><?xml version="1.0" encoding="utf-8"?>
+<p:sld xmlns:a="http://schemas.openxmlformats.org/drawingml/2006/main" xmlns:r="http://schemas.openxmlformats.org/officeDocument/2006/relationships" xmlns:p="http://schemas.openxmlformats.org/presentationml/2006/main">
+  <p:cSld>
+    <p:spTree>
+      <p:nvGrpSpPr>
+        <p:cNvPr id="1" name="Shape 1337"/>
+        <p:cNvGrpSpPr/>
+        <p:nvPr/>
+      </p:nvGrpSpPr>
+      <p:grpSpPr>
+        <a:xfrm>
+          <a:off x="0" y="0"/>
+          <a:ext cx="0" cy="0"/>
+          <a:chOff x="0" y="0"/>
+          <a:chExt cx="0" cy="0"/>
+        </a:xfrm>
+      </p:grpSpPr>
+      <p:sp>
+        <p:nvSpPr>
+          <p:cNvPr id="1338" name="Google Shape;1338;p34"/>
+          <p:cNvSpPr txBox="1">
+            <a:spLocks noGrp="1"/>
+          </p:cNvSpPr>
+          <p:nvPr>
+            <p:ph type="title"/>
+          </p:nvPr>
+        </p:nvSpPr>
+        <p:spPr>
+          <a:xfrm>
+            <a:off x="771524" y="93286"/>
+            <a:ext cx="6943805" cy="572700"/>
+          </a:xfrm>
+          <a:prstGeom prst="rect">
+            <a:avLst/>
+          </a:prstGeom>
+        </p:spPr>
+        <p:txBody>
+          <a:bodyPr spcFirstLastPara="1" wrap="square" lIns="91425" tIns="91425" rIns="91425" bIns="91425" anchor="t" anchorCtr="0">
+            <a:noAutofit/>
+          </a:bodyPr>
+          <a:lstStyle/>
+          <a:p>
+            <a:pPr marL="0" lvl="0" indent="0" algn="l" rtl="0">
+              <a:spcBef>
+                <a:spcPts val="0"/>
+              </a:spcBef>
+              <a:spcAft>
+                <a:spcPts val="0"/>
+              </a:spcAft>
+              <a:buNone/>
+            </a:pPr>
+            <a:r>
+              <a:rPr lang="ru-RU" dirty="0"/>
+              <a:t>База данных</a:t>
+            </a:r>
+            <a:endParaRPr dirty="0"/>
+          </a:p>
+        </p:txBody>
+      </p:sp>
+      <p:sp>
+        <p:nvSpPr>
+          <p:cNvPr id="9" name="TextBox 8">
+            <a:extLst>
+              <a:ext uri="{FF2B5EF4-FFF2-40B4-BE49-F238E27FC236}">
+                <a16:creationId xmlns:a16="http://schemas.microsoft.com/office/drawing/2014/main" id="{5A313165-15B5-4CC6-8DA9-45FCA660F07B}"/>
+              </a:ext>
+            </a:extLst>
+          </p:cNvPr>
+          <p:cNvSpPr txBox="1"/>
+          <p:nvPr/>
+        </p:nvSpPr>
+        <p:spPr>
+          <a:xfrm>
+            <a:off x="771523" y="648661"/>
+            <a:ext cx="4572000" cy="369332"/>
+          </a:xfrm>
+          <a:prstGeom prst="rect">
+            <a:avLst/>
+          </a:prstGeom>
+          <a:noFill/>
+        </p:spPr>
+        <p:txBody>
+          <a:bodyPr wrap="square">
+            <a:spAutoFit/>
+          </a:bodyPr>
+          <a:lstStyle/>
+          <a:p>
+            <a:r>
+              <a:rPr lang="ru-RU" sz="1800" dirty="0">
+                <a:solidFill>
+                  <a:schemeClr val="dk1"/>
+                </a:solidFill>
+                <a:latin typeface="Times New Roman" panose="02020603050405020304" pitchFamily="18" charset="0"/>
+                <a:cs typeface="Times New Roman" panose="02020603050405020304" pitchFamily="18" charset="0"/>
+              </a:rPr>
+              <a:t>Форма Собака</a:t>
+            </a:r>
+          </a:p>
+        </p:txBody>
+      </p:sp>
+      <p:pic>
+        <p:nvPicPr>
+          <p:cNvPr id="5" name="Рисунок 4">
+            <a:extLst>
+              <a:ext uri="{FF2B5EF4-FFF2-40B4-BE49-F238E27FC236}">
+                <a16:creationId xmlns:a16="http://schemas.microsoft.com/office/drawing/2014/main" id="{D739FF38-5FC4-47F8-B319-E6522990F270}"/>
+              </a:ext>
+            </a:extLst>
+          </p:cNvPr>
+          <p:cNvPicPr/>
+          <p:nvPr/>
+        </p:nvPicPr>
+        <p:blipFill>
+          <a:blip r:embed="rId3"/>
+          <a:stretch>
+            <a:fillRect/>
+          </a:stretch>
+        </p:blipFill>
+        <p:spPr>
+          <a:xfrm>
+            <a:off x="2055448" y="1072215"/>
+            <a:ext cx="5659881" cy="3834562"/>
+          </a:xfrm>
+          <a:prstGeom prst="rect">
+            <a:avLst/>
+          </a:prstGeom>
+        </p:spPr>
+      </p:pic>
+    </p:spTree>
+    <p:extLst>
+      <p:ext uri="{BB962C8B-B14F-4D97-AF65-F5344CB8AC3E}">
+        <p14:creationId xmlns:p14="http://schemas.microsoft.com/office/powerpoint/2010/main" val="4023741927"/>
+      </p:ext>
+    </p:extLst>
+  </p:cSld>
+  <p:clrMapOvr>
+    <a:masterClrMapping/>
+  </p:clrMapOvr>
+</p:sld>
+</file>
+
+<file path=ppt/slides/slide39.xml><?xml version="1.0" encoding="utf-8"?>
+<p:sld xmlns:a="http://schemas.openxmlformats.org/drawingml/2006/main" xmlns:r="http://schemas.openxmlformats.org/officeDocument/2006/relationships" xmlns:p="http://schemas.openxmlformats.org/presentationml/2006/main">
+  <p:cSld>
+    <p:spTree>
+      <p:nvGrpSpPr>
+        <p:cNvPr id="1" name="Shape 1337"/>
+        <p:cNvGrpSpPr/>
+        <p:nvPr/>
+      </p:nvGrpSpPr>
+      <p:grpSpPr>
+        <a:xfrm>
+          <a:off x="0" y="0"/>
+          <a:ext cx="0" cy="0"/>
+          <a:chOff x="0" y="0"/>
+          <a:chExt cx="0" cy="0"/>
+        </a:xfrm>
+      </p:grpSpPr>
+      <p:sp>
+        <p:nvSpPr>
+          <p:cNvPr id="1338" name="Google Shape;1338;p34"/>
+          <p:cNvSpPr txBox="1">
+            <a:spLocks noGrp="1"/>
+          </p:cNvSpPr>
+          <p:nvPr>
+            <p:ph type="title"/>
+          </p:nvPr>
+        </p:nvSpPr>
+        <p:spPr>
+          <a:xfrm>
+            <a:off x="771524" y="93286"/>
+            <a:ext cx="6943805" cy="572700"/>
+          </a:xfrm>
+          <a:prstGeom prst="rect">
+            <a:avLst/>
+          </a:prstGeom>
+        </p:spPr>
+        <p:txBody>
+          <a:bodyPr spcFirstLastPara="1" wrap="square" lIns="91425" tIns="91425" rIns="91425" bIns="91425" anchor="t" anchorCtr="0">
+            <a:noAutofit/>
+          </a:bodyPr>
+          <a:lstStyle/>
+          <a:p>
+            <a:pPr marL="0" lvl="0" indent="0" algn="l" rtl="0">
+              <a:spcBef>
+                <a:spcPts val="0"/>
+              </a:spcBef>
+              <a:spcAft>
+                <a:spcPts val="0"/>
+              </a:spcAft>
+              <a:buNone/>
+            </a:pPr>
+            <a:r>
+              <a:rPr lang="ru-RU" dirty="0"/>
+              <a:t>База данных</a:t>
+            </a:r>
+            <a:endParaRPr dirty="0"/>
+          </a:p>
+        </p:txBody>
+      </p:sp>
+      <p:sp>
+        <p:nvSpPr>
+          <p:cNvPr id="9" name="TextBox 8">
+            <a:extLst>
+              <a:ext uri="{FF2B5EF4-FFF2-40B4-BE49-F238E27FC236}">
+                <a16:creationId xmlns:a16="http://schemas.microsoft.com/office/drawing/2014/main" id="{5A313165-15B5-4CC6-8DA9-45FCA660F07B}"/>
+              </a:ext>
+            </a:extLst>
+          </p:cNvPr>
+          <p:cNvSpPr txBox="1"/>
+          <p:nvPr/>
+        </p:nvSpPr>
+        <p:spPr>
+          <a:xfrm>
+            <a:off x="771524" y="640212"/>
+            <a:ext cx="4572000" cy="369332"/>
+          </a:xfrm>
+          <a:prstGeom prst="rect">
+            <a:avLst/>
+          </a:prstGeom>
+          <a:noFill/>
+        </p:spPr>
+        <p:txBody>
+          <a:bodyPr wrap="square">
+            <a:spAutoFit/>
+          </a:bodyPr>
+          <a:lstStyle/>
+          <a:p>
+            <a:r>
+              <a:rPr lang="ru-RU" sz="1800" dirty="0">
+                <a:solidFill>
+                  <a:schemeClr val="dk1"/>
+                </a:solidFill>
+                <a:latin typeface="Times New Roman" panose="02020603050405020304" pitchFamily="18" charset="0"/>
+                <a:cs typeface="Times New Roman" panose="02020603050405020304" pitchFamily="18" charset="0"/>
+              </a:rPr>
+              <a:t>Форма </a:t>
+            </a:r>
+            <a:r>
+              <a:rPr lang="ru-RU" sz="1800" dirty="0">
+                <a:effectLst/>
+                <a:latin typeface="Times New Roman" panose="02020603050405020304" pitchFamily="18" charset="0"/>
+                <a:ea typeface="Calibri" panose="020F0502020204030204" pitchFamily="34" charset="0"/>
+              </a:rPr>
+              <a:t>Специализация</a:t>
+            </a:r>
+            <a:endParaRPr lang="ru-RU" sz="1800" dirty="0">
+              <a:solidFill>
+                <a:schemeClr val="dk1"/>
+              </a:solidFill>
+              <a:latin typeface="Times New Roman" panose="02020603050405020304" pitchFamily="18" charset="0"/>
+              <a:cs typeface="Times New Roman" panose="02020603050405020304" pitchFamily="18" charset="0"/>
+            </a:endParaRPr>
+          </a:p>
+        </p:txBody>
+      </p:sp>
+      <p:pic>
+        <p:nvPicPr>
+          <p:cNvPr id="5" name="Рисунок 4">
+            <a:extLst>
+              <a:ext uri="{FF2B5EF4-FFF2-40B4-BE49-F238E27FC236}">
+                <a16:creationId xmlns:a16="http://schemas.microsoft.com/office/drawing/2014/main" id="{DBA6E61C-269C-43ED-990B-336F8584E139}"/>
+              </a:ext>
+            </a:extLst>
+          </p:cNvPr>
+          <p:cNvPicPr/>
+          <p:nvPr/>
+        </p:nvPicPr>
+        <p:blipFill>
+          <a:blip r:embed="rId3"/>
+          <a:stretch>
+            <a:fillRect/>
+          </a:stretch>
+        </p:blipFill>
+        <p:spPr>
+          <a:xfrm>
+            <a:off x="1774904" y="1212912"/>
+            <a:ext cx="5940425" cy="3285490"/>
+          </a:xfrm>
+          <a:prstGeom prst="rect">
+            <a:avLst/>
+          </a:prstGeom>
+        </p:spPr>
+      </p:pic>
+    </p:spTree>
+    <p:extLst>
+      <p:ext uri="{BB962C8B-B14F-4D97-AF65-F5344CB8AC3E}">
+        <p14:creationId xmlns:p14="http://schemas.microsoft.com/office/powerpoint/2010/main" val="584409136"/>
       </p:ext>
     </p:extLst>
   </p:cSld>
@@ -35228,492 +35278,6 @@
         </p:nvSpPr>
         <p:spPr>
           <a:xfrm>
-            <a:off x="771523" y="648661"/>
-            <a:ext cx="4572000" cy="369332"/>
-          </a:xfrm>
-          <a:prstGeom prst="rect">
-            <a:avLst/>
-          </a:prstGeom>
-          <a:noFill/>
-        </p:spPr>
-        <p:txBody>
-          <a:bodyPr wrap="square">
-            <a:spAutoFit/>
-          </a:bodyPr>
-          <a:lstStyle/>
-          <a:p>
-            <a:r>
-              <a:rPr lang="ru-RU" sz="1800" dirty="0">
-                <a:solidFill>
-                  <a:schemeClr val="dk1"/>
-                </a:solidFill>
-                <a:latin typeface="Times New Roman" panose="02020603050405020304" pitchFamily="18" charset="0"/>
-                <a:cs typeface="Times New Roman" panose="02020603050405020304" pitchFamily="18" charset="0"/>
-              </a:rPr>
-              <a:t>Форма </a:t>
-            </a:r>
-            <a:r>
-              <a:rPr lang="ru-RU" sz="1800" dirty="0">
-                <a:effectLst/>
-                <a:latin typeface="Times New Roman" panose="02020603050405020304" pitchFamily="18" charset="0"/>
-                <a:ea typeface="Calibri" panose="020F0502020204030204" pitchFamily="34" charset="0"/>
-              </a:rPr>
-              <a:t>Питомник</a:t>
-            </a:r>
-            <a:endParaRPr lang="ru-RU" sz="1800" dirty="0">
-              <a:solidFill>
-                <a:schemeClr val="dk1"/>
-              </a:solidFill>
-              <a:latin typeface="Times New Roman" panose="02020603050405020304" pitchFamily="18" charset="0"/>
-              <a:cs typeface="Times New Roman" panose="02020603050405020304" pitchFamily="18" charset="0"/>
-            </a:endParaRPr>
-          </a:p>
-        </p:txBody>
-      </p:sp>
-      <p:pic>
-        <p:nvPicPr>
-          <p:cNvPr id="6" name="Рисунок 5">
-            <a:extLst>
-              <a:ext uri="{FF2B5EF4-FFF2-40B4-BE49-F238E27FC236}">
-                <a16:creationId xmlns:a16="http://schemas.microsoft.com/office/drawing/2014/main" id="{FB62A5D8-5801-4148-A06A-D9853F024905}"/>
-              </a:ext>
-            </a:extLst>
-          </p:cNvPr>
-          <p:cNvPicPr/>
-          <p:nvPr/>
-        </p:nvPicPr>
-        <p:blipFill>
-          <a:blip r:embed="rId3">
-            <a:extLst>
-              <a:ext uri="{28A0092B-C50C-407E-A947-70E740481C1C}">
-                <a14:useLocalDpi xmlns:a14="http://schemas.microsoft.com/office/drawing/2010/main" val="0"/>
-              </a:ext>
-            </a:extLst>
-          </a:blip>
-          <a:srcRect/>
-          <a:stretch>
-            <a:fillRect/>
-          </a:stretch>
-        </p:blipFill>
-        <p:spPr bwMode="auto">
-          <a:xfrm>
-            <a:off x="2044065" y="1100514"/>
-            <a:ext cx="5340350" cy="3873500"/>
-          </a:xfrm>
-          <a:prstGeom prst="rect">
-            <a:avLst/>
-          </a:prstGeom>
-          <a:noFill/>
-          <a:ln>
-            <a:noFill/>
-          </a:ln>
-        </p:spPr>
-      </p:pic>
-    </p:spTree>
-    <p:extLst>
-      <p:ext uri="{BB962C8B-B14F-4D97-AF65-F5344CB8AC3E}">
-        <p14:creationId xmlns:p14="http://schemas.microsoft.com/office/powerpoint/2010/main" val="1567033956"/>
-      </p:ext>
-    </p:extLst>
-  </p:cSld>
-  <p:clrMapOvr>
-    <a:masterClrMapping/>
-  </p:clrMapOvr>
-</p:sld>
-</file>
-
-<file path=ppt/slides/slide41.xml><?xml version="1.0" encoding="utf-8"?>
-<p:sld xmlns:a="http://schemas.openxmlformats.org/drawingml/2006/main" xmlns:r="http://schemas.openxmlformats.org/officeDocument/2006/relationships" xmlns:p="http://schemas.openxmlformats.org/presentationml/2006/main">
-  <p:cSld>
-    <p:spTree>
-      <p:nvGrpSpPr>
-        <p:cNvPr id="1" name="Shape 1337"/>
-        <p:cNvGrpSpPr/>
-        <p:nvPr/>
-      </p:nvGrpSpPr>
-      <p:grpSpPr>
-        <a:xfrm>
-          <a:off x="0" y="0"/>
-          <a:ext cx="0" cy="0"/>
-          <a:chOff x="0" y="0"/>
-          <a:chExt cx="0" cy="0"/>
-        </a:xfrm>
-      </p:grpSpPr>
-      <p:sp>
-        <p:nvSpPr>
-          <p:cNvPr id="1338" name="Google Shape;1338;p34"/>
-          <p:cNvSpPr txBox="1">
-            <a:spLocks noGrp="1"/>
-          </p:cNvSpPr>
-          <p:nvPr>
-            <p:ph type="title"/>
-          </p:nvPr>
-        </p:nvSpPr>
-        <p:spPr>
-          <a:xfrm>
-            <a:off x="771524" y="93286"/>
-            <a:ext cx="6943805" cy="572700"/>
-          </a:xfrm>
-          <a:prstGeom prst="rect">
-            <a:avLst/>
-          </a:prstGeom>
-        </p:spPr>
-        <p:txBody>
-          <a:bodyPr spcFirstLastPara="1" wrap="square" lIns="91425" tIns="91425" rIns="91425" bIns="91425" anchor="t" anchorCtr="0">
-            <a:noAutofit/>
-          </a:bodyPr>
-          <a:lstStyle/>
-          <a:p>
-            <a:pPr marL="0" lvl="0" indent="0" algn="l" rtl="0">
-              <a:spcBef>
-                <a:spcPts val="0"/>
-              </a:spcBef>
-              <a:spcAft>
-                <a:spcPts val="0"/>
-              </a:spcAft>
-              <a:buNone/>
-            </a:pPr>
-            <a:r>
-              <a:rPr lang="ru-RU" dirty="0"/>
-              <a:t>База данных</a:t>
-            </a:r>
-            <a:endParaRPr dirty="0"/>
-          </a:p>
-        </p:txBody>
-      </p:sp>
-      <p:sp>
-        <p:nvSpPr>
-          <p:cNvPr id="9" name="TextBox 8">
-            <a:extLst>
-              <a:ext uri="{FF2B5EF4-FFF2-40B4-BE49-F238E27FC236}">
-                <a16:creationId xmlns:a16="http://schemas.microsoft.com/office/drawing/2014/main" id="{5A313165-15B5-4CC6-8DA9-45FCA660F07B}"/>
-              </a:ext>
-            </a:extLst>
-          </p:cNvPr>
-          <p:cNvSpPr txBox="1"/>
-          <p:nvPr/>
-        </p:nvSpPr>
-        <p:spPr>
-          <a:xfrm>
-            <a:off x="771523" y="648661"/>
-            <a:ext cx="4572000" cy="369332"/>
-          </a:xfrm>
-          <a:prstGeom prst="rect">
-            <a:avLst/>
-          </a:prstGeom>
-          <a:noFill/>
-        </p:spPr>
-        <p:txBody>
-          <a:bodyPr wrap="square">
-            <a:spAutoFit/>
-          </a:bodyPr>
-          <a:lstStyle/>
-          <a:p>
-            <a:r>
-              <a:rPr lang="ru-RU" sz="1800" dirty="0">
-                <a:solidFill>
-                  <a:schemeClr val="dk1"/>
-                </a:solidFill>
-                <a:latin typeface="Times New Roman" panose="02020603050405020304" pitchFamily="18" charset="0"/>
-                <a:cs typeface="Times New Roman" panose="02020603050405020304" pitchFamily="18" charset="0"/>
-              </a:rPr>
-              <a:t>Форма Собака</a:t>
-            </a:r>
-          </a:p>
-        </p:txBody>
-      </p:sp>
-      <p:pic>
-        <p:nvPicPr>
-          <p:cNvPr id="6" name="Рисунок 5">
-            <a:extLst>
-              <a:ext uri="{FF2B5EF4-FFF2-40B4-BE49-F238E27FC236}">
-                <a16:creationId xmlns:a16="http://schemas.microsoft.com/office/drawing/2014/main" id="{AD2B6374-1F9B-46F8-AE8E-8A2754FD78A9}"/>
-              </a:ext>
-            </a:extLst>
-          </p:cNvPr>
-          <p:cNvPicPr/>
-          <p:nvPr/>
-        </p:nvPicPr>
-        <p:blipFill>
-          <a:blip r:embed="rId3">
-            <a:extLst>
-              <a:ext uri="{28A0092B-C50C-407E-A947-70E740481C1C}">
-                <a14:useLocalDpi xmlns:a14="http://schemas.microsoft.com/office/drawing/2010/main" val="0"/>
-              </a:ext>
-            </a:extLst>
-          </a:blip>
-          <a:srcRect/>
-          <a:stretch>
-            <a:fillRect/>
-          </a:stretch>
-        </p:blipFill>
-        <p:spPr bwMode="auto">
-          <a:xfrm>
-            <a:off x="2128519" y="1076158"/>
-            <a:ext cx="5238115" cy="3836201"/>
-          </a:xfrm>
-          <a:prstGeom prst="rect">
-            <a:avLst/>
-          </a:prstGeom>
-          <a:noFill/>
-          <a:ln>
-            <a:noFill/>
-          </a:ln>
-        </p:spPr>
-      </p:pic>
-    </p:spTree>
-    <p:extLst>
-      <p:ext uri="{BB962C8B-B14F-4D97-AF65-F5344CB8AC3E}">
-        <p14:creationId xmlns:p14="http://schemas.microsoft.com/office/powerpoint/2010/main" val="4023741927"/>
-      </p:ext>
-    </p:extLst>
-  </p:cSld>
-  <p:clrMapOvr>
-    <a:masterClrMapping/>
-  </p:clrMapOvr>
-</p:sld>
-</file>
-
-<file path=ppt/slides/slide42.xml><?xml version="1.0" encoding="utf-8"?>
-<p:sld xmlns:a="http://schemas.openxmlformats.org/drawingml/2006/main" xmlns:r="http://schemas.openxmlformats.org/officeDocument/2006/relationships" xmlns:p="http://schemas.openxmlformats.org/presentationml/2006/main">
-  <p:cSld>
-    <p:spTree>
-      <p:nvGrpSpPr>
-        <p:cNvPr id="1" name="Shape 1337"/>
-        <p:cNvGrpSpPr/>
-        <p:nvPr/>
-      </p:nvGrpSpPr>
-      <p:grpSpPr>
-        <a:xfrm>
-          <a:off x="0" y="0"/>
-          <a:ext cx="0" cy="0"/>
-          <a:chOff x="0" y="0"/>
-          <a:chExt cx="0" cy="0"/>
-        </a:xfrm>
-      </p:grpSpPr>
-      <p:sp>
-        <p:nvSpPr>
-          <p:cNvPr id="1338" name="Google Shape;1338;p34"/>
-          <p:cNvSpPr txBox="1">
-            <a:spLocks noGrp="1"/>
-          </p:cNvSpPr>
-          <p:nvPr>
-            <p:ph type="title"/>
-          </p:nvPr>
-        </p:nvSpPr>
-        <p:spPr>
-          <a:xfrm>
-            <a:off x="771524" y="93286"/>
-            <a:ext cx="6943805" cy="572700"/>
-          </a:xfrm>
-          <a:prstGeom prst="rect">
-            <a:avLst/>
-          </a:prstGeom>
-        </p:spPr>
-        <p:txBody>
-          <a:bodyPr spcFirstLastPara="1" wrap="square" lIns="91425" tIns="91425" rIns="91425" bIns="91425" anchor="t" anchorCtr="0">
-            <a:noAutofit/>
-          </a:bodyPr>
-          <a:lstStyle/>
-          <a:p>
-            <a:pPr marL="0" lvl="0" indent="0" algn="l" rtl="0">
-              <a:spcBef>
-                <a:spcPts val="0"/>
-              </a:spcBef>
-              <a:spcAft>
-                <a:spcPts val="0"/>
-              </a:spcAft>
-              <a:buNone/>
-            </a:pPr>
-            <a:r>
-              <a:rPr lang="ru-RU" dirty="0"/>
-              <a:t>База данных</a:t>
-            </a:r>
-            <a:endParaRPr dirty="0"/>
-          </a:p>
-        </p:txBody>
-      </p:sp>
-      <p:sp>
-        <p:nvSpPr>
-          <p:cNvPr id="9" name="TextBox 8">
-            <a:extLst>
-              <a:ext uri="{FF2B5EF4-FFF2-40B4-BE49-F238E27FC236}">
-                <a16:creationId xmlns:a16="http://schemas.microsoft.com/office/drawing/2014/main" id="{5A313165-15B5-4CC6-8DA9-45FCA660F07B}"/>
-              </a:ext>
-            </a:extLst>
-          </p:cNvPr>
-          <p:cNvSpPr txBox="1"/>
-          <p:nvPr/>
-        </p:nvSpPr>
-        <p:spPr>
-          <a:xfrm>
-            <a:off x="771524" y="640212"/>
-            <a:ext cx="4572000" cy="369332"/>
-          </a:xfrm>
-          <a:prstGeom prst="rect">
-            <a:avLst/>
-          </a:prstGeom>
-          <a:noFill/>
-        </p:spPr>
-        <p:txBody>
-          <a:bodyPr wrap="square">
-            <a:spAutoFit/>
-          </a:bodyPr>
-          <a:lstStyle/>
-          <a:p>
-            <a:r>
-              <a:rPr lang="ru-RU" sz="1800" dirty="0">
-                <a:solidFill>
-                  <a:schemeClr val="dk1"/>
-                </a:solidFill>
-                <a:latin typeface="Times New Roman" panose="02020603050405020304" pitchFamily="18" charset="0"/>
-                <a:cs typeface="Times New Roman" panose="02020603050405020304" pitchFamily="18" charset="0"/>
-              </a:rPr>
-              <a:t>Форма </a:t>
-            </a:r>
-            <a:r>
-              <a:rPr lang="ru-RU" sz="1800" dirty="0">
-                <a:effectLst/>
-                <a:latin typeface="Times New Roman" panose="02020603050405020304" pitchFamily="18" charset="0"/>
-                <a:ea typeface="Calibri" panose="020F0502020204030204" pitchFamily="34" charset="0"/>
-              </a:rPr>
-              <a:t>Специализация</a:t>
-            </a:r>
-            <a:endParaRPr lang="ru-RU" sz="1800" dirty="0">
-              <a:solidFill>
-                <a:schemeClr val="dk1"/>
-              </a:solidFill>
-              <a:latin typeface="Times New Roman" panose="02020603050405020304" pitchFamily="18" charset="0"/>
-              <a:cs typeface="Times New Roman" panose="02020603050405020304" pitchFamily="18" charset="0"/>
-            </a:endParaRPr>
-          </a:p>
-        </p:txBody>
-      </p:sp>
-      <p:pic>
-        <p:nvPicPr>
-          <p:cNvPr id="6" name="Рисунок 5">
-            <a:extLst>
-              <a:ext uri="{FF2B5EF4-FFF2-40B4-BE49-F238E27FC236}">
-                <a16:creationId xmlns:a16="http://schemas.microsoft.com/office/drawing/2014/main" id="{CFC510EB-FBFD-490A-B086-7CABB381B2E8}"/>
-              </a:ext>
-            </a:extLst>
-          </p:cNvPr>
-          <p:cNvPicPr/>
-          <p:nvPr/>
-        </p:nvPicPr>
-        <p:blipFill>
-          <a:blip r:embed="rId3">
-            <a:extLst>
-              <a:ext uri="{28A0092B-C50C-407E-A947-70E740481C1C}">
-                <a14:useLocalDpi xmlns:a14="http://schemas.microsoft.com/office/drawing/2010/main" val="0"/>
-              </a:ext>
-            </a:extLst>
-          </a:blip>
-          <a:srcRect/>
-          <a:stretch>
-            <a:fillRect/>
-          </a:stretch>
-        </p:blipFill>
-        <p:spPr bwMode="auto">
-          <a:xfrm>
-            <a:off x="1536144" y="1146872"/>
-            <a:ext cx="6353096" cy="3610840"/>
-          </a:xfrm>
-          <a:prstGeom prst="rect">
-            <a:avLst/>
-          </a:prstGeom>
-          <a:noFill/>
-          <a:ln>
-            <a:noFill/>
-          </a:ln>
-        </p:spPr>
-      </p:pic>
-    </p:spTree>
-    <p:extLst>
-      <p:ext uri="{BB962C8B-B14F-4D97-AF65-F5344CB8AC3E}">
-        <p14:creationId xmlns:p14="http://schemas.microsoft.com/office/powerpoint/2010/main" val="584409136"/>
-      </p:ext>
-    </p:extLst>
-  </p:cSld>
-  <p:clrMapOvr>
-    <a:masterClrMapping/>
-  </p:clrMapOvr>
-</p:sld>
-</file>
-
-<file path=ppt/slides/slide43.xml><?xml version="1.0" encoding="utf-8"?>
-<p:sld xmlns:a="http://schemas.openxmlformats.org/drawingml/2006/main" xmlns:r="http://schemas.openxmlformats.org/officeDocument/2006/relationships" xmlns:p="http://schemas.openxmlformats.org/presentationml/2006/main">
-  <p:cSld>
-    <p:spTree>
-      <p:nvGrpSpPr>
-        <p:cNvPr id="1" name="Shape 1337"/>
-        <p:cNvGrpSpPr/>
-        <p:nvPr/>
-      </p:nvGrpSpPr>
-      <p:grpSpPr>
-        <a:xfrm>
-          <a:off x="0" y="0"/>
-          <a:ext cx="0" cy="0"/>
-          <a:chOff x="0" y="0"/>
-          <a:chExt cx="0" cy="0"/>
-        </a:xfrm>
-      </p:grpSpPr>
-      <p:sp>
-        <p:nvSpPr>
-          <p:cNvPr id="1338" name="Google Shape;1338;p34"/>
-          <p:cNvSpPr txBox="1">
-            <a:spLocks noGrp="1"/>
-          </p:cNvSpPr>
-          <p:nvPr>
-            <p:ph type="title"/>
-          </p:nvPr>
-        </p:nvSpPr>
-        <p:spPr>
-          <a:xfrm>
-            <a:off x="771524" y="93286"/>
-            <a:ext cx="6943805" cy="572700"/>
-          </a:xfrm>
-          <a:prstGeom prst="rect">
-            <a:avLst/>
-          </a:prstGeom>
-        </p:spPr>
-        <p:txBody>
-          <a:bodyPr spcFirstLastPara="1" wrap="square" lIns="91425" tIns="91425" rIns="91425" bIns="91425" anchor="t" anchorCtr="0">
-            <a:noAutofit/>
-          </a:bodyPr>
-          <a:lstStyle/>
-          <a:p>
-            <a:pPr marL="0" lvl="0" indent="0" algn="l" rtl="0">
-              <a:spcBef>
-                <a:spcPts val="0"/>
-              </a:spcBef>
-              <a:spcAft>
-                <a:spcPts val="0"/>
-              </a:spcAft>
-              <a:buNone/>
-            </a:pPr>
-            <a:r>
-              <a:rPr lang="ru-RU" dirty="0"/>
-              <a:t>База данных</a:t>
-            </a:r>
-            <a:endParaRPr dirty="0"/>
-          </a:p>
-        </p:txBody>
-      </p:sp>
-      <p:sp>
-        <p:nvSpPr>
-          <p:cNvPr id="9" name="TextBox 8">
-            <a:extLst>
-              <a:ext uri="{FF2B5EF4-FFF2-40B4-BE49-F238E27FC236}">
-                <a16:creationId xmlns:a16="http://schemas.microsoft.com/office/drawing/2014/main" id="{5A313165-15B5-4CC6-8DA9-45FCA660F07B}"/>
-              </a:ext>
-            </a:extLst>
-          </p:cNvPr>
-          <p:cNvSpPr txBox="1"/>
-          <p:nvPr/>
-        </p:nvSpPr>
-        <p:spPr>
-          <a:xfrm>
             <a:off x="771524" y="665986"/>
             <a:ext cx="4572000" cy="369332"/>
           </a:xfrm>
@@ -35743,10 +35307,10 @@
       </p:sp>
       <p:pic>
         <p:nvPicPr>
-          <p:cNvPr id="5" name="Рисунок 4">
+          <p:cNvPr id="6" name="Рисунок 5">
             <a:extLst>
               <a:ext uri="{FF2B5EF4-FFF2-40B4-BE49-F238E27FC236}">
-                <a16:creationId xmlns:a16="http://schemas.microsoft.com/office/drawing/2014/main" id="{0BF47484-5504-42F9-9723-CE6F48359C05}"/>
+                <a16:creationId xmlns:a16="http://schemas.microsoft.com/office/drawing/2014/main" id="{0CF78CD1-7346-41EB-90E8-2F475186C364}"/>
               </a:ext>
             </a:extLst>
           </p:cNvPr>
@@ -35754,30 +35318,19 @@
           <p:nvPr/>
         </p:nvPicPr>
         <p:blipFill>
-          <a:blip r:embed="rId3">
-            <a:extLst>
-              <a:ext uri="{28A0092B-C50C-407E-A947-70E740481C1C}">
-                <a14:useLocalDpi xmlns:a14="http://schemas.microsoft.com/office/drawing/2010/main" val="0"/>
-              </a:ext>
-            </a:extLst>
-          </a:blip>
-          <a:srcRect/>
+          <a:blip r:embed="rId3"/>
           <a:stretch>
             <a:fillRect/>
           </a:stretch>
         </p:blipFill>
-        <p:spPr bwMode="auto">
+        <p:spPr>
           <a:xfrm>
-            <a:off x="2300713" y="988486"/>
-            <a:ext cx="5544712" cy="4032518"/>
+            <a:off x="2037674" y="1088899"/>
+            <a:ext cx="5810886" cy="3861087"/>
           </a:xfrm>
           <a:prstGeom prst="rect">
             <a:avLst/>
           </a:prstGeom>
-          <a:noFill/>
-          <a:ln>
-            <a:noFill/>
-          </a:ln>
         </p:spPr>
       </p:pic>
     </p:spTree>
@@ -35793,7 +35346,7 @@
 </p:sld>
 </file>
 
-<file path=ppt/slides/slide44.xml><?xml version="1.0" encoding="utf-8"?>
+<file path=ppt/slides/slide41.xml><?xml version="1.0" encoding="utf-8"?>
 <p:sld xmlns:a="http://schemas.openxmlformats.org/drawingml/2006/main" xmlns:r="http://schemas.openxmlformats.org/officeDocument/2006/relationships" xmlns:p="http://schemas.openxmlformats.org/presentationml/2006/main">
   <p:cSld>
     <p:spTree>
@@ -35945,7 +35498,7 @@
 </p:sld>
 </file>
 
-<file path=ppt/slides/slide45.xml><?xml version="1.0" encoding="utf-8"?>
+<file path=ppt/slides/slide42.xml><?xml version="1.0" encoding="utf-8"?>
 <p:sld xmlns:a="http://schemas.openxmlformats.org/drawingml/2006/main" xmlns:r="http://schemas.openxmlformats.org/officeDocument/2006/relationships" xmlns:p="http://schemas.openxmlformats.org/presentationml/2006/main">
   <p:cSld>
     <p:spTree>
@@ -36097,7 +35650,7 @@
 </p:sld>
 </file>
 
-<file path=ppt/slides/slide46.xml><?xml version="1.0" encoding="utf-8"?>
+<file path=ppt/slides/slide43.xml><?xml version="1.0" encoding="utf-8"?>
 <p:sld xmlns:a="http://schemas.openxmlformats.org/drawingml/2006/main" xmlns:r="http://schemas.openxmlformats.org/officeDocument/2006/relationships" xmlns:p="http://schemas.openxmlformats.org/presentationml/2006/main">
   <p:cSld>
     <p:spTree>
@@ -36249,7 +35802,7 @@
 </p:sld>
 </file>
 
-<file path=ppt/slides/slide47.xml><?xml version="1.0" encoding="utf-8"?>
+<file path=ppt/slides/slide44.xml><?xml version="1.0" encoding="utf-8"?>
 <p:sld xmlns:a="http://schemas.openxmlformats.org/drawingml/2006/main" xmlns:r="http://schemas.openxmlformats.org/officeDocument/2006/relationships" xmlns:p="http://schemas.openxmlformats.org/presentationml/2006/main">
   <p:cSld>
     <p:spTree>
@@ -36401,7 +35954,7 @@
 </p:sld>
 </file>
 
-<file path=ppt/slides/slide48.xml><?xml version="1.0" encoding="utf-8"?>
+<file path=ppt/slides/slide45.xml><?xml version="1.0" encoding="utf-8"?>
 <p:sld xmlns:a="http://schemas.openxmlformats.org/drawingml/2006/main" xmlns:r="http://schemas.openxmlformats.org/officeDocument/2006/relationships" xmlns:p="http://schemas.openxmlformats.org/presentationml/2006/main">
   <p:cSld>
     <p:spTree>
@@ -36553,7 +36106,7 @@
 </p:sld>
 </file>
 
-<file path=ppt/slides/slide49.xml><?xml version="1.0" encoding="utf-8"?>
+<file path=ppt/slides/slide46.xml><?xml version="1.0" encoding="utf-8"?>
 <p:sld xmlns:a="http://schemas.openxmlformats.org/drawingml/2006/main" xmlns:r="http://schemas.openxmlformats.org/officeDocument/2006/relationships" xmlns:p="http://schemas.openxmlformats.org/presentationml/2006/main">
   <p:cSld>
     <p:spTree>
@@ -36696,6 +36249,490 @@
     <p:extLst>
       <p:ext uri="{BB962C8B-B14F-4D97-AF65-F5344CB8AC3E}">
         <p14:creationId xmlns:p14="http://schemas.microsoft.com/office/powerpoint/2010/main" val="27948676"/>
+      </p:ext>
+    </p:extLst>
+  </p:cSld>
+  <p:clrMapOvr>
+    <a:masterClrMapping/>
+  </p:clrMapOvr>
+</p:sld>
+</file>
+
+<file path=ppt/slides/slide47.xml><?xml version="1.0" encoding="utf-8"?>
+<p:sld xmlns:a="http://schemas.openxmlformats.org/drawingml/2006/main" xmlns:r="http://schemas.openxmlformats.org/officeDocument/2006/relationships" xmlns:p="http://schemas.openxmlformats.org/presentationml/2006/main">
+  <p:cSld>
+    <p:spTree>
+      <p:nvGrpSpPr>
+        <p:cNvPr id="1" name="Shape 1337"/>
+        <p:cNvGrpSpPr/>
+        <p:nvPr/>
+      </p:nvGrpSpPr>
+      <p:grpSpPr>
+        <a:xfrm>
+          <a:off x="0" y="0"/>
+          <a:ext cx="0" cy="0"/>
+          <a:chOff x="0" y="0"/>
+          <a:chExt cx="0" cy="0"/>
+        </a:xfrm>
+      </p:grpSpPr>
+      <p:sp>
+        <p:nvSpPr>
+          <p:cNvPr id="1338" name="Google Shape;1338;p34"/>
+          <p:cNvSpPr txBox="1">
+            <a:spLocks noGrp="1"/>
+          </p:cNvSpPr>
+          <p:nvPr>
+            <p:ph type="title"/>
+          </p:nvPr>
+        </p:nvSpPr>
+        <p:spPr>
+          <a:xfrm>
+            <a:off x="771524" y="93286"/>
+            <a:ext cx="6943805" cy="572700"/>
+          </a:xfrm>
+          <a:prstGeom prst="rect">
+            <a:avLst/>
+          </a:prstGeom>
+        </p:spPr>
+        <p:txBody>
+          <a:bodyPr spcFirstLastPara="1" wrap="square" lIns="91425" tIns="91425" rIns="91425" bIns="91425" anchor="t" anchorCtr="0">
+            <a:noAutofit/>
+          </a:bodyPr>
+          <a:lstStyle/>
+          <a:p>
+            <a:pPr marL="0" lvl="0" indent="0" algn="l" rtl="0">
+              <a:spcBef>
+                <a:spcPts val="0"/>
+              </a:spcBef>
+              <a:spcAft>
+                <a:spcPts val="0"/>
+              </a:spcAft>
+              <a:buNone/>
+            </a:pPr>
+            <a:r>
+              <a:rPr lang="ru-RU" dirty="0"/>
+              <a:t>База данных</a:t>
+            </a:r>
+            <a:endParaRPr dirty="0"/>
+          </a:p>
+        </p:txBody>
+      </p:sp>
+      <p:sp>
+        <p:nvSpPr>
+          <p:cNvPr id="9" name="TextBox 8">
+            <a:extLst>
+              <a:ext uri="{FF2B5EF4-FFF2-40B4-BE49-F238E27FC236}">
+                <a16:creationId xmlns:a16="http://schemas.microsoft.com/office/drawing/2014/main" id="{5A313165-15B5-4CC6-8DA9-45FCA660F07B}"/>
+              </a:ext>
+            </a:extLst>
+          </p:cNvPr>
+          <p:cNvSpPr txBox="1"/>
+          <p:nvPr/>
+        </p:nvSpPr>
+        <p:spPr>
+          <a:xfrm>
+            <a:off x="771524" y="640212"/>
+            <a:ext cx="4572000" cy="369332"/>
+          </a:xfrm>
+          <a:prstGeom prst="rect">
+            <a:avLst/>
+          </a:prstGeom>
+          <a:noFill/>
+        </p:spPr>
+        <p:txBody>
+          <a:bodyPr wrap="square">
+            <a:spAutoFit/>
+          </a:bodyPr>
+          <a:lstStyle/>
+          <a:p>
+            <a:r>
+              <a:rPr lang="ru-RU" sz="1800" dirty="0">
+                <a:solidFill>
+                  <a:schemeClr val="dk1"/>
+                </a:solidFill>
+                <a:latin typeface="Times New Roman" panose="02020603050405020304" pitchFamily="18" charset="0"/>
+                <a:cs typeface="Times New Roman" panose="02020603050405020304" pitchFamily="18" charset="0"/>
+              </a:rPr>
+              <a:t>Отчет Специализация</a:t>
+            </a:r>
+          </a:p>
+        </p:txBody>
+      </p:sp>
+      <p:pic>
+        <p:nvPicPr>
+          <p:cNvPr id="5" name="Рисунок 4">
+            <a:extLst>
+              <a:ext uri="{FF2B5EF4-FFF2-40B4-BE49-F238E27FC236}">
+                <a16:creationId xmlns:a16="http://schemas.microsoft.com/office/drawing/2014/main" id="{A4A7D9F2-FD94-4FCE-B15B-68F9E87000DE}"/>
+              </a:ext>
+            </a:extLst>
+          </p:cNvPr>
+          <p:cNvPicPr/>
+          <p:nvPr/>
+        </p:nvPicPr>
+        <p:blipFill>
+          <a:blip r:embed="rId3">
+            <a:extLst>
+              <a:ext uri="{28A0092B-C50C-407E-A947-70E740481C1C}">
+                <a14:useLocalDpi xmlns:a14="http://schemas.microsoft.com/office/drawing/2010/main" val="0"/>
+              </a:ext>
+            </a:extLst>
+          </a:blip>
+          <a:srcRect/>
+          <a:stretch>
+            <a:fillRect/>
+          </a:stretch>
+        </p:blipFill>
+        <p:spPr bwMode="auto">
+          <a:xfrm>
+            <a:off x="1434147" y="1174115"/>
+            <a:ext cx="5940425" cy="2907030"/>
+          </a:xfrm>
+          <a:prstGeom prst="rect">
+            <a:avLst/>
+          </a:prstGeom>
+          <a:noFill/>
+          <a:ln>
+            <a:noFill/>
+          </a:ln>
+        </p:spPr>
+      </p:pic>
+    </p:spTree>
+    <p:extLst>
+      <p:ext uri="{BB962C8B-B14F-4D97-AF65-F5344CB8AC3E}">
+        <p14:creationId xmlns:p14="http://schemas.microsoft.com/office/powerpoint/2010/main" val="3715024166"/>
+      </p:ext>
+    </p:extLst>
+  </p:cSld>
+  <p:clrMapOvr>
+    <a:masterClrMapping/>
+  </p:clrMapOvr>
+</p:sld>
+</file>
+
+<file path=ppt/slides/slide48.xml><?xml version="1.0" encoding="utf-8"?>
+<p:sld xmlns:a="http://schemas.openxmlformats.org/drawingml/2006/main" xmlns:r="http://schemas.openxmlformats.org/officeDocument/2006/relationships" xmlns:p="http://schemas.openxmlformats.org/presentationml/2006/main">
+  <p:cSld>
+    <p:spTree>
+      <p:nvGrpSpPr>
+        <p:cNvPr id="1" name="Shape 1337"/>
+        <p:cNvGrpSpPr/>
+        <p:nvPr/>
+      </p:nvGrpSpPr>
+      <p:grpSpPr>
+        <a:xfrm>
+          <a:off x="0" y="0"/>
+          <a:ext cx="0" cy="0"/>
+          <a:chOff x="0" y="0"/>
+          <a:chExt cx="0" cy="0"/>
+        </a:xfrm>
+      </p:grpSpPr>
+      <p:sp>
+        <p:nvSpPr>
+          <p:cNvPr id="1338" name="Google Shape;1338;p34"/>
+          <p:cNvSpPr txBox="1">
+            <a:spLocks noGrp="1"/>
+          </p:cNvSpPr>
+          <p:nvPr>
+            <p:ph type="title"/>
+          </p:nvPr>
+        </p:nvSpPr>
+        <p:spPr>
+          <a:xfrm>
+            <a:off x="771524" y="93286"/>
+            <a:ext cx="6943805" cy="572700"/>
+          </a:xfrm>
+          <a:prstGeom prst="rect">
+            <a:avLst/>
+          </a:prstGeom>
+        </p:spPr>
+        <p:txBody>
+          <a:bodyPr spcFirstLastPara="1" wrap="square" lIns="91425" tIns="91425" rIns="91425" bIns="91425" anchor="t" anchorCtr="0">
+            <a:noAutofit/>
+          </a:bodyPr>
+          <a:lstStyle/>
+          <a:p>
+            <a:pPr marL="0" lvl="0" indent="0" algn="l" rtl="0">
+              <a:spcBef>
+                <a:spcPts val="0"/>
+              </a:spcBef>
+              <a:spcAft>
+                <a:spcPts val="0"/>
+              </a:spcAft>
+              <a:buNone/>
+            </a:pPr>
+            <a:r>
+              <a:rPr lang="ru-RU" dirty="0"/>
+              <a:t>База данных</a:t>
+            </a:r>
+            <a:endParaRPr dirty="0"/>
+          </a:p>
+        </p:txBody>
+      </p:sp>
+      <p:sp>
+        <p:nvSpPr>
+          <p:cNvPr id="9" name="TextBox 8">
+            <a:extLst>
+              <a:ext uri="{FF2B5EF4-FFF2-40B4-BE49-F238E27FC236}">
+                <a16:creationId xmlns:a16="http://schemas.microsoft.com/office/drawing/2014/main" id="{5A313165-15B5-4CC6-8DA9-45FCA660F07B}"/>
+              </a:ext>
+            </a:extLst>
+          </p:cNvPr>
+          <p:cNvSpPr txBox="1"/>
+          <p:nvPr/>
+        </p:nvSpPr>
+        <p:spPr>
+          <a:xfrm>
+            <a:off x="771524" y="640212"/>
+            <a:ext cx="4572000" cy="369332"/>
+          </a:xfrm>
+          <a:prstGeom prst="rect">
+            <a:avLst/>
+          </a:prstGeom>
+          <a:noFill/>
+        </p:spPr>
+        <p:txBody>
+          <a:bodyPr wrap="square">
+            <a:spAutoFit/>
+          </a:bodyPr>
+          <a:lstStyle/>
+          <a:p>
+            <a:r>
+              <a:rPr lang="ru-RU" sz="1800" dirty="0">
+                <a:solidFill>
+                  <a:schemeClr val="dk1"/>
+                </a:solidFill>
+                <a:latin typeface="Times New Roman" panose="02020603050405020304" pitchFamily="18" charset="0"/>
+                <a:cs typeface="Times New Roman" panose="02020603050405020304" pitchFamily="18" charset="0"/>
+              </a:rPr>
+              <a:t>Отчет Тренер</a:t>
+            </a:r>
+          </a:p>
+        </p:txBody>
+      </p:sp>
+      <p:pic>
+        <p:nvPicPr>
+          <p:cNvPr id="5" name="Рисунок 4">
+            <a:extLst>
+              <a:ext uri="{FF2B5EF4-FFF2-40B4-BE49-F238E27FC236}">
+                <a16:creationId xmlns:a16="http://schemas.microsoft.com/office/drawing/2014/main" id="{DF26FBFA-4EA3-4052-BF2D-1EDBB5FC9177}"/>
+              </a:ext>
+            </a:extLst>
+          </p:cNvPr>
+          <p:cNvPicPr/>
+          <p:nvPr/>
+        </p:nvPicPr>
+        <p:blipFill>
+          <a:blip r:embed="rId3"/>
+          <a:stretch>
+            <a:fillRect/>
+          </a:stretch>
+        </p:blipFill>
+        <p:spPr>
+          <a:xfrm>
+            <a:off x="1891582" y="1108249"/>
+            <a:ext cx="5729965" cy="3904706"/>
+          </a:xfrm>
+          <a:prstGeom prst="rect">
+            <a:avLst/>
+          </a:prstGeom>
+        </p:spPr>
+      </p:pic>
+    </p:spTree>
+    <p:extLst>
+      <p:ext uri="{BB962C8B-B14F-4D97-AF65-F5344CB8AC3E}">
+        <p14:creationId xmlns:p14="http://schemas.microsoft.com/office/powerpoint/2010/main" val="342631175"/>
+      </p:ext>
+    </p:extLst>
+  </p:cSld>
+  <p:clrMapOvr>
+    <a:masterClrMapping/>
+  </p:clrMapOvr>
+</p:sld>
+</file>
+
+<file path=ppt/slides/slide49.xml><?xml version="1.0" encoding="utf-8"?>
+<p:sld xmlns:a="http://schemas.openxmlformats.org/drawingml/2006/main" xmlns:r="http://schemas.openxmlformats.org/officeDocument/2006/relationships" xmlns:p="http://schemas.openxmlformats.org/presentationml/2006/main">
+  <p:cSld>
+    <p:spTree>
+      <p:nvGrpSpPr>
+        <p:cNvPr id="1" name="Shape 1337"/>
+        <p:cNvGrpSpPr/>
+        <p:nvPr/>
+      </p:nvGrpSpPr>
+      <p:grpSpPr>
+        <a:xfrm>
+          <a:off x="0" y="0"/>
+          <a:ext cx="0" cy="0"/>
+          <a:chOff x="0" y="0"/>
+          <a:chExt cx="0" cy="0"/>
+        </a:xfrm>
+      </p:grpSpPr>
+      <p:sp>
+        <p:nvSpPr>
+          <p:cNvPr id="1338" name="Google Shape;1338;p34"/>
+          <p:cNvSpPr txBox="1">
+            <a:spLocks noGrp="1"/>
+          </p:cNvSpPr>
+          <p:nvPr>
+            <p:ph type="title"/>
+          </p:nvPr>
+        </p:nvSpPr>
+        <p:spPr>
+          <a:xfrm>
+            <a:off x="771524" y="93286"/>
+            <a:ext cx="6943805" cy="572700"/>
+          </a:xfrm>
+          <a:prstGeom prst="rect">
+            <a:avLst/>
+          </a:prstGeom>
+        </p:spPr>
+        <p:txBody>
+          <a:bodyPr spcFirstLastPara="1" wrap="square" lIns="91425" tIns="91425" rIns="91425" bIns="91425" anchor="t" anchorCtr="0">
+            <a:noAutofit/>
+          </a:bodyPr>
+          <a:lstStyle/>
+          <a:p>
+            <a:pPr marL="0" lvl="0" indent="0" algn="l" rtl="0">
+              <a:spcBef>
+                <a:spcPts val="0"/>
+              </a:spcBef>
+              <a:spcAft>
+                <a:spcPts val="0"/>
+              </a:spcAft>
+              <a:buNone/>
+            </a:pPr>
+            <a:r>
+              <a:rPr lang="ru-RU" dirty="0"/>
+              <a:t>База данных. Запросы</a:t>
+            </a:r>
+            <a:endParaRPr dirty="0"/>
+          </a:p>
+        </p:txBody>
+      </p:sp>
+      <p:sp>
+        <p:nvSpPr>
+          <p:cNvPr id="9" name="TextBox 8">
+            <a:extLst>
+              <a:ext uri="{FF2B5EF4-FFF2-40B4-BE49-F238E27FC236}">
+                <a16:creationId xmlns:a16="http://schemas.microsoft.com/office/drawing/2014/main" id="{5A313165-15B5-4CC6-8DA9-45FCA660F07B}"/>
+              </a:ext>
+            </a:extLst>
+          </p:cNvPr>
+          <p:cNvSpPr txBox="1"/>
+          <p:nvPr/>
+        </p:nvSpPr>
+        <p:spPr>
+          <a:xfrm>
+            <a:off x="771524" y="640212"/>
+            <a:ext cx="4572000" cy="369332"/>
+          </a:xfrm>
+          <a:prstGeom prst="rect">
+            <a:avLst/>
+          </a:prstGeom>
+          <a:noFill/>
+        </p:spPr>
+        <p:txBody>
+          <a:bodyPr wrap="square">
+            <a:spAutoFit/>
+          </a:bodyPr>
+          <a:lstStyle/>
+          <a:p>
+            <a:r>
+              <a:rPr lang="ru-RU" sz="1800" dirty="0">
+                <a:solidFill>
+                  <a:schemeClr val="dk1"/>
+                </a:solidFill>
+                <a:latin typeface="Times New Roman" panose="02020603050405020304" pitchFamily="18" charset="0"/>
+                <a:cs typeface="Times New Roman" panose="02020603050405020304" pitchFamily="18" charset="0"/>
+              </a:rPr>
+              <a:t>Ветеринары, осматривающие ротвейлеров</a:t>
+            </a:r>
+          </a:p>
+        </p:txBody>
+      </p:sp>
+      <p:pic>
+        <p:nvPicPr>
+          <p:cNvPr id="10" name="Рисунок 9">
+            <a:extLst>
+              <a:ext uri="{FF2B5EF4-FFF2-40B4-BE49-F238E27FC236}">
+                <a16:creationId xmlns:a16="http://schemas.microsoft.com/office/drawing/2014/main" id="{5F0E91A6-171F-4C1E-9321-B46B2B3249ED}"/>
+              </a:ext>
+            </a:extLst>
+          </p:cNvPr>
+          <p:cNvPicPr/>
+          <p:nvPr/>
+        </p:nvPicPr>
+        <p:blipFill>
+          <a:blip r:embed="rId3">
+            <a:extLst>
+              <a:ext uri="{28A0092B-C50C-407E-A947-70E740481C1C}">
+                <a14:useLocalDpi xmlns:a14="http://schemas.microsoft.com/office/drawing/2010/main" val="0"/>
+              </a:ext>
+            </a:extLst>
+          </a:blip>
+          <a:srcRect/>
+          <a:stretch>
+            <a:fillRect/>
+          </a:stretch>
+        </p:blipFill>
+        <p:spPr bwMode="auto">
+          <a:xfrm>
+            <a:off x="888288" y="1376941"/>
+            <a:ext cx="3423920" cy="1824724"/>
+          </a:xfrm>
+          <a:prstGeom prst="rect">
+            <a:avLst/>
+          </a:prstGeom>
+          <a:noFill/>
+          <a:ln>
+            <a:noFill/>
+          </a:ln>
+        </p:spPr>
+      </p:pic>
+      <p:pic>
+        <p:nvPicPr>
+          <p:cNvPr id="11" name="Рисунок 10">
+            <a:extLst>
+              <a:ext uri="{FF2B5EF4-FFF2-40B4-BE49-F238E27FC236}">
+                <a16:creationId xmlns:a16="http://schemas.microsoft.com/office/drawing/2014/main" id="{654AA2DD-88BF-4056-A3A2-C4D6EB89CF78}"/>
+              </a:ext>
+            </a:extLst>
+          </p:cNvPr>
+          <p:cNvPicPr/>
+          <p:nvPr/>
+        </p:nvPicPr>
+        <p:blipFill>
+          <a:blip r:embed="rId4">
+            <a:extLst>
+              <a:ext uri="{28A0092B-C50C-407E-A947-70E740481C1C}">
+                <a14:useLocalDpi xmlns:a14="http://schemas.microsoft.com/office/drawing/2010/main" val="0"/>
+              </a:ext>
+            </a:extLst>
+          </a:blip>
+          <a:srcRect/>
+          <a:stretch>
+            <a:fillRect/>
+          </a:stretch>
+        </p:blipFill>
+        <p:spPr bwMode="auto">
+          <a:xfrm>
+            <a:off x="5056619" y="1376941"/>
+            <a:ext cx="3199093" cy="1553845"/>
+          </a:xfrm>
+          <a:prstGeom prst="rect">
+            <a:avLst/>
+          </a:prstGeom>
+          <a:noFill/>
+          <a:ln>
+            <a:noFill/>
+          </a:ln>
+        </p:spPr>
+      </p:pic>
+    </p:spTree>
+    <p:extLst>
+      <p:ext uri="{BB962C8B-B14F-4D97-AF65-F5344CB8AC3E}">
+        <p14:creationId xmlns:p14="http://schemas.microsoft.com/office/powerpoint/2010/main" val="3321296550"/>
       </p:ext>
     </p:extLst>
   </p:cSld>
@@ -36928,501 +36965,6 @@
             </a:pPr>
             <a:r>
               <a:rPr lang="ru-RU" dirty="0"/>
-              <a:t>База данных</a:t>
-            </a:r>
-            <a:endParaRPr dirty="0"/>
-          </a:p>
-        </p:txBody>
-      </p:sp>
-      <p:sp>
-        <p:nvSpPr>
-          <p:cNvPr id="9" name="TextBox 8">
-            <a:extLst>
-              <a:ext uri="{FF2B5EF4-FFF2-40B4-BE49-F238E27FC236}">
-                <a16:creationId xmlns:a16="http://schemas.microsoft.com/office/drawing/2014/main" id="{5A313165-15B5-4CC6-8DA9-45FCA660F07B}"/>
-              </a:ext>
-            </a:extLst>
-          </p:cNvPr>
-          <p:cNvSpPr txBox="1"/>
-          <p:nvPr/>
-        </p:nvSpPr>
-        <p:spPr>
-          <a:xfrm>
-            <a:off x="771524" y="640212"/>
-            <a:ext cx="4572000" cy="369332"/>
-          </a:xfrm>
-          <a:prstGeom prst="rect">
-            <a:avLst/>
-          </a:prstGeom>
-          <a:noFill/>
-        </p:spPr>
-        <p:txBody>
-          <a:bodyPr wrap="square">
-            <a:spAutoFit/>
-          </a:bodyPr>
-          <a:lstStyle/>
-          <a:p>
-            <a:r>
-              <a:rPr lang="ru-RU" sz="1800" dirty="0">
-                <a:solidFill>
-                  <a:schemeClr val="dk1"/>
-                </a:solidFill>
-                <a:latin typeface="Times New Roman" panose="02020603050405020304" pitchFamily="18" charset="0"/>
-                <a:cs typeface="Times New Roman" panose="02020603050405020304" pitchFamily="18" charset="0"/>
-              </a:rPr>
-              <a:t>Отчет Специализация</a:t>
-            </a:r>
-          </a:p>
-        </p:txBody>
-      </p:sp>
-      <p:pic>
-        <p:nvPicPr>
-          <p:cNvPr id="5" name="Рисунок 4">
-            <a:extLst>
-              <a:ext uri="{FF2B5EF4-FFF2-40B4-BE49-F238E27FC236}">
-                <a16:creationId xmlns:a16="http://schemas.microsoft.com/office/drawing/2014/main" id="{A4A7D9F2-FD94-4FCE-B15B-68F9E87000DE}"/>
-              </a:ext>
-            </a:extLst>
-          </p:cNvPr>
-          <p:cNvPicPr/>
-          <p:nvPr/>
-        </p:nvPicPr>
-        <p:blipFill>
-          <a:blip r:embed="rId3">
-            <a:extLst>
-              <a:ext uri="{28A0092B-C50C-407E-A947-70E740481C1C}">
-                <a14:useLocalDpi xmlns:a14="http://schemas.microsoft.com/office/drawing/2010/main" val="0"/>
-              </a:ext>
-            </a:extLst>
-          </a:blip>
-          <a:srcRect/>
-          <a:stretch>
-            <a:fillRect/>
-          </a:stretch>
-        </p:blipFill>
-        <p:spPr bwMode="auto">
-          <a:xfrm>
-            <a:off x="1434147" y="1174115"/>
-            <a:ext cx="5940425" cy="2907030"/>
-          </a:xfrm>
-          <a:prstGeom prst="rect">
-            <a:avLst/>
-          </a:prstGeom>
-          <a:noFill/>
-          <a:ln>
-            <a:noFill/>
-          </a:ln>
-        </p:spPr>
-      </p:pic>
-    </p:spTree>
-    <p:extLst>
-      <p:ext uri="{BB962C8B-B14F-4D97-AF65-F5344CB8AC3E}">
-        <p14:creationId xmlns:p14="http://schemas.microsoft.com/office/powerpoint/2010/main" val="3715024166"/>
-      </p:ext>
-    </p:extLst>
-  </p:cSld>
-  <p:clrMapOvr>
-    <a:masterClrMapping/>
-  </p:clrMapOvr>
-</p:sld>
-</file>
-
-<file path=ppt/slides/slide51.xml><?xml version="1.0" encoding="utf-8"?>
-<p:sld xmlns:a="http://schemas.openxmlformats.org/drawingml/2006/main" xmlns:r="http://schemas.openxmlformats.org/officeDocument/2006/relationships" xmlns:p="http://schemas.openxmlformats.org/presentationml/2006/main">
-  <p:cSld>
-    <p:spTree>
-      <p:nvGrpSpPr>
-        <p:cNvPr id="1" name="Shape 1337"/>
-        <p:cNvGrpSpPr/>
-        <p:nvPr/>
-      </p:nvGrpSpPr>
-      <p:grpSpPr>
-        <a:xfrm>
-          <a:off x="0" y="0"/>
-          <a:ext cx="0" cy="0"/>
-          <a:chOff x="0" y="0"/>
-          <a:chExt cx="0" cy="0"/>
-        </a:xfrm>
-      </p:grpSpPr>
-      <p:sp>
-        <p:nvSpPr>
-          <p:cNvPr id="1338" name="Google Shape;1338;p34"/>
-          <p:cNvSpPr txBox="1">
-            <a:spLocks noGrp="1"/>
-          </p:cNvSpPr>
-          <p:nvPr>
-            <p:ph type="title"/>
-          </p:nvPr>
-        </p:nvSpPr>
-        <p:spPr>
-          <a:xfrm>
-            <a:off x="771524" y="93286"/>
-            <a:ext cx="6943805" cy="572700"/>
-          </a:xfrm>
-          <a:prstGeom prst="rect">
-            <a:avLst/>
-          </a:prstGeom>
-        </p:spPr>
-        <p:txBody>
-          <a:bodyPr spcFirstLastPara="1" wrap="square" lIns="91425" tIns="91425" rIns="91425" bIns="91425" anchor="t" anchorCtr="0">
-            <a:noAutofit/>
-          </a:bodyPr>
-          <a:lstStyle/>
-          <a:p>
-            <a:pPr marL="0" lvl="0" indent="0" algn="l" rtl="0">
-              <a:spcBef>
-                <a:spcPts val="0"/>
-              </a:spcBef>
-              <a:spcAft>
-                <a:spcPts val="0"/>
-              </a:spcAft>
-              <a:buNone/>
-            </a:pPr>
-            <a:r>
-              <a:rPr lang="ru-RU" dirty="0"/>
-              <a:t>База данных</a:t>
-            </a:r>
-            <a:endParaRPr dirty="0"/>
-          </a:p>
-        </p:txBody>
-      </p:sp>
-      <p:sp>
-        <p:nvSpPr>
-          <p:cNvPr id="9" name="TextBox 8">
-            <a:extLst>
-              <a:ext uri="{FF2B5EF4-FFF2-40B4-BE49-F238E27FC236}">
-                <a16:creationId xmlns:a16="http://schemas.microsoft.com/office/drawing/2014/main" id="{5A313165-15B5-4CC6-8DA9-45FCA660F07B}"/>
-              </a:ext>
-            </a:extLst>
-          </p:cNvPr>
-          <p:cNvSpPr txBox="1"/>
-          <p:nvPr/>
-        </p:nvSpPr>
-        <p:spPr>
-          <a:xfrm>
-            <a:off x="771524" y="640212"/>
-            <a:ext cx="4572000" cy="369332"/>
-          </a:xfrm>
-          <a:prstGeom prst="rect">
-            <a:avLst/>
-          </a:prstGeom>
-          <a:noFill/>
-        </p:spPr>
-        <p:txBody>
-          <a:bodyPr wrap="square">
-            <a:spAutoFit/>
-          </a:bodyPr>
-          <a:lstStyle/>
-          <a:p>
-            <a:r>
-              <a:rPr lang="ru-RU" sz="1800" dirty="0">
-                <a:solidFill>
-                  <a:schemeClr val="dk1"/>
-                </a:solidFill>
-                <a:latin typeface="Times New Roman" panose="02020603050405020304" pitchFamily="18" charset="0"/>
-                <a:cs typeface="Times New Roman" panose="02020603050405020304" pitchFamily="18" charset="0"/>
-              </a:rPr>
-              <a:t>Отчет Тренер</a:t>
-            </a:r>
-          </a:p>
-        </p:txBody>
-      </p:sp>
-      <p:pic>
-        <p:nvPicPr>
-          <p:cNvPr id="6" name="Рисунок 5">
-            <a:extLst>
-              <a:ext uri="{FF2B5EF4-FFF2-40B4-BE49-F238E27FC236}">
-                <a16:creationId xmlns:a16="http://schemas.microsoft.com/office/drawing/2014/main" id="{8F6A6B1D-784A-458E-867B-A05A9161F779}"/>
-              </a:ext>
-            </a:extLst>
-          </p:cNvPr>
-          <p:cNvPicPr/>
-          <p:nvPr/>
-        </p:nvPicPr>
-        <p:blipFill>
-          <a:blip r:embed="rId3">
-            <a:extLst>
-              <a:ext uri="{28A0092B-C50C-407E-A947-70E740481C1C}">
-                <a14:useLocalDpi xmlns:a14="http://schemas.microsoft.com/office/drawing/2010/main" val="0"/>
-              </a:ext>
-            </a:extLst>
-          </a:blip>
-          <a:srcRect/>
-          <a:stretch>
-            <a:fillRect/>
-          </a:stretch>
-        </p:blipFill>
-        <p:spPr bwMode="auto">
-          <a:xfrm>
-            <a:off x="2280920" y="1055232"/>
-            <a:ext cx="5190172" cy="3759338"/>
-          </a:xfrm>
-          <a:prstGeom prst="rect">
-            <a:avLst/>
-          </a:prstGeom>
-          <a:noFill/>
-          <a:ln>
-            <a:noFill/>
-          </a:ln>
-        </p:spPr>
-      </p:pic>
-    </p:spTree>
-    <p:extLst>
-      <p:ext uri="{BB962C8B-B14F-4D97-AF65-F5344CB8AC3E}">
-        <p14:creationId xmlns:p14="http://schemas.microsoft.com/office/powerpoint/2010/main" val="342631175"/>
-      </p:ext>
-    </p:extLst>
-  </p:cSld>
-  <p:clrMapOvr>
-    <a:masterClrMapping/>
-  </p:clrMapOvr>
-</p:sld>
-</file>
-
-<file path=ppt/slides/slide52.xml><?xml version="1.0" encoding="utf-8"?>
-<p:sld xmlns:a="http://schemas.openxmlformats.org/drawingml/2006/main" xmlns:r="http://schemas.openxmlformats.org/officeDocument/2006/relationships" xmlns:p="http://schemas.openxmlformats.org/presentationml/2006/main">
-  <p:cSld>
-    <p:spTree>
-      <p:nvGrpSpPr>
-        <p:cNvPr id="1" name="Shape 1337"/>
-        <p:cNvGrpSpPr/>
-        <p:nvPr/>
-      </p:nvGrpSpPr>
-      <p:grpSpPr>
-        <a:xfrm>
-          <a:off x="0" y="0"/>
-          <a:ext cx="0" cy="0"/>
-          <a:chOff x="0" y="0"/>
-          <a:chExt cx="0" cy="0"/>
-        </a:xfrm>
-      </p:grpSpPr>
-      <p:sp>
-        <p:nvSpPr>
-          <p:cNvPr id="1338" name="Google Shape;1338;p34"/>
-          <p:cNvSpPr txBox="1">
-            <a:spLocks noGrp="1"/>
-          </p:cNvSpPr>
-          <p:nvPr>
-            <p:ph type="title"/>
-          </p:nvPr>
-        </p:nvSpPr>
-        <p:spPr>
-          <a:xfrm>
-            <a:off x="771524" y="93286"/>
-            <a:ext cx="6943805" cy="572700"/>
-          </a:xfrm>
-          <a:prstGeom prst="rect">
-            <a:avLst/>
-          </a:prstGeom>
-        </p:spPr>
-        <p:txBody>
-          <a:bodyPr spcFirstLastPara="1" wrap="square" lIns="91425" tIns="91425" rIns="91425" bIns="91425" anchor="t" anchorCtr="0">
-            <a:noAutofit/>
-          </a:bodyPr>
-          <a:lstStyle/>
-          <a:p>
-            <a:pPr marL="0" lvl="0" indent="0" algn="l" rtl="0">
-              <a:spcBef>
-                <a:spcPts val="0"/>
-              </a:spcBef>
-              <a:spcAft>
-                <a:spcPts val="0"/>
-              </a:spcAft>
-              <a:buNone/>
-            </a:pPr>
-            <a:r>
-              <a:rPr lang="ru-RU" dirty="0"/>
-              <a:t>База данных. Запросы</a:t>
-            </a:r>
-            <a:endParaRPr dirty="0"/>
-          </a:p>
-        </p:txBody>
-      </p:sp>
-      <p:sp>
-        <p:nvSpPr>
-          <p:cNvPr id="9" name="TextBox 8">
-            <a:extLst>
-              <a:ext uri="{FF2B5EF4-FFF2-40B4-BE49-F238E27FC236}">
-                <a16:creationId xmlns:a16="http://schemas.microsoft.com/office/drawing/2014/main" id="{5A313165-15B5-4CC6-8DA9-45FCA660F07B}"/>
-              </a:ext>
-            </a:extLst>
-          </p:cNvPr>
-          <p:cNvSpPr txBox="1"/>
-          <p:nvPr/>
-        </p:nvSpPr>
-        <p:spPr>
-          <a:xfrm>
-            <a:off x="771524" y="640212"/>
-            <a:ext cx="4572000" cy="369332"/>
-          </a:xfrm>
-          <a:prstGeom prst="rect">
-            <a:avLst/>
-          </a:prstGeom>
-          <a:noFill/>
-        </p:spPr>
-        <p:txBody>
-          <a:bodyPr wrap="square">
-            <a:spAutoFit/>
-          </a:bodyPr>
-          <a:lstStyle/>
-          <a:p>
-            <a:r>
-              <a:rPr lang="ru-RU" sz="1800" dirty="0">
-                <a:solidFill>
-                  <a:schemeClr val="dk1"/>
-                </a:solidFill>
-                <a:latin typeface="Times New Roman" panose="02020603050405020304" pitchFamily="18" charset="0"/>
-                <a:cs typeface="Times New Roman" panose="02020603050405020304" pitchFamily="18" charset="0"/>
-              </a:rPr>
-              <a:t>Ветеринары, осматривающие ротвейлеров</a:t>
-            </a:r>
-          </a:p>
-        </p:txBody>
-      </p:sp>
-      <p:pic>
-        <p:nvPicPr>
-          <p:cNvPr id="10" name="Рисунок 9">
-            <a:extLst>
-              <a:ext uri="{FF2B5EF4-FFF2-40B4-BE49-F238E27FC236}">
-                <a16:creationId xmlns:a16="http://schemas.microsoft.com/office/drawing/2014/main" id="{5F0E91A6-171F-4C1E-9321-B46B2B3249ED}"/>
-              </a:ext>
-            </a:extLst>
-          </p:cNvPr>
-          <p:cNvPicPr/>
-          <p:nvPr/>
-        </p:nvPicPr>
-        <p:blipFill>
-          <a:blip r:embed="rId3">
-            <a:extLst>
-              <a:ext uri="{28A0092B-C50C-407E-A947-70E740481C1C}">
-                <a14:useLocalDpi xmlns:a14="http://schemas.microsoft.com/office/drawing/2010/main" val="0"/>
-              </a:ext>
-            </a:extLst>
-          </a:blip>
-          <a:srcRect/>
-          <a:stretch>
-            <a:fillRect/>
-          </a:stretch>
-        </p:blipFill>
-        <p:spPr bwMode="auto">
-          <a:xfrm>
-            <a:off x="888288" y="1376941"/>
-            <a:ext cx="3423920" cy="1824724"/>
-          </a:xfrm>
-          <a:prstGeom prst="rect">
-            <a:avLst/>
-          </a:prstGeom>
-          <a:noFill/>
-          <a:ln>
-            <a:noFill/>
-          </a:ln>
-        </p:spPr>
-      </p:pic>
-      <p:pic>
-        <p:nvPicPr>
-          <p:cNvPr id="11" name="Рисунок 10">
-            <a:extLst>
-              <a:ext uri="{FF2B5EF4-FFF2-40B4-BE49-F238E27FC236}">
-                <a16:creationId xmlns:a16="http://schemas.microsoft.com/office/drawing/2014/main" id="{654AA2DD-88BF-4056-A3A2-C4D6EB89CF78}"/>
-              </a:ext>
-            </a:extLst>
-          </p:cNvPr>
-          <p:cNvPicPr/>
-          <p:nvPr/>
-        </p:nvPicPr>
-        <p:blipFill>
-          <a:blip r:embed="rId4">
-            <a:extLst>
-              <a:ext uri="{28A0092B-C50C-407E-A947-70E740481C1C}">
-                <a14:useLocalDpi xmlns:a14="http://schemas.microsoft.com/office/drawing/2010/main" val="0"/>
-              </a:ext>
-            </a:extLst>
-          </a:blip>
-          <a:srcRect/>
-          <a:stretch>
-            <a:fillRect/>
-          </a:stretch>
-        </p:blipFill>
-        <p:spPr bwMode="auto">
-          <a:xfrm>
-            <a:off x="5056619" y="1376941"/>
-            <a:ext cx="3199093" cy="1553845"/>
-          </a:xfrm>
-          <a:prstGeom prst="rect">
-            <a:avLst/>
-          </a:prstGeom>
-          <a:noFill/>
-          <a:ln>
-            <a:noFill/>
-          </a:ln>
-        </p:spPr>
-      </p:pic>
-    </p:spTree>
-    <p:extLst>
-      <p:ext uri="{BB962C8B-B14F-4D97-AF65-F5344CB8AC3E}">
-        <p14:creationId xmlns:p14="http://schemas.microsoft.com/office/powerpoint/2010/main" val="3321296550"/>
-      </p:ext>
-    </p:extLst>
-  </p:cSld>
-  <p:clrMapOvr>
-    <a:masterClrMapping/>
-  </p:clrMapOvr>
-</p:sld>
-</file>
-
-<file path=ppt/slides/slide53.xml><?xml version="1.0" encoding="utf-8"?>
-<p:sld xmlns:a="http://schemas.openxmlformats.org/drawingml/2006/main" xmlns:r="http://schemas.openxmlformats.org/officeDocument/2006/relationships" xmlns:p="http://schemas.openxmlformats.org/presentationml/2006/main">
-  <p:cSld>
-    <p:spTree>
-      <p:nvGrpSpPr>
-        <p:cNvPr id="1" name="Shape 1337"/>
-        <p:cNvGrpSpPr/>
-        <p:nvPr/>
-      </p:nvGrpSpPr>
-      <p:grpSpPr>
-        <a:xfrm>
-          <a:off x="0" y="0"/>
-          <a:ext cx="0" cy="0"/>
-          <a:chOff x="0" y="0"/>
-          <a:chExt cx="0" cy="0"/>
-        </a:xfrm>
-      </p:grpSpPr>
-      <p:sp>
-        <p:nvSpPr>
-          <p:cNvPr id="1338" name="Google Shape;1338;p34"/>
-          <p:cNvSpPr txBox="1">
-            <a:spLocks noGrp="1"/>
-          </p:cNvSpPr>
-          <p:nvPr>
-            <p:ph type="title"/>
-          </p:nvPr>
-        </p:nvSpPr>
-        <p:spPr>
-          <a:xfrm>
-            <a:off x="771524" y="93286"/>
-            <a:ext cx="6943805" cy="572700"/>
-          </a:xfrm>
-          <a:prstGeom prst="rect">
-            <a:avLst/>
-          </a:prstGeom>
-        </p:spPr>
-        <p:txBody>
-          <a:bodyPr spcFirstLastPara="1" wrap="square" lIns="91425" tIns="91425" rIns="91425" bIns="91425" anchor="t" anchorCtr="0">
-            <a:noAutofit/>
-          </a:bodyPr>
-          <a:lstStyle/>
-          <a:p>
-            <a:pPr marL="0" lvl="0" indent="0" algn="l" rtl="0">
-              <a:spcBef>
-                <a:spcPts val="0"/>
-              </a:spcBef>
-              <a:spcAft>
-                <a:spcPts val="0"/>
-              </a:spcAft>
-              <a:buNone/>
-            </a:pPr>
-            <a:r>
-              <a:rPr lang="ru-RU" dirty="0"/>
               <a:t>База данных. Запросы</a:t>
             </a:r>
             <a:endParaRPr dirty="0"/>
@@ -37561,7 +37103,7 @@
 </p:sld>
 </file>
 
-<file path=ppt/slides/slide54.xml><?xml version="1.0" encoding="utf-8"?>
+<file path=ppt/slides/slide51.xml><?xml version="1.0" encoding="utf-8"?>
 <p:sld xmlns:a="http://schemas.openxmlformats.org/drawingml/2006/main" xmlns:r="http://schemas.openxmlformats.org/officeDocument/2006/relationships" xmlns:p="http://schemas.openxmlformats.org/presentationml/2006/main">
   <p:cSld>
     <p:spTree>
@@ -37757,7 +37299,7 @@
 </p:sld>
 </file>
 
-<file path=ppt/slides/slide55.xml><?xml version="1.0" encoding="utf-8"?>
+<file path=ppt/slides/slide52.xml><?xml version="1.0" encoding="utf-8"?>
 <p:sld xmlns:a="http://schemas.openxmlformats.org/drawingml/2006/main" xmlns:r="http://schemas.openxmlformats.org/officeDocument/2006/relationships" xmlns:p="http://schemas.openxmlformats.org/presentationml/2006/main">
   <p:cSld>
     <p:spTree>
@@ -37953,7 +37495,7 @@
 </p:sld>
 </file>
 
-<file path=ppt/slides/slide56.xml><?xml version="1.0" encoding="utf-8"?>
+<file path=ppt/slides/slide53.xml><?xml version="1.0" encoding="utf-8"?>
 <p:sld xmlns:a="http://schemas.openxmlformats.org/drawingml/2006/main" xmlns:r="http://schemas.openxmlformats.org/officeDocument/2006/relationships" xmlns:p="http://schemas.openxmlformats.org/presentationml/2006/main">
   <p:cSld>
     <p:spTree>
@@ -38149,7 +37691,7 @@
 </p:sld>
 </file>
 
-<file path=ppt/slides/slide57.xml><?xml version="1.0" encoding="utf-8"?>
+<file path=ppt/slides/slide54.xml><?xml version="1.0" encoding="utf-8"?>
 <p:sld xmlns:a="http://schemas.openxmlformats.org/drawingml/2006/main" xmlns:r="http://schemas.openxmlformats.org/officeDocument/2006/relationships" xmlns:p="http://schemas.openxmlformats.org/presentationml/2006/main">
   <p:cSld>
     <p:spTree>
@@ -38497,7 +38039,7 @@
 </p:sld>
 </file>
 
-<file path=ppt/slides/slide58.xml><?xml version="1.0" encoding="utf-8"?>
+<file path=ppt/slides/slide55.xml><?xml version="1.0" encoding="utf-8"?>
 <p:sld xmlns:a="http://schemas.openxmlformats.org/drawingml/2006/main" xmlns:r="http://schemas.openxmlformats.org/officeDocument/2006/relationships" xmlns:p="http://schemas.openxmlformats.org/presentationml/2006/main">
   <p:cSld>
     <p:spTree>
@@ -38699,7 +38241,7 @@
 </p:sld>
 </file>
 
-<file path=ppt/slides/slide59.xml><?xml version="1.0" encoding="utf-8"?>
+<file path=ppt/slides/slide56.xml><?xml version="1.0" encoding="utf-8"?>
 <p:sld xmlns:a="http://schemas.openxmlformats.org/drawingml/2006/main" xmlns:r="http://schemas.openxmlformats.org/officeDocument/2006/relationships" xmlns:p="http://schemas.openxmlformats.org/presentationml/2006/main">
   <p:cSld>
     <p:spTree>
@@ -38853,10 +38395,10 @@
       </p:pic>
       <p:pic>
         <p:nvPicPr>
-          <p:cNvPr id="7" name="Рисунок 6">
+          <p:cNvPr id="8" name="Рисунок 7">
             <a:extLst>
               <a:ext uri="{FF2B5EF4-FFF2-40B4-BE49-F238E27FC236}">
-                <a16:creationId xmlns:a16="http://schemas.microsoft.com/office/drawing/2014/main" id="{17D9D7EF-9BFC-47D4-B3A2-16DE4E3D0CCF}"/>
+                <a16:creationId xmlns:a16="http://schemas.microsoft.com/office/drawing/2014/main" id="{874C57D0-F014-4830-BB3F-B7DAB12B08F3}"/>
               </a:ext>
             </a:extLst>
           </p:cNvPr>
@@ -38864,30 +38406,19 @@
           <p:nvPr/>
         </p:nvPicPr>
         <p:blipFill>
-          <a:blip r:embed="rId4">
-            <a:extLst>
-              <a:ext uri="{28A0092B-C50C-407E-A947-70E740481C1C}">
-                <a14:useLocalDpi xmlns:a14="http://schemas.microsoft.com/office/drawing/2010/main" val="0"/>
-              </a:ext>
-            </a:extLst>
-          </a:blip>
-          <a:srcRect/>
+          <a:blip r:embed="rId4"/>
           <a:stretch>
             <a:fillRect/>
           </a:stretch>
         </p:blipFill>
-        <p:spPr bwMode="auto">
+        <p:spPr>
           <a:xfrm>
-            <a:off x="848360" y="1864360"/>
-            <a:ext cx="5839568" cy="2070262"/>
+            <a:off x="848359" y="1915335"/>
+            <a:ext cx="5805589" cy="1681924"/>
           </a:xfrm>
           <a:prstGeom prst="rect">
             <a:avLst/>
           </a:prstGeom>
-          <a:noFill/>
-          <a:ln>
-            <a:noFill/>
-          </a:ln>
         </p:spPr>
       </p:pic>
     </p:spTree>
@@ -38903,160 +38434,7 @@
 </p:sld>
 </file>
 
-<file path=ppt/slides/slide6.xml><?xml version="1.0" encoding="utf-8"?>
-<p:sld xmlns:a="http://schemas.openxmlformats.org/drawingml/2006/main" xmlns:r="http://schemas.openxmlformats.org/officeDocument/2006/relationships" xmlns:p="http://schemas.openxmlformats.org/presentationml/2006/main">
-  <p:cSld>
-    <p:spTree>
-      <p:nvGrpSpPr>
-        <p:cNvPr id="1" name="Shape 1337"/>
-        <p:cNvGrpSpPr/>
-        <p:nvPr/>
-      </p:nvGrpSpPr>
-      <p:grpSpPr>
-        <a:xfrm>
-          <a:off x="0" y="0"/>
-          <a:ext cx="0" cy="0"/>
-          <a:chOff x="0" y="0"/>
-          <a:chExt cx="0" cy="0"/>
-        </a:xfrm>
-      </p:grpSpPr>
-      <p:sp>
-        <p:nvSpPr>
-          <p:cNvPr id="1338" name="Google Shape;1338;p34"/>
-          <p:cNvSpPr txBox="1">
-            <a:spLocks noGrp="1"/>
-          </p:cNvSpPr>
-          <p:nvPr>
-            <p:ph type="title"/>
-          </p:nvPr>
-        </p:nvSpPr>
-        <p:spPr>
-          <a:xfrm>
-            <a:off x="713227" y="228916"/>
-            <a:ext cx="6943805" cy="572700"/>
-          </a:xfrm>
-          <a:prstGeom prst="rect">
-            <a:avLst/>
-          </a:prstGeom>
-        </p:spPr>
-        <p:txBody>
-          <a:bodyPr spcFirstLastPara="1" wrap="square" lIns="91425" tIns="91425" rIns="91425" bIns="91425" anchor="t" anchorCtr="0">
-            <a:noAutofit/>
-          </a:bodyPr>
-          <a:lstStyle/>
-          <a:p>
-            <a:pPr marL="0" lvl="0" indent="0" algn="l" rtl="0">
-              <a:spcBef>
-                <a:spcPts val="0"/>
-              </a:spcBef>
-              <a:spcAft>
-                <a:spcPts val="0"/>
-              </a:spcAft>
-              <a:buNone/>
-            </a:pPr>
-            <a:r>
-              <a:rPr lang="ru-RU" dirty="0"/>
-              <a:t>Функции системы</a:t>
-            </a:r>
-            <a:r>
-              <a:rPr lang="en-US" dirty="0"/>
-              <a:t>:</a:t>
-            </a:r>
-            <a:endParaRPr dirty="0"/>
-          </a:p>
-        </p:txBody>
-      </p:sp>
-      <p:sp>
-        <p:nvSpPr>
-          <p:cNvPr id="1343" name="Google Shape;1343;p34"/>
-          <p:cNvSpPr txBox="1">
-            <a:spLocks noGrp="1"/>
-          </p:cNvSpPr>
-          <p:nvPr>
-            <p:ph type="subTitle" idx="1"/>
-          </p:nvPr>
-        </p:nvSpPr>
-        <p:spPr>
-          <a:xfrm>
-            <a:off x="764872" y="861250"/>
-            <a:ext cx="7100293" cy="3624610"/>
-          </a:xfrm>
-          <a:prstGeom prst="rect">
-            <a:avLst/>
-          </a:prstGeom>
-        </p:spPr>
-        <p:txBody>
-          <a:bodyPr spcFirstLastPara="1" wrap="square" lIns="91425" tIns="91425" rIns="91425" bIns="91425" anchor="t" anchorCtr="0">
-            <a:noAutofit/>
-          </a:bodyPr>
-          <a:lstStyle/>
-          <a:p>
-            <a:pPr marL="0" indent="0" algn="just">
-              <a:lnSpc>
-                <a:spcPct val="150000"/>
-              </a:lnSpc>
-              <a:spcAft>
-                <a:spcPts val="800"/>
-              </a:spcAft>
-            </a:pPr>
-            <a:r>
-              <a:rPr lang="ru-RU" sz="1600" dirty="0"/>
-              <a:t>1. Внесение данных – сотрудники питомника имеют возможность заполнять данные, которые будут храниться в базе данных. </a:t>
-            </a:r>
-          </a:p>
-          <a:p>
-            <a:pPr marL="0" indent="0" algn="just">
-              <a:lnSpc>
-                <a:spcPct val="150000"/>
-              </a:lnSpc>
-              <a:spcAft>
-                <a:spcPts val="800"/>
-              </a:spcAft>
-            </a:pPr>
-            <a:r>
-              <a:rPr lang="ru-RU" sz="1600" dirty="0"/>
-              <a:t>2. Корректировка данных базы данных – персонал сможет изменить уже имеющуюся информацию.</a:t>
-            </a:r>
-          </a:p>
-          <a:p>
-            <a:pPr marL="0" indent="0" algn="just">
-              <a:lnSpc>
-                <a:spcPct val="150000"/>
-              </a:lnSpc>
-              <a:spcAft>
-                <a:spcPts val="800"/>
-              </a:spcAft>
-            </a:pPr>
-            <a:r>
-              <a:rPr lang="ru-RU" sz="1600" dirty="0"/>
-              <a:t>3. Хранение информации – система будет иметь возможность хранить всю предоставляемую информацию.</a:t>
-            </a:r>
-          </a:p>
-          <a:p>
-            <a:pPr marL="0" indent="0" algn="just">
-              <a:lnSpc>
-                <a:spcPct val="150000"/>
-              </a:lnSpc>
-              <a:spcAft>
-                <a:spcPts val="800"/>
-              </a:spcAft>
-            </a:pPr>
-            <a:r>
-              <a:rPr lang="ru-RU" sz="1600" dirty="0"/>
-              <a:t>4. Предоставление – персонал питомника сможет запросить и узнать всю необходимую информацию.</a:t>
-            </a:r>
-          </a:p>
-        </p:txBody>
-      </p:sp>
-    </p:spTree>
-  </p:cSld>
-  <p:clrMapOvr>
-    <a:masterClrMapping/>
-  </p:clrMapOvr>
-</p:sld>
-</file>
-
-<file path=ppt/slides/slide60.xml><?xml version="1.0" encoding="utf-8"?>
+<file path=ppt/slides/slide57.xml><?xml version="1.0" encoding="utf-8"?>
 <p:sld xmlns:a="http://schemas.openxmlformats.org/drawingml/2006/main" xmlns:r="http://schemas.openxmlformats.org/officeDocument/2006/relationships" xmlns:p="http://schemas.openxmlformats.org/presentationml/2006/main">
   <p:cSld>
     <p:spTree>
@@ -39299,7 +38677,7 @@
 </p:sld>
 </file>
 
-<file path=ppt/slides/slide61.xml><?xml version="1.0" encoding="utf-8"?>
+<file path=ppt/slides/slide58.xml><?xml version="1.0" encoding="utf-8"?>
 <p:sld xmlns:a="http://schemas.openxmlformats.org/drawingml/2006/main" xmlns:r="http://schemas.openxmlformats.org/officeDocument/2006/relationships" xmlns:p="http://schemas.openxmlformats.org/presentationml/2006/main">
   <p:cSld>
     <p:spTree>
@@ -39542,7 +38920,7 @@
 </p:sld>
 </file>
 
-<file path=ppt/slides/slide62.xml><?xml version="1.0" encoding="utf-8"?>
+<file path=ppt/slides/slide59.xml><?xml version="1.0" encoding="utf-8"?>
 <p:sld xmlns:a="http://schemas.openxmlformats.org/drawingml/2006/main" xmlns:r="http://schemas.openxmlformats.org/officeDocument/2006/relationships" xmlns:p="http://schemas.openxmlformats.org/presentationml/2006/main">
   <p:cSld>
     <p:spTree>
@@ -39696,45 +39074,6 @@
       </p:pic>
       <p:pic>
         <p:nvPicPr>
-          <p:cNvPr id="7" name="Рисунок 6">
-            <a:extLst>
-              <a:ext uri="{FF2B5EF4-FFF2-40B4-BE49-F238E27FC236}">
-                <a16:creationId xmlns:a16="http://schemas.microsoft.com/office/drawing/2014/main" id="{74726270-E982-4E0D-838C-E72879C79853}"/>
-              </a:ext>
-            </a:extLst>
-          </p:cNvPr>
-          <p:cNvPicPr/>
-          <p:nvPr/>
-        </p:nvPicPr>
-        <p:blipFill>
-          <a:blip r:embed="rId4">
-            <a:extLst>
-              <a:ext uri="{28A0092B-C50C-407E-A947-70E740481C1C}">
-                <a14:useLocalDpi xmlns:a14="http://schemas.microsoft.com/office/drawing/2010/main" val="0"/>
-              </a:ext>
-            </a:extLst>
-          </a:blip>
-          <a:srcRect/>
-          <a:stretch>
-            <a:fillRect/>
-          </a:stretch>
-        </p:blipFill>
-        <p:spPr bwMode="auto">
-          <a:xfrm>
-            <a:off x="523083" y="3102607"/>
-            <a:ext cx="3965710" cy="1289223"/>
-          </a:xfrm>
-          <a:prstGeom prst="rect">
-            <a:avLst/>
-          </a:prstGeom>
-          <a:noFill/>
-          <a:ln>
-            <a:noFill/>
-          </a:ln>
-        </p:spPr>
-      </p:pic>
-      <p:pic>
-        <p:nvPicPr>
           <p:cNvPr id="11" name="Рисунок 10">
             <a:extLst>
               <a:ext uri="{FF2B5EF4-FFF2-40B4-BE49-F238E27FC236}">
@@ -39746,7 +39085,7 @@
           <p:nvPr/>
         </p:nvPicPr>
         <p:blipFill>
-          <a:blip r:embed="rId5">
+          <a:blip r:embed="rId4">
             <a:extLst>
               <a:ext uri="{28A0092B-C50C-407E-A947-70E740481C1C}">
                 <a14:useLocalDpi xmlns:a14="http://schemas.microsoft.com/office/drawing/2010/main" val="0"/>
@@ -39774,10 +39113,10 @@
       </p:pic>
       <p:pic>
         <p:nvPicPr>
-          <p:cNvPr id="12" name="Рисунок 11">
+          <p:cNvPr id="8" name="Рисунок 7">
             <a:extLst>
               <a:ext uri="{FF2B5EF4-FFF2-40B4-BE49-F238E27FC236}">
-                <a16:creationId xmlns:a16="http://schemas.microsoft.com/office/drawing/2014/main" id="{C3E28C90-042E-4C54-A39A-77E8850A0DBF}"/>
+                <a16:creationId xmlns:a16="http://schemas.microsoft.com/office/drawing/2014/main" id="{49EEF820-E6C2-495D-9485-A579F58831B2}"/>
               </a:ext>
             </a:extLst>
           </p:cNvPr>
@@ -39785,7 +39124,7 @@
           <p:nvPr/>
         </p:nvPicPr>
         <p:blipFill>
-          <a:blip r:embed="rId6">
+          <a:blip r:embed="rId5">
             <a:extLst>
               <a:ext uri="{28A0092B-C50C-407E-A947-70E740481C1C}">
                 <a14:useLocalDpi xmlns:a14="http://schemas.microsoft.com/office/drawing/2010/main" val="0"/>
@@ -39799,8 +39138,8 @@
         </p:blipFill>
         <p:spPr bwMode="auto">
           <a:xfrm>
-            <a:off x="4614569" y="3118041"/>
-            <a:ext cx="4427831" cy="1274431"/>
+            <a:off x="548727" y="3118041"/>
+            <a:ext cx="3887873" cy="1263377"/>
           </a:xfrm>
           <a:prstGeom prst="rect">
             <a:avLst/>
@@ -39809,6 +39148,34 @@
           <a:ln>
             <a:noFill/>
           </a:ln>
+        </p:spPr>
+      </p:pic>
+      <p:pic>
+        <p:nvPicPr>
+          <p:cNvPr id="10" name="Рисунок 9">
+            <a:extLst>
+              <a:ext uri="{FF2B5EF4-FFF2-40B4-BE49-F238E27FC236}">
+                <a16:creationId xmlns:a16="http://schemas.microsoft.com/office/drawing/2014/main" id="{2DB3E4E4-92AC-4FF3-BCAE-1F82903FEA3C}"/>
+              </a:ext>
+            </a:extLst>
+          </p:cNvPr>
+          <p:cNvPicPr/>
+          <p:nvPr/>
+        </p:nvPicPr>
+        <p:blipFill>
+          <a:blip r:embed="rId6"/>
+          <a:stretch>
+            <a:fillRect/>
+          </a:stretch>
+        </p:blipFill>
+        <p:spPr>
+          <a:xfrm>
+            <a:off x="4572000" y="3118041"/>
+            <a:ext cx="4402065" cy="1225823"/>
+          </a:xfrm>
+          <a:prstGeom prst="rect">
+            <a:avLst/>
+          </a:prstGeom>
         </p:spPr>
       </p:pic>
     </p:spTree>
@@ -39824,7 +39191,160 @@
 </p:sld>
 </file>
 
-<file path=ppt/slides/slide63.xml><?xml version="1.0" encoding="utf-8"?>
+<file path=ppt/slides/slide6.xml><?xml version="1.0" encoding="utf-8"?>
+<p:sld xmlns:a="http://schemas.openxmlformats.org/drawingml/2006/main" xmlns:r="http://schemas.openxmlformats.org/officeDocument/2006/relationships" xmlns:p="http://schemas.openxmlformats.org/presentationml/2006/main">
+  <p:cSld>
+    <p:spTree>
+      <p:nvGrpSpPr>
+        <p:cNvPr id="1" name="Shape 1337"/>
+        <p:cNvGrpSpPr/>
+        <p:nvPr/>
+      </p:nvGrpSpPr>
+      <p:grpSpPr>
+        <a:xfrm>
+          <a:off x="0" y="0"/>
+          <a:ext cx="0" cy="0"/>
+          <a:chOff x="0" y="0"/>
+          <a:chExt cx="0" cy="0"/>
+        </a:xfrm>
+      </p:grpSpPr>
+      <p:sp>
+        <p:nvSpPr>
+          <p:cNvPr id="1338" name="Google Shape;1338;p34"/>
+          <p:cNvSpPr txBox="1">
+            <a:spLocks noGrp="1"/>
+          </p:cNvSpPr>
+          <p:nvPr>
+            <p:ph type="title"/>
+          </p:nvPr>
+        </p:nvSpPr>
+        <p:spPr>
+          <a:xfrm>
+            <a:off x="713227" y="228916"/>
+            <a:ext cx="6943805" cy="572700"/>
+          </a:xfrm>
+          <a:prstGeom prst="rect">
+            <a:avLst/>
+          </a:prstGeom>
+        </p:spPr>
+        <p:txBody>
+          <a:bodyPr spcFirstLastPara="1" wrap="square" lIns="91425" tIns="91425" rIns="91425" bIns="91425" anchor="t" anchorCtr="0">
+            <a:noAutofit/>
+          </a:bodyPr>
+          <a:lstStyle/>
+          <a:p>
+            <a:pPr marL="0" lvl="0" indent="0" algn="l" rtl="0">
+              <a:spcBef>
+                <a:spcPts val="0"/>
+              </a:spcBef>
+              <a:spcAft>
+                <a:spcPts val="0"/>
+              </a:spcAft>
+              <a:buNone/>
+            </a:pPr>
+            <a:r>
+              <a:rPr lang="ru-RU" dirty="0"/>
+              <a:t>Функции системы</a:t>
+            </a:r>
+            <a:r>
+              <a:rPr lang="en-US" dirty="0"/>
+              <a:t>:</a:t>
+            </a:r>
+            <a:endParaRPr dirty="0"/>
+          </a:p>
+        </p:txBody>
+      </p:sp>
+      <p:sp>
+        <p:nvSpPr>
+          <p:cNvPr id="1343" name="Google Shape;1343;p34"/>
+          <p:cNvSpPr txBox="1">
+            <a:spLocks noGrp="1"/>
+          </p:cNvSpPr>
+          <p:nvPr>
+            <p:ph type="subTitle" idx="1"/>
+          </p:nvPr>
+        </p:nvSpPr>
+        <p:spPr>
+          <a:xfrm>
+            <a:off x="764872" y="861250"/>
+            <a:ext cx="7100293" cy="3624610"/>
+          </a:xfrm>
+          <a:prstGeom prst="rect">
+            <a:avLst/>
+          </a:prstGeom>
+        </p:spPr>
+        <p:txBody>
+          <a:bodyPr spcFirstLastPara="1" wrap="square" lIns="91425" tIns="91425" rIns="91425" bIns="91425" anchor="t" anchorCtr="0">
+            <a:noAutofit/>
+          </a:bodyPr>
+          <a:lstStyle/>
+          <a:p>
+            <a:pPr marL="0" indent="0" algn="just">
+              <a:lnSpc>
+                <a:spcPct val="150000"/>
+              </a:lnSpc>
+              <a:spcAft>
+                <a:spcPts val="800"/>
+              </a:spcAft>
+            </a:pPr>
+            <a:r>
+              <a:rPr lang="ru-RU" sz="1600" dirty="0"/>
+              <a:t>1. Внесение данных – сотрудники питомника имеют возможность заполнять данные, которые будут храниться в базе данных. </a:t>
+            </a:r>
+          </a:p>
+          <a:p>
+            <a:pPr marL="0" indent="0" algn="just">
+              <a:lnSpc>
+                <a:spcPct val="150000"/>
+              </a:lnSpc>
+              <a:spcAft>
+                <a:spcPts val="800"/>
+              </a:spcAft>
+            </a:pPr>
+            <a:r>
+              <a:rPr lang="ru-RU" sz="1600" dirty="0"/>
+              <a:t>2. Корректировка данных базы данных – персонал сможет изменить уже имеющуюся информацию.</a:t>
+            </a:r>
+          </a:p>
+          <a:p>
+            <a:pPr marL="0" indent="0" algn="just">
+              <a:lnSpc>
+                <a:spcPct val="150000"/>
+              </a:lnSpc>
+              <a:spcAft>
+                <a:spcPts val="800"/>
+              </a:spcAft>
+            </a:pPr>
+            <a:r>
+              <a:rPr lang="ru-RU" sz="1600" dirty="0"/>
+              <a:t>3. Хранение информации – система будет иметь возможность хранить всю предоставляемую информацию.</a:t>
+            </a:r>
+          </a:p>
+          <a:p>
+            <a:pPr marL="0" indent="0" algn="just">
+              <a:lnSpc>
+                <a:spcPct val="150000"/>
+              </a:lnSpc>
+              <a:spcAft>
+                <a:spcPts val="800"/>
+              </a:spcAft>
+            </a:pPr>
+            <a:r>
+              <a:rPr lang="ru-RU" sz="1600" dirty="0"/>
+              <a:t>4. Предоставление – персонал питомника сможет запросить и узнать всю необходимую информацию.</a:t>
+            </a:r>
+          </a:p>
+        </p:txBody>
+      </p:sp>
+    </p:spTree>
+  </p:cSld>
+  <p:clrMapOvr>
+    <a:masterClrMapping/>
+  </p:clrMapOvr>
+</p:sld>
+</file>
+
+<file path=ppt/slides/slide60.xml><?xml version="1.0" encoding="utf-8"?>
 <p:sld xmlns:a="http://schemas.openxmlformats.org/drawingml/2006/main" xmlns:r="http://schemas.openxmlformats.org/officeDocument/2006/relationships" xmlns:p="http://schemas.openxmlformats.org/presentationml/2006/main">
   <p:cSld>
     <p:spTree>
@@ -39926,7 +39446,7 @@
 </p:sld>
 </file>
 
-<file path=ppt/slides/slide64.xml><?xml version="1.0" encoding="utf-8"?>
+<file path=ppt/slides/slide61.xml><?xml version="1.0" encoding="utf-8"?>
 <p:sld xmlns:a="http://schemas.openxmlformats.org/drawingml/2006/main" xmlns:r="http://schemas.openxmlformats.org/officeDocument/2006/relationships" xmlns:p="http://schemas.openxmlformats.org/presentationml/2006/main">
   <p:cSld>
     <p:spTree>
@@ -40028,7 +39548,7 @@
 </p:sld>
 </file>
 
-<file path=ppt/slides/slide65.xml><?xml version="1.0" encoding="utf-8"?>
+<file path=ppt/slides/slide62.xml><?xml version="1.0" encoding="utf-8"?>
 <p:sld xmlns:a="http://schemas.openxmlformats.org/drawingml/2006/main" xmlns:r="http://schemas.openxmlformats.org/officeDocument/2006/relationships" xmlns:p="http://schemas.openxmlformats.org/presentationml/2006/main">
   <p:cSld>
     <p:spTree>
@@ -40130,7 +39650,7 @@
 </p:sld>
 </file>
 
-<file path=ppt/slides/slide66.xml><?xml version="1.0" encoding="utf-8"?>
+<file path=ppt/slides/slide63.xml><?xml version="1.0" encoding="utf-8"?>
 <p:sld xmlns:a="http://schemas.openxmlformats.org/drawingml/2006/main" xmlns:r="http://schemas.openxmlformats.org/officeDocument/2006/relationships" xmlns:p="http://schemas.openxmlformats.org/presentationml/2006/main">
   <p:cSld>
     <p:spTree>
@@ -40232,7 +39752,7 @@
 </p:sld>
 </file>
 
-<file path=ppt/slides/slide67.xml><?xml version="1.0" encoding="utf-8"?>
+<file path=ppt/slides/slide64.xml><?xml version="1.0" encoding="utf-8"?>
 <p:sld xmlns:a="http://schemas.openxmlformats.org/drawingml/2006/main" xmlns:r="http://schemas.openxmlformats.org/officeDocument/2006/relationships" xmlns:p="http://schemas.openxmlformats.org/presentationml/2006/main">
   <p:cSld>
     <p:spTree>
